--- a/Battle of Neighborhoods-Chicago-Final Presentation.pptx
+++ b/Battle of Neighborhoods-Chicago-Final Presentation.pptx
@@ -13,22 +13,23 @@
     <p:sldId id="271" r:id="rId7"/>
     <p:sldId id="272" r:id="rId8"/>
     <p:sldId id="282" r:id="rId9"/>
-    <p:sldId id="283" r:id="rId10"/>
-    <p:sldId id="277" r:id="rId11"/>
-    <p:sldId id="284" r:id="rId12"/>
-    <p:sldId id="285" r:id="rId13"/>
-    <p:sldId id="286" r:id="rId14"/>
-    <p:sldId id="273" r:id="rId15"/>
-    <p:sldId id="279" r:id="rId16"/>
-    <p:sldId id="280" r:id="rId17"/>
-    <p:sldId id="281" r:id="rId18"/>
-    <p:sldId id="264" r:id="rId19"/>
-    <p:sldId id="265" r:id="rId20"/>
-    <p:sldId id="267" r:id="rId21"/>
-    <p:sldId id="266" r:id="rId22"/>
-    <p:sldId id="268" r:id="rId23"/>
-    <p:sldId id="269" r:id="rId24"/>
-    <p:sldId id="270" r:id="rId25"/>
+    <p:sldId id="287" r:id="rId10"/>
+    <p:sldId id="283" r:id="rId11"/>
+    <p:sldId id="277" r:id="rId12"/>
+    <p:sldId id="284" r:id="rId13"/>
+    <p:sldId id="285" r:id="rId14"/>
+    <p:sldId id="286" r:id="rId15"/>
+    <p:sldId id="273" r:id="rId16"/>
+    <p:sldId id="279" r:id="rId17"/>
+    <p:sldId id="280" r:id="rId18"/>
+    <p:sldId id="281" r:id="rId19"/>
+    <p:sldId id="264" r:id="rId20"/>
+    <p:sldId id="265" r:id="rId21"/>
+    <p:sldId id="267" r:id="rId22"/>
+    <p:sldId id="266" r:id="rId23"/>
+    <p:sldId id="268" r:id="rId24"/>
+    <p:sldId id="269" r:id="rId25"/>
+    <p:sldId id="270" r:id="rId26"/>
   </p:sldIdLst>
   <p:sldSz cx="12192000" cy="6858000"/>
   <p:notesSz cx="6858000" cy="9144000"/>
@@ -6276,7 +6277,7 @@
           <p:cNvPr id="2" name="TextBox 1">
             <a:extLst>
               <a:ext uri="{FF2B5EF4-FFF2-40B4-BE49-F238E27FC236}">
-                <a16:creationId xmlns:a16="http://schemas.microsoft.com/office/drawing/2014/main" id="{80897F16-6420-744A-8808-DE12F8937C44}"/>
+                <a16:creationId xmlns:a16="http://schemas.microsoft.com/office/drawing/2014/main" id="{140C7659-7492-6D44-82AF-8A692059F050}"/>
               </a:ext>
             </a:extLst>
           </p:cNvPr>
@@ -6285,8 +6286,8 @@
         </p:nvSpPr>
         <p:spPr>
           <a:xfrm>
-            <a:off x="2407015" y="289931"/>
-            <a:ext cx="6362639" cy="523220"/>
+            <a:off x="2800350" y="285750"/>
+            <a:ext cx="5557838" cy="584775"/>
           </a:xfrm>
           <a:prstGeom prst="rect">
             <a:avLst/>
@@ -6294,83 +6295,96 @@
           <a:noFill/>
         </p:spPr>
         <p:txBody>
-          <a:bodyPr wrap="none" rtlCol="0">
+          <a:bodyPr wrap="square" rtlCol="0">
             <a:spAutoFit/>
           </a:bodyPr>
           <a:lstStyle/>
           <a:p>
-            <a:pPr algn="ctr"/>
-            <a:r>
-              <a:rPr lang="en-US" sz="2800" dirty="0"/>
-              <a:t>Siluhouette Score and Cluster Visualizations</a:t>
-            </a:r>
-          </a:p>
-        </p:txBody>
-      </p:sp>
-      <p:pic>
-        <p:nvPicPr>
-          <p:cNvPr id="3" name="Picture 2">
+            <a:r>
+              <a:rPr lang="en-US" sz="3200" b="1" dirty="0">
+                <a:hlinkClick r:id="rId2" tooltip="sklearn.metrics"/>
+              </a:rPr>
+              <a:t>sklearn.metrics</a:t>
+            </a:r>
+            <a:r>
+              <a:rPr lang="en-US" sz="3200" b="1" dirty="0"/>
+              <a:t>.silhouette_score</a:t>
+            </a:r>
+          </a:p>
+        </p:txBody>
+      </p:sp>
+      <p:sp>
+        <p:nvSpPr>
+          <p:cNvPr id="3" name="TextBox 2">
             <a:extLst>
               <a:ext uri="{FF2B5EF4-FFF2-40B4-BE49-F238E27FC236}">
-                <a16:creationId xmlns:a16="http://schemas.microsoft.com/office/drawing/2014/main" id="{723DD256-D2C1-4AA5-A587-CDCF70471D94}"/>
+                <a16:creationId xmlns:a16="http://schemas.microsoft.com/office/drawing/2014/main" id="{B2BDF28F-CB06-2941-9A98-41E03DD3A6E0}"/>
               </a:ext>
             </a:extLst>
           </p:cNvPr>
-          <p:cNvPicPr>
-            <a:picLocks noChangeAspect="1"/>
-          </p:cNvPicPr>
+          <p:cNvSpPr txBox="1"/>
           <p:nvPr/>
-        </p:nvPicPr>
-        <p:blipFill>
-          <a:blip r:embed="rId2"/>
-          <a:stretch>
-            <a:fillRect/>
-          </a:stretch>
-        </p:blipFill>
-        <p:spPr>
-          <a:xfrm>
-            <a:off x="1983685" y="856549"/>
-            <a:ext cx="7359098" cy="742950"/>
+        </p:nvSpPr>
+        <p:spPr>
+          <a:xfrm>
+            <a:off x="1028699" y="1471613"/>
+            <a:ext cx="10615613" cy="4832092"/>
           </a:xfrm>
           <a:prstGeom prst="rect">
             <a:avLst/>
           </a:prstGeom>
-        </p:spPr>
-      </p:pic>
-      <p:pic>
-        <p:nvPicPr>
-          <p:cNvPr id="5" name="Picture 4">
-            <a:extLst>
-              <a:ext uri="{FF2B5EF4-FFF2-40B4-BE49-F238E27FC236}">
-                <a16:creationId xmlns:a16="http://schemas.microsoft.com/office/drawing/2014/main" id="{1D672496-B19D-4382-83AC-94B9F021BFAF}"/>
-              </a:ext>
-            </a:extLst>
-          </p:cNvPr>
-          <p:cNvPicPr>
-            <a:picLocks noChangeAspect="1"/>
-          </p:cNvPicPr>
-          <p:nvPr/>
-        </p:nvPicPr>
-        <p:blipFill>
-          <a:blip r:embed="rId3"/>
-          <a:stretch>
-            <a:fillRect/>
-          </a:stretch>
-        </p:blipFill>
-        <p:spPr>
-          <a:xfrm>
-            <a:off x="1409075" y="2093471"/>
-            <a:ext cx="8298821" cy="4358553"/>
-          </a:xfrm>
-          <a:prstGeom prst="rect">
-            <a:avLst/>
-          </a:prstGeom>
-        </p:spPr>
-      </p:pic>
+          <a:noFill/>
+        </p:spPr>
+        <p:txBody>
+          <a:bodyPr wrap="square" rtlCol="0">
+            <a:spAutoFit/>
+          </a:bodyPr>
+          <a:lstStyle/>
+          <a:p>
+            <a:r>
+              <a:rPr lang="en-US" sz="2800" dirty="0"/>
+              <a:t>The Silhouette Coefficient is calculated using the mean intra-cluster distance (a) and the mean nearest-cluster distance (b) for each sample. </a:t>
+            </a:r>
+          </a:p>
+          <a:p>
+            <a:endParaRPr lang="en-US" sz="2800" dirty="0"/>
+          </a:p>
+          <a:p>
+            <a:r>
+              <a:rPr lang="en-US" sz="2800" dirty="0"/>
+              <a:t>The formula for the Silhouette Coefficient of a sample is </a:t>
+            </a:r>
+          </a:p>
+          <a:p>
+            <a:r>
+              <a:rPr lang="en-US" sz="2800" dirty="0"/>
+              <a:t>                          </a:t>
+            </a:r>
+            <a:r>
+              <a:rPr lang="en-US" sz="2800" dirty="0">
+                <a:solidFill>
+                  <a:schemeClr val="accent1"/>
+                </a:solidFill>
+              </a:rPr>
+              <a:t>(b - a) / max(a, b). </a:t>
+            </a:r>
+          </a:p>
+          <a:p>
+            <a:endParaRPr lang="en-US" sz="2800" dirty="0"/>
+          </a:p>
+          <a:p>
+            <a:r>
+              <a:rPr lang="en-US" sz="2800" dirty="0"/>
+              <a:t>The best value is 1 and the worst value is -1. Values near 0 indicate overlapping clusters. Negative values generally indicate that a sample has been assigned to the wrong cluster.</a:t>
+            </a:r>
+            <a:endParaRPr lang="en-US" dirty="0"/>
+          </a:p>
+        </p:txBody>
+      </p:sp>
     </p:spTree>
     <p:extLst>
       <p:ext uri="{BB962C8B-B14F-4D97-AF65-F5344CB8AC3E}">
-        <p14:creationId xmlns:p14="http://schemas.microsoft.com/office/powerpoint/2010/main" val="869896175"/>
+        <p14:creationId xmlns:p14="http://schemas.microsoft.com/office/powerpoint/2010/main" val="868675423"/>
       </p:ext>
     </p:extLst>
   </p:cSld>
@@ -6435,10 +6449,10 @@
       </p:sp>
       <p:pic>
         <p:nvPicPr>
-          <p:cNvPr id="4" name="Picture 3">
+          <p:cNvPr id="3" name="Picture 2">
             <a:extLst>
               <a:ext uri="{FF2B5EF4-FFF2-40B4-BE49-F238E27FC236}">
-                <a16:creationId xmlns:a16="http://schemas.microsoft.com/office/drawing/2014/main" id="{9AD4141B-D673-41B7-88A5-129952FCDFEF}"/>
+                <a16:creationId xmlns:a16="http://schemas.microsoft.com/office/drawing/2014/main" id="{723DD256-D2C1-4AA5-A587-CDCF70471D94}"/>
               </a:ext>
             </a:extLst>
           </p:cNvPr>
@@ -6455,8 +6469,38 @@
         </p:blipFill>
         <p:spPr>
           <a:xfrm>
-            <a:off x="1585991" y="1590675"/>
-            <a:ext cx="8210550" cy="4330440"/>
+            <a:off x="1983685" y="856549"/>
+            <a:ext cx="7359098" cy="742950"/>
+          </a:xfrm>
+          <a:prstGeom prst="rect">
+            <a:avLst/>
+          </a:prstGeom>
+        </p:spPr>
+      </p:pic>
+      <p:pic>
+        <p:nvPicPr>
+          <p:cNvPr id="5" name="Picture 4">
+            <a:extLst>
+              <a:ext uri="{FF2B5EF4-FFF2-40B4-BE49-F238E27FC236}">
+                <a16:creationId xmlns:a16="http://schemas.microsoft.com/office/drawing/2014/main" id="{1D672496-B19D-4382-83AC-94B9F021BFAF}"/>
+              </a:ext>
+            </a:extLst>
+          </p:cNvPr>
+          <p:cNvPicPr>
+            <a:picLocks noChangeAspect="1"/>
+          </p:cNvPicPr>
+          <p:nvPr/>
+        </p:nvPicPr>
+        <p:blipFill>
+          <a:blip r:embed="rId3"/>
+          <a:stretch>
+            <a:fillRect/>
+          </a:stretch>
+        </p:blipFill>
+        <p:spPr>
+          <a:xfrm>
+            <a:off x="1409075" y="2093471"/>
+            <a:ext cx="8298821" cy="4358553"/>
           </a:xfrm>
           <a:prstGeom prst="rect">
             <a:avLst/>
@@ -6466,7 +6510,7 @@
     </p:spTree>
     <p:extLst>
       <p:ext uri="{BB962C8B-B14F-4D97-AF65-F5344CB8AC3E}">
-        <p14:creationId xmlns:p14="http://schemas.microsoft.com/office/powerpoint/2010/main" val="366511900"/>
+        <p14:creationId xmlns:p14="http://schemas.microsoft.com/office/powerpoint/2010/main" val="869896175"/>
       </p:ext>
     </p:extLst>
   </p:cSld>
@@ -6534,7 +6578,7 @@
           <p:cNvPr id="4" name="Picture 3">
             <a:extLst>
               <a:ext uri="{FF2B5EF4-FFF2-40B4-BE49-F238E27FC236}">
-                <a16:creationId xmlns:a16="http://schemas.microsoft.com/office/drawing/2014/main" id="{61B2AA79-DE20-4813-876F-D9EC376372BA}"/>
+                <a16:creationId xmlns:a16="http://schemas.microsoft.com/office/drawing/2014/main" id="{9AD4141B-D673-41B7-88A5-129952FCDFEF}"/>
               </a:ext>
             </a:extLst>
           </p:cNvPr>
@@ -6551,8 +6595,8 @@
         </p:blipFill>
         <p:spPr>
           <a:xfrm>
-            <a:off x="1952625" y="1595437"/>
-            <a:ext cx="8286750" cy="4475579"/>
+            <a:off x="1585991" y="1590675"/>
+            <a:ext cx="8210550" cy="4330440"/>
           </a:xfrm>
           <a:prstGeom prst="rect">
             <a:avLst/>
@@ -6562,7 +6606,7 @@
     </p:spTree>
     <p:extLst>
       <p:ext uri="{BB962C8B-B14F-4D97-AF65-F5344CB8AC3E}">
-        <p14:creationId xmlns:p14="http://schemas.microsoft.com/office/powerpoint/2010/main" val="2911860"/>
+        <p14:creationId xmlns:p14="http://schemas.microsoft.com/office/powerpoint/2010/main" val="366511900"/>
       </p:ext>
     </p:extLst>
   </p:cSld>
@@ -6630,7 +6674,7 @@
           <p:cNvPr id="4" name="Picture 3">
             <a:extLst>
               <a:ext uri="{FF2B5EF4-FFF2-40B4-BE49-F238E27FC236}">
-                <a16:creationId xmlns:a16="http://schemas.microsoft.com/office/drawing/2014/main" id="{BF024C7C-FD06-47B8-9D4E-2A7DF1ADA35A}"/>
+                <a16:creationId xmlns:a16="http://schemas.microsoft.com/office/drawing/2014/main" id="{61B2AA79-DE20-4813-876F-D9EC376372BA}"/>
               </a:ext>
             </a:extLst>
           </p:cNvPr>
@@ -6647,8 +6691,8 @@
         </p:blipFill>
         <p:spPr>
           <a:xfrm>
-            <a:off x="1568502" y="1566862"/>
-            <a:ext cx="8515350" cy="4878908"/>
+            <a:off x="1952625" y="1595437"/>
+            <a:ext cx="8286750" cy="4475579"/>
           </a:xfrm>
           <a:prstGeom prst="rect">
             <a:avLst/>
@@ -6658,7 +6702,7 @@
     </p:spTree>
     <p:extLst>
       <p:ext uri="{BB962C8B-B14F-4D97-AF65-F5344CB8AC3E}">
-        <p14:creationId xmlns:p14="http://schemas.microsoft.com/office/powerpoint/2010/main" val="3895707487"/>
+        <p14:creationId xmlns:p14="http://schemas.microsoft.com/office/powerpoint/2010/main" val="2911860"/>
       </p:ext>
     </p:extLst>
   </p:cSld>
@@ -6687,262 +6731,46 @@
       </p:grpSpPr>
       <p:sp>
         <p:nvSpPr>
-          <p:cNvPr id="2" name="Rectangle: Rounded Corners 1">
+          <p:cNvPr id="2" name="TextBox 1">
             <a:extLst>
               <a:ext uri="{FF2B5EF4-FFF2-40B4-BE49-F238E27FC236}">
-                <a16:creationId xmlns:a16="http://schemas.microsoft.com/office/drawing/2014/main" id="{0FC86204-59E4-4BC9-A233-FCE36C9DA33F}"/>
+                <a16:creationId xmlns:a16="http://schemas.microsoft.com/office/drawing/2014/main" id="{80897F16-6420-744A-8808-DE12F8937C44}"/>
               </a:ext>
             </a:extLst>
           </p:cNvPr>
-          <p:cNvSpPr/>
+          <p:cNvSpPr txBox="1"/>
           <p:nvPr/>
         </p:nvSpPr>
         <p:spPr>
           <a:xfrm>
-            <a:off x="3660871" y="411345"/>
-            <a:ext cx="1950720" cy="949228"/>
-          </a:xfrm>
-          <a:prstGeom prst="roundRect">
+            <a:off x="2407015" y="289931"/>
+            <a:ext cx="6362639" cy="523220"/>
+          </a:xfrm>
+          <a:prstGeom prst="rect">
             <a:avLst/>
           </a:prstGeom>
-        </p:spPr>
-        <p:style>
-          <a:lnRef idx="2">
-            <a:schemeClr val="accent3">
-              <a:shade val="50000"/>
-            </a:schemeClr>
-          </a:lnRef>
-          <a:fillRef idx="1">
-            <a:schemeClr val="accent3"/>
-          </a:fillRef>
-          <a:effectRef idx="0">
-            <a:schemeClr val="accent3"/>
-          </a:effectRef>
-          <a:fontRef idx="minor">
-            <a:schemeClr val="lt1"/>
-          </a:fontRef>
-        </p:style>
-        <p:txBody>
-          <a:bodyPr rtlCol="0" anchor="ctr"/>
+          <a:noFill/>
+        </p:spPr>
+        <p:txBody>
+          <a:bodyPr wrap="none" rtlCol="0">
+            <a:spAutoFit/>
+          </a:bodyPr>
           <a:lstStyle/>
           <a:p>
             <a:pPr algn="ctr"/>
             <a:r>
-              <a:rPr lang="en-US" b="1" dirty="0"/>
-              <a:t>Neighborhood 1</a:t>
-            </a:r>
-            <a:endParaRPr lang="en-US" dirty="0"/>
-          </a:p>
-        </p:txBody>
-      </p:sp>
-      <p:sp>
-        <p:nvSpPr>
-          <p:cNvPr id="3" name="Rectangle: Rounded Corners 2">
-            <a:extLst>
-              <a:ext uri="{FF2B5EF4-FFF2-40B4-BE49-F238E27FC236}">
-                <a16:creationId xmlns:a16="http://schemas.microsoft.com/office/drawing/2014/main" id="{06F4BE94-F8D8-4A54-8956-77EF024E0734}"/>
-              </a:ext>
-            </a:extLst>
-          </p:cNvPr>
-          <p:cNvSpPr/>
-          <p:nvPr/>
-        </p:nvSpPr>
-        <p:spPr>
-          <a:xfrm>
-            <a:off x="6720863" y="416298"/>
-            <a:ext cx="1950720" cy="949228"/>
-          </a:xfrm>
-          <a:prstGeom prst="roundRect">
-            <a:avLst/>
-          </a:prstGeom>
-        </p:spPr>
-        <p:style>
-          <a:lnRef idx="2">
-            <a:schemeClr val="accent4">
-              <a:shade val="50000"/>
-            </a:schemeClr>
-          </a:lnRef>
-          <a:fillRef idx="1">
-            <a:schemeClr val="accent4"/>
-          </a:fillRef>
-          <a:effectRef idx="0">
-            <a:schemeClr val="accent4"/>
-          </a:effectRef>
-          <a:fontRef idx="minor">
-            <a:schemeClr val="lt1"/>
-          </a:fontRef>
-        </p:style>
-        <p:txBody>
-          <a:bodyPr rtlCol="0" anchor="ctr"/>
-          <a:lstStyle/>
-          <a:p>
-            <a:pPr algn="ctr"/>
-            <a:r>
-              <a:rPr lang="en-US" b="1" dirty="0"/>
-              <a:t>Neighborhood 2</a:t>
-            </a:r>
-          </a:p>
-        </p:txBody>
-      </p:sp>
-      <p:sp>
-        <p:nvSpPr>
-          <p:cNvPr id="4" name="Rectangle: Rounded Corners 3">
-            <a:extLst>
-              <a:ext uri="{FF2B5EF4-FFF2-40B4-BE49-F238E27FC236}">
-                <a16:creationId xmlns:a16="http://schemas.microsoft.com/office/drawing/2014/main" id="{88EBC43B-E988-41EC-A297-0CAF7E429E8E}"/>
-              </a:ext>
-            </a:extLst>
-          </p:cNvPr>
-          <p:cNvSpPr/>
-          <p:nvPr/>
-        </p:nvSpPr>
-        <p:spPr>
-          <a:xfrm>
-            <a:off x="1569741" y="2059855"/>
-            <a:ext cx="1950720" cy="1832875"/>
-          </a:xfrm>
-          <a:prstGeom prst="roundRect">
-            <a:avLst/>
-          </a:prstGeom>
-          <a:solidFill>
-            <a:srgbClr val="FFFF00"/>
-          </a:solidFill>
-        </p:spPr>
-        <p:style>
-          <a:lnRef idx="1">
-            <a:schemeClr val="accent5"/>
-          </a:lnRef>
-          <a:fillRef idx="2">
-            <a:schemeClr val="accent5"/>
-          </a:fillRef>
-          <a:effectRef idx="1">
-            <a:schemeClr val="accent5"/>
-          </a:effectRef>
-          <a:fontRef idx="minor">
-            <a:schemeClr val="dk1"/>
-          </a:fontRef>
-        </p:style>
-        <p:txBody>
-          <a:bodyPr rtlCol="0" anchor="ctr"/>
-          <a:lstStyle/>
-          <a:p>
-            <a:pPr algn="ctr"/>
-            <a:r>
-              <a:rPr lang="en-US" b="1" dirty="0"/>
-              <a:t>Population Distribution Analysis	</a:t>
-            </a:r>
-          </a:p>
-        </p:txBody>
-      </p:sp>
-      <p:sp>
-        <p:nvSpPr>
-          <p:cNvPr id="5" name="Rectangle: Rounded Corners 4">
-            <a:extLst>
-              <a:ext uri="{FF2B5EF4-FFF2-40B4-BE49-F238E27FC236}">
-                <a16:creationId xmlns:a16="http://schemas.microsoft.com/office/drawing/2014/main" id="{EFC4B29E-CFD0-431C-A001-A4FA198B4A0C}"/>
-              </a:ext>
-            </a:extLst>
-          </p:cNvPr>
-          <p:cNvSpPr/>
-          <p:nvPr/>
-        </p:nvSpPr>
-        <p:spPr>
-          <a:xfrm>
-            <a:off x="4561462" y="2242684"/>
-            <a:ext cx="1950720" cy="1832875"/>
-          </a:xfrm>
-          <a:prstGeom prst="roundRect">
-            <a:avLst/>
-          </a:prstGeom>
-          <a:solidFill>
-            <a:srgbClr val="00B050"/>
-          </a:solidFill>
-        </p:spPr>
-        <p:style>
-          <a:lnRef idx="1">
-            <a:schemeClr val="accent5"/>
-          </a:lnRef>
-          <a:fillRef idx="2">
-            <a:schemeClr val="accent5"/>
-          </a:fillRef>
-          <a:effectRef idx="1">
-            <a:schemeClr val="accent5"/>
-          </a:effectRef>
-          <a:fontRef idx="minor">
-            <a:schemeClr val="dk1"/>
-          </a:fontRef>
-        </p:style>
-        <p:txBody>
-          <a:bodyPr rtlCol="0" anchor="ctr"/>
-          <a:lstStyle/>
-          <a:p>
-            <a:pPr algn="ctr"/>
-            <a:r>
-              <a:rPr lang="en-US" b="1" dirty="0"/>
-              <a:t>School Ratings Analysis</a:t>
-            </a:r>
-          </a:p>
-        </p:txBody>
-      </p:sp>
-      <p:sp>
-        <p:nvSpPr>
-          <p:cNvPr id="6" name="Rectangle: Rounded Corners 5">
-            <a:extLst>
-              <a:ext uri="{FF2B5EF4-FFF2-40B4-BE49-F238E27FC236}">
-                <a16:creationId xmlns:a16="http://schemas.microsoft.com/office/drawing/2014/main" id="{836EE6D6-513F-4E4B-B1C5-372D86F8E85F}"/>
-              </a:ext>
-            </a:extLst>
-          </p:cNvPr>
-          <p:cNvSpPr/>
-          <p:nvPr/>
-        </p:nvSpPr>
-        <p:spPr>
-          <a:xfrm>
-            <a:off x="7448029" y="2138417"/>
-            <a:ext cx="1950720" cy="1832875"/>
-          </a:xfrm>
-          <a:prstGeom prst="roundRect">
-            <a:avLst/>
-          </a:prstGeom>
-          <a:solidFill>
-            <a:schemeClr val="accent3">
-              <a:lumMod val="40000"/>
-              <a:lumOff val="60000"/>
-            </a:schemeClr>
-          </a:solidFill>
-        </p:spPr>
-        <p:style>
-          <a:lnRef idx="1">
-            <a:schemeClr val="accent5"/>
-          </a:lnRef>
-          <a:fillRef idx="2">
-            <a:schemeClr val="accent5"/>
-          </a:fillRef>
-          <a:effectRef idx="1">
-            <a:schemeClr val="accent5"/>
-          </a:effectRef>
-          <a:fontRef idx="minor">
-            <a:schemeClr val="dk1"/>
-          </a:fontRef>
-        </p:style>
-        <p:txBody>
-          <a:bodyPr rtlCol="0" anchor="ctr"/>
-          <a:lstStyle/>
-          <a:p>
-            <a:pPr algn="ctr"/>
-            <a:r>
-              <a:rPr lang="en-US" b="1" dirty="0"/>
-              <a:t>Median House Price Analysis</a:t>
+              <a:rPr lang="en-US" sz="2800" dirty="0"/>
+              <a:t>Siluhouette Score and Cluster Visualizations</a:t>
             </a:r>
           </a:p>
         </p:txBody>
       </p:sp>
       <p:pic>
         <p:nvPicPr>
-          <p:cNvPr id="7" name="Graphic 6" descr="Head with Gears">
+          <p:cNvPr id="4" name="Picture 3">
             <a:extLst>
               <a:ext uri="{FF2B5EF4-FFF2-40B4-BE49-F238E27FC236}">
-                <a16:creationId xmlns:a16="http://schemas.microsoft.com/office/drawing/2014/main" id="{57488735-1E8B-4AFC-BFF1-02EB0A4E0353}"/>
+                <a16:creationId xmlns:a16="http://schemas.microsoft.com/office/drawing/2014/main" id="{BF024C7C-FD06-47B8-9D4E-2A7DF1ADA35A}"/>
               </a:ext>
             </a:extLst>
           </p:cNvPr>
@@ -6952,883 +6780,25 @@
           <p:nvPr/>
         </p:nvPicPr>
         <p:blipFill>
-          <a:blip r:embed="rId2">
-            <a:extLst>
-              <a:ext uri="{28A0092B-C50C-407E-A947-70E740481C1C}">
-                <a14:useLocalDpi xmlns:a14="http://schemas.microsoft.com/office/drawing/2010/main" val="0"/>
-              </a:ext>
-              <a:ext uri="{96DAC541-7B7A-43D3-8B79-37D633B846F1}">
-                <asvg:svgBlip xmlns:asvg="http://schemas.microsoft.com/office/drawing/2016/SVG/main" r:embed="rId3"/>
-              </a:ext>
-            </a:extLst>
-          </a:blip>
+          <a:blip r:embed="rId2"/>
           <a:stretch>
             <a:fillRect/>
           </a:stretch>
         </p:blipFill>
         <p:spPr>
           <a:xfrm>
-            <a:off x="5194638" y="4683035"/>
-            <a:ext cx="914400" cy="914400"/>
+            <a:off x="1568502" y="1566862"/>
+            <a:ext cx="8515350" cy="4878908"/>
           </a:xfrm>
           <a:prstGeom prst="rect">
             <a:avLst/>
           </a:prstGeom>
         </p:spPr>
       </p:pic>
-      <p:pic>
-        <p:nvPicPr>
-          <p:cNvPr id="8" name="Graphic 7" descr="City">
-            <a:extLst>
-              <a:ext uri="{FF2B5EF4-FFF2-40B4-BE49-F238E27FC236}">
-                <a16:creationId xmlns:a16="http://schemas.microsoft.com/office/drawing/2014/main" id="{342076A2-01C0-4BE8-8E42-0C2C044858E4}"/>
-              </a:ext>
-            </a:extLst>
-          </p:cNvPr>
-          <p:cNvPicPr>
-            <a:picLocks noChangeAspect="1"/>
-          </p:cNvPicPr>
-          <p:nvPr/>
-        </p:nvPicPr>
-        <p:blipFill>
-          <a:blip r:embed="rId4">
-            <a:extLst>
-              <a:ext uri="{28A0092B-C50C-407E-A947-70E740481C1C}">
-                <a14:useLocalDpi xmlns:a14="http://schemas.microsoft.com/office/drawing/2010/main" val="0"/>
-              </a:ext>
-              <a:ext uri="{96DAC541-7B7A-43D3-8B79-37D633B846F1}">
-                <asvg:svgBlip xmlns:asvg="http://schemas.microsoft.com/office/drawing/2016/SVG/main" r:embed="rId5"/>
-              </a:ext>
-            </a:extLst>
-          </a:blip>
-          <a:stretch>
-            <a:fillRect/>
-          </a:stretch>
-        </p:blipFill>
-        <p:spPr>
-          <a:xfrm>
-            <a:off x="5003073" y="5695406"/>
-            <a:ext cx="1227909" cy="1045031"/>
-          </a:xfrm>
-          <a:prstGeom prst="rect">
-            <a:avLst/>
-          </a:prstGeom>
-        </p:spPr>
-      </p:pic>
-      <p:sp>
-        <p:nvSpPr>
-          <p:cNvPr id="10" name="Rectangle 9">
-            <a:extLst>
-              <a:ext uri="{FF2B5EF4-FFF2-40B4-BE49-F238E27FC236}">
-                <a16:creationId xmlns:a16="http://schemas.microsoft.com/office/drawing/2014/main" id="{5A40B49B-159D-432E-A8A4-9B1FDA912C1A}"/>
-              </a:ext>
-            </a:extLst>
-          </p:cNvPr>
-          <p:cNvSpPr/>
-          <p:nvPr/>
-        </p:nvSpPr>
-        <p:spPr>
-          <a:xfrm>
-            <a:off x="4170490" y="6488668"/>
-            <a:ext cx="2734595" cy="369332"/>
-          </a:xfrm>
-          <a:prstGeom prst="rect">
-            <a:avLst/>
-          </a:prstGeom>
-        </p:spPr>
-        <p:txBody>
-          <a:bodyPr wrap="none">
-            <a:spAutoFit/>
-          </a:bodyPr>
-          <a:lstStyle/>
-          <a:p>
-            <a:r>
-              <a:rPr lang="en-US" b="1" i="0" dirty="0">
-                <a:effectLst/>
-                <a:latin typeface="Arial" panose="020B0604020202020204" pitchFamily="34" charset="0"/>
-              </a:rPr>
-              <a:t>Winning Neighborhood</a:t>
-            </a:r>
-            <a:endParaRPr lang="en-US" dirty="0"/>
-          </a:p>
-        </p:txBody>
-      </p:sp>
-      <p:cxnSp>
-        <p:nvCxnSpPr>
-          <p:cNvPr id="11" name="Straight Arrow Connector 10">
-            <a:extLst>
-              <a:ext uri="{FF2B5EF4-FFF2-40B4-BE49-F238E27FC236}">
-                <a16:creationId xmlns:a16="http://schemas.microsoft.com/office/drawing/2014/main" id="{F7929F42-DB7E-4F8D-8095-48D2A1C4C595}"/>
-              </a:ext>
-            </a:extLst>
-          </p:cNvPr>
-          <p:cNvCxnSpPr>
-            <a:stCxn id="2" idx="2"/>
-            <a:endCxn id="6" idx="0"/>
-          </p:cNvCxnSpPr>
-          <p:nvPr/>
-        </p:nvCxnSpPr>
-        <p:spPr>
-          <a:xfrm>
-            <a:off x="4636231" y="1360573"/>
-            <a:ext cx="3787158" cy="777844"/>
-          </a:xfrm>
-          <a:prstGeom prst="straightConnector1">
-            <a:avLst/>
-          </a:prstGeom>
-          <a:ln w="28575">
-            <a:solidFill>
-              <a:schemeClr val="bg2"/>
-            </a:solidFill>
-            <a:tailEnd type="triangle"/>
-          </a:ln>
-        </p:spPr>
-        <p:style>
-          <a:lnRef idx="1">
-            <a:schemeClr val="accent1"/>
-          </a:lnRef>
-          <a:fillRef idx="0">
-            <a:schemeClr val="accent1"/>
-          </a:fillRef>
-          <a:effectRef idx="0">
-            <a:schemeClr val="accent1"/>
-          </a:effectRef>
-          <a:fontRef idx="minor">
-            <a:schemeClr val="tx1"/>
-          </a:fontRef>
-        </p:style>
-      </p:cxnSp>
-      <p:cxnSp>
-        <p:nvCxnSpPr>
-          <p:cNvPr id="12" name="Straight Arrow Connector 11">
-            <a:extLst>
-              <a:ext uri="{FF2B5EF4-FFF2-40B4-BE49-F238E27FC236}">
-                <a16:creationId xmlns:a16="http://schemas.microsoft.com/office/drawing/2014/main" id="{2D016F02-76F9-4757-AFA3-34D9E331A4CD}"/>
-              </a:ext>
-            </a:extLst>
-          </p:cNvPr>
-          <p:cNvCxnSpPr>
-            <a:cxnSpLocks/>
-            <a:stCxn id="2" idx="2"/>
-            <a:endCxn id="5" idx="0"/>
-          </p:cNvCxnSpPr>
-          <p:nvPr/>
-        </p:nvCxnSpPr>
-        <p:spPr>
-          <a:xfrm>
-            <a:off x="4636231" y="1360573"/>
-            <a:ext cx="900591" cy="882111"/>
-          </a:xfrm>
-          <a:prstGeom prst="straightConnector1">
-            <a:avLst/>
-          </a:prstGeom>
-          <a:ln w="28575">
-            <a:solidFill>
-              <a:schemeClr val="bg2"/>
-            </a:solidFill>
-            <a:tailEnd type="triangle"/>
-          </a:ln>
-        </p:spPr>
-        <p:style>
-          <a:lnRef idx="1">
-            <a:schemeClr val="accent1"/>
-          </a:lnRef>
-          <a:fillRef idx="0">
-            <a:schemeClr val="accent1"/>
-          </a:fillRef>
-          <a:effectRef idx="0">
-            <a:schemeClr val="accent1"/>
-          </a:effectRef>
-          <a:fontRef idx="minor">
-            <a:schemeClr val="tx1"/>
-          </a:fontRef>
-        </p:style>
-      </p:cxnSp>
-      <p:cxnSp>
-        <p:nvCxnSpPr>
-          <p:cNvPr id="13" name="Straight Arrow Connector 12">
-            <a:extLst>
-              <a:ext uri="{FF2B5EF4-FFF2-40B4-BE49-F238E27FC236}">
-                <a16:creationId xmlns:a16="http://schemas.microsoft.com/office/drawing/2014/main" id="{228AFE0F-D5D1-4D1F-8CA1-5EFD3A1BE1D1}"/>
-              </a:ext>
-            </a:extLst>
-          </p:cNvPr>
-          <p:cNvCxnSpPr>
-            <a:cxnSpLocks/>
-            <a:endCxn id="4" idx="0"/>
-          </p:cNvCxnSpPr>
-          <p:nvPr/>
-        </p:nvCxnSpPr>
-        <p:spPr>
-          <a:xfrm flipH="1">
-            <a:off x="2545101" y="1400239"/>
-            <a:ext cx="2087882" cy="659616"/>
-          </a:xfrm>
-          <a:prstGeom prst="straightConnector1">
-            <a:avLst/>
-          </a:prstGeom>
-          <a:ln w="28575">
-            <a:solidFill>
-              <a:schemeClr val="bg2"/>
-            </a:solidFill>
-            <a:tailEnd type="triangle"/>
-          </a:ln>
-        </p:spPr>
-        <p:style>
-          <a:lnRef idx="1">
-            <a:schemeClr val="accent1"/>
-          </a:lnRef>
-          <a:fillRef idx="0">
-            <a:schemeClr val="accent1"/>
-          </a:fillRef>
-          <a:effectRef idx="0">
-            <a:schemeClr val="accent1"/>
-          </a:effectRef>
-          <a:fontRef idx="minor">
-            <a:schemeClr val="tx1"/>
-          </a:fontRef>
-        </p:style>
-      </p:cxnSp>
-      <p:sp>
-        <p:nvSpPr>
-          <p:cNvPr id="14" name="Cloud 13">
-            <a:extLst>
-              <a:ext uri="{FF2B5EF4-FFF2-40B4-BE49-F238E27FC236}">
-                <a16:creationId xmlns:a16="http://schemas.microsoft.com/office/drawing/2014/main" id="{931FEBB3-25B3-477E-852A-662ADCF7DF52}"/>
-              </a:ext>
-            </a:extLst>
-          </p:cNvPr>
-          <p:cNvSpPr/>
-          <p:nvPr/>
-        </p:nvSpPr>
-        <p:spPr>
-          <a:xfrm>
-            <a:off x="9901646" y="4199935"/>
-            <a:ext cx="1698172" cy="1397500"/>
-          </a:xfrm>
-          <a:prstGeom prst="cloud">
-            <a:avLst/>
-          </a:prstGeom>
-        </p:spPr>
-        <p:style>
-          <a:lnRef idx="2">
-            <a:schemeClr val="accent5"/>
-          </a:lnRef>
-          <a:fillRef idx="1">
-            <a:schemeClr val="lt1"/>
-          </a:fillRef>
-          <a:effectRef idx="0">
-            <a:schemeClr val="accent5"/>
-          </a:effectRef>
-          <a:fontRef idx="minor">
-            <a:schemeClr val="dk1"/>
-          </a:fontRef>
-        </p:style>
-        <p:txBody>
-          <a:bodyPr rtlCol="0" anchor="ctr"/>
-          <a:lstStyle/>
-          <a:p>
-            <a:pPr algn="ctr"/>
-            <a:r>
-              <a:rPr lang="en-US" dirty="0"/>
-              <a:t>Cluster Analysis</a:t>
-            </a:r>
-          </a:p>
-        </p:txBody>
-      </p:sp>
-      <p:cxnSp>
-        <p:nvCxnSpPr>
-          <p:cNvPr id="15" name="Straight Arrow Connector 14">
-            <a:extLst>
-              <a:ext uri="{FF2B5EF4-FFF2-40B4-BE49-F238E27FC236}">
-                <a16:creationId xmlns:a16="http://schemas.microsoft.com/office/drawing/2014/main" id="{FE605FC9-B7D3-4602-A866-E3AE7600439E}"/>
-              </a:ext>
-            </a:extLst>
-          </p:cNvPr>
-          <p:cNvCxnSpPr>
-            <a:endCxn id="7" idx="3"/>
-          </p:cNvCxnSpPr>
-          <p:nvPr/>
-        </p:nvCxnSpPr>
-        <p:spPr>
-          <a:xfrm flipH="1">
-            <a:off x="6109038" y="5140235"/>
-            <a:ext cx="3792608" cy="0"/>
-          </a:xfrm>
-          <a:prstGeom prst="straightConnector1">
-            <a:avLst/>
-          </a:prstGeom>
-          <a:ln w="38100">
-            <a:solidFill>
-              <a:schemeClr val="bg2"/>
-            </a:solidFill>
-            <a:tailEnd type="triangle"/>
-          </a:ln>
-        </p:spPr>
-        <p:style>
-          <a:lnRef idx="1">
-            <a:schemeClr val="accent1"/>
-          </a:lnRef>
-          <a:fillRef idx="0">
-            <a:schemeClr val="accent1"/>
-          </a:fillRef>
-          <a:effectRef idx="0">
-            <a:schemeClr val="accent1"/>
-          </a:effectRef>
-          <a:fontRef idx="minor">
-            <a:schemeClr val="tx1"/>
-          </a:fontRef>
-        </p:style>
-      </p:cxnSp>
-      <p:cxnSp>
-        <p:nvCxnSpPr>
-          <p:cNvPr id="16" name="Straight Arrow Connector 15">
-            <a:extLst>
-              <a:ext uri="{FF2B5EF4-FFF2-40B4-BE49-F238E27FC236}">
-                <a16:creationId xmlns:a16="http://schemas.microsoft.com/office/drawing/2014/main" id="{7117A318-AA42-4042-9A1D-4E3DB07F1D29}"/>
-              </a:ext>
-            </a:extLst>
-          </p:cNvPr>
-          <p:cNvCxnSpPr>
-            <a:cxnSpLocks/>
-            <a:stCxn id="3" idx="2"/>
-          </p:cNvCxnSpPr>
-          <p:nvPr/>
-        </p:nvCxnSpPr>
-        <p:spPr>
-          <a:xfrm flipH="1">
-            <a:off x="2864093" y="1365526"/>
-            <a:ext cx="4832130" cy="678677"/>
-          </a:xfrm>
-          <a:prstGeom prst="straightConnector1">
-            <a:avLst/>
-          </a:prstGeom>
-          <a:ln w="28575">
-            <a:solidFill>
-              <a:schemeClr val="bg2"/>
-            </a:solidFill>
-            <a:tailEnd type="triangle"/>
-          </a:ln>
-        </p:spPr>
-        <p:style>
-          <a:lnRef idx="1">
-            <a:schemeClr val="accent1"/>
-          </a:lnRef>
-          <a:fillRef idx="0">
-            <a:schemeClr val="accent1"/>
-          </a:fillRef>
-          <a:effectRef idx="0">
-            <a:schemeClr val="accent1"/>
-          </a:effectRef>
-          <a:fontRef idx="minor">
-            <a:schemeClr val="tx1"/>
-          </a:fontRef>
-        </p:style>
-      </p:cxnSp>
-      <p:cxnSp>
-        <p:nvCxnSpPr>
-          <p:cNvPr id="17" name="Straight Arrow Connector 16">
-            <a:extLst>
-              <a:ext uri="{FF2B5EF4-FFF2-40B4-BE49-F238E27FC236}">
-                <a16:creationId xmlns:a16="http://schemas.microsoft.com/office/drawing/2014/main" id="{F8AE36D1-E593-4B3D-9A2D-915C577E6E1A}"/>
-              </a:ext>
-            </a:extLst>
-          </p:cNvPr>
-          <p:cNvCxnSpPr>
-            <a:cxnSpLocks/>
-            <a:stCxn id="3" idx="2"/>
-          </p:cNvCxnSpPr>
-          <p:nvPr/>
-        </p:nvCxnSpPr>
-        <p:spPr>
-          <a:xfrm flipH="1">
-            <a:off x="5706081" y="1365526"/>
-            <a:ext cx="1990142" cy="861506"/>
-          </a:xfrm>
-          <a:prstGeom prst="straightConnector1">
-            <a:avLst/>
-          </a:prstGeom>
-          <a:ln w="28575">
-            <a:solidFill>
-              <a:schemeClr val="bg2"/>
-            </a:solidFill>
-            <a:tailEnd type="triangle"/>
-          </a:ln>
-        </p:spPr>
-        <p:style>
-          <a:lnRef idx="1">
-            <a:schemeClr val="accent1"/>
-          </a:lnRef>
-          <a:fillRef idx="0">
-            <a:schemeClr val="accent1"/>
-          </a:fillRef>
-          <a:effectRef idx="0">
-            <a:schemeClr val="accent1"/>
-          </a:effectRef>
-          <a:fontRef idx="minor">
-            <a:schemeClr val="tx1"/>
-          </a:fontRef>
-        </p:style>
-      </p:cxnSp>
-      <p:cxnSp>
-        <p:nvCxnSpPr>
-          <p:cNvPr id="18" name="Straight Arrow Connector 17">
-            <a:extLst>
-              <a:ext uri="{FF2B5EF4-FFF2-40B4-BE49-F238E27FC236}">
-                <a16:creationId xmlns:a16="http://schemas.microsoft.com/office/drawing/2014/main" id="{DBB7F019-A586-4CE5-91AF-FAAE26D9423E}"/>
-              </a:ext>
-            </a:extLst>
-          </p:cNvPr>
-          <p:cNvCxnSpPr>
-            <a:cxnSpLocks/>
-            <a:stCxn id="3" idx="2"/>
-            <a:endCxn id="6" idx="0"/>
-          </p:cNvCxnSpPr>
-          <p:nvPr/>
-        </p:nvCxnSpPr>
-        <p:spPr>
-          <a:xfrm>
-            <a:off x="7696223" y="1365526"/>
-            <a:ext cx="727166" cy="772891"/>
-          </a:xfrm>
-          <a:prstGeom prst="straightConnector1">
-            <a:avLst/>
-          </a:prstGeom>
-          <a:ln w="28575">
-            <a:solidFill>
-              <a:schemeClr val="bg2"/>
-            </a:solidFill>
-            <a:tailEnd type="triangle"/>
-          </a:ln>
-        </p:spPr>
-        <p:style>
-          <a:lnRef idx="1">
-            <a:schemeClr val="accent1"/>
-          </a:lnRef>
-          <a:fillRef idx="0">
-            <a:schemeClr val="accent1"/>
-          </a:fillRef>
-          <a:effectRef idx="0">
-            <a:schemeClr val="accent1"/>
-          </a:effectRef>
-          <a:fontRef idx="minor">
-            <a:schemeClr val="tx1"/>
-          </a:fontRef>
-        </p:style>
-      </p:cxnSp>
-      <p:pic>
-        <p:nvPicPr>
-          <p:cNvPr id="19" name="Graphic 18" descr="Group">
-            <a:extLst>
-              <a:ext uri="{FF2B5EF4-FFF2-40B4-BE49-F238E27FC236}">
-                <a16:creationId xmlns:a16="http://schemas.microsoft.com/office/drawing/2014/main" id="{8515A4F6-B5FA-4408-AC0C-8A24512B57AB}"/>
-              </a:ext>
-            </a:extLst>
-          </p:cNvPr>
-          <p:cNvPicPr>
-            <a:picLocks noChangeAspect="1"/>
-          </p:cNvPicPr>
-          <p:nvPr/>
-        </p:nvPicPr>
-        <p:blipFill>
-          <a:blip r:embed="rId6">
-            <a:extLst>
-              <a:ext uri="{28A0092B-C50C-407E-A947-70E740481C1C}">
-                <a14:useLocalDpi xmlns:a14="http://schemas.microsoft.com/office/drawing/2010/main" val="0"/>
-              </a:ext>
-              <a:ext uri="{96DAC541-7B7A-43D3-8B79-37D633B846F1}">
-                <asvg:svgBlip xmlns:asvg="http://schemas.microsoft.com/office/drawing/2016/SVG/main" r:embed="rId7"/>
-              </a:ext>
-            </a:extLst>
-          </a:blip>
-          <a:stretch>
-            <a:fillRect/>
-          </a:stretch>
-        </p:blipFill>
-        <p:spPr>
-          <a:xfrm>
-            <a:off x="1590423" y="3276409"/>
-            <a:ext cx="914400" cy="914400"/>
-          </a:xfrm>
-          <a:prstGeom prst="rect">
-            <a:avLst/>
-          </a:prstGeom>
-        </p:spPr>
-      </p:pic>
-      <p:pic>
-        <p:nvPicPr>
-          <p:cNvPr id="20" name="Graphic 19" descr="Children">
-            <a:extLst>
-              <a:ext uri="{FF2B5EF4-FFF2-40B4-BE49-F238E27FC236}">
-                <a16:creationId xmlns:a16="http://schemas.microsoft.com/office/drawing/2014/main" id="{794A39C7-78F4-4D7E-874E-61CE145EE5B5}"/>
-              </a:ext>
-            </a:extLst>
-          </p:cNvPr>
-          <p:cNvPicPr>
-            <a:picLocks noChangeAspect="1"/>
-          </p:cNvPicPr>
-          <p:nvPr/>
-        </p:nvPicPr>
-        <p:blipFill>
-          <a:blip r:embed="rId8">
-            <a:extLst>
-              <a:ext uri="{28A0092B-C50C-407E-A947-70E740481C1C}">
-                <a14:useLocalDpi xmlns:a14="http://schemas.microsoft.com/office/drawing/2010/main" val="0"/>
-              </a:ext>
-              <a:ext uri="{96DAC541-7B7A-43D3-8B79-37D633B846F1}">
-                <asvg:svgBlip xmlns:asvg="http://schemas.microsoft.com/office/drawing/2016/SVG/main" r:embed="rId9"/>
-              </a:ext>
-            </a:extLst>
-          </a:blip>
-          <a:stretch>
-            <a:fillRect/>
-          </a:stretch>
-        </p:blipFill>
-        <p:spPr>
-          <a:xfrm>
-            <a:off x="1740423" y="3426409"/>
-            <a:ext cx="914400" cy="914400"/>
-          </a:xfrm>
-          <a:prstGeom prst="rect">
-            <a:avLst/>
-          </a:prstGeom>
-        </p:spPr>
-      </p:pic>
-      <p:pic>
-        <p:nvPicPr>
-          <p:cNvPr id="21" name="Graphic 20" descr="Man and Woman">
-            <a:extLst>
-              <a:ext uri="{FF2B5EF4-FFF2-40B4-BE49-F238E27FC236}">
-                <a16:creationId xmlns:a16="http://schemas.microsoft.com/office/drawing/2014/main" id="{8758B4A6-B9CD-4232-81E0-1FB59BD2042E}"/>
-              </a:ext>
-            </a:extLst>
-          </p:cNvPr>
-          <p:cNvPicPr>
-            <a:picLocks noChangeAspect="1"/>
-          </p:cNvPicPr>
-          <p:nvPr/>
-        </p:nvPicPr>
-        <p:blipFill>
-          <a:blip r:embed="rId10">
-            <a:extLst>
-              <a:ext uri="{28A0092B-C50C-407E-A947-70E740481C1C}">
-                <a14:useLocalDpi xmlns:a14="http://schemas.microsoft.com/office/drawing/2010/main" val="0"/>
-              </a:ext>
-              <a:ext uri="{96DAC541-7B7A-43D3-8B79-37D633B846F1}">
-                <asvg:svgBlip xmlns:asvg="http://schemas.microsoft.com/office/drawing/2016/SVG/main" r:embed="rId11"/>
-              </a:ext>
-            </a:extLst>
-          </a:blip>
-          <a:stretch>
-            <a:fillRect/>
-          </a:stretch>
-        </p:blipFill>
-        <p:spPr>
-          <a:xfrm>
-            <a:off x="1890423" y="3576409"/>
-            <a:ext cx="914400" cy="914400"/>
-          </a:xfrm>
-          <a:prstGeom prst="rect">
-            <a:avLst/>
-          </a:prstGeom>
-        </p:spPr>
-      </p:pic>
-      <p:pic>
-        <p:nvPicPr>
-          <p:cNvPr id="22" name="Graphic 21" descr="Two Men">
-            <a:extLst>
-              <a:ext uri="{FF2B5EF4-FFF2-40B4-BE49-F238E27FC236}">
-                <a16:creationId xmlns:a16="http://schemas.microsoft.com/office/drawing/2014/main" id="{40EAA797-BE2B-4B72-9B2B-0219D23D9325}"/>
-              </a:ext>
-            </a:extLst>
-          </p:cNvPr>
-          <p:cNvPicPr>
-            <a:picLocks noChangeAspect="1"/>
-          </p:cNvPicPr>
-          <p:nvPr/>
-        </p:nvPicPr>
-        <p:blipFill>
-          <a:blip r:embed="rId12">
-            <a:extLst>
-              <a:ext uri="{28A0092B-C50C-407E-A947-70E740481C1C}">
-                <a14:useLocalDpi xmlns:a14="http://schemas.microsoft.com/office/drawing/2010/main" val="0"/>
-              </a:ext>
-              <a:ext uri="{96DAC541-7B7A-43D3-8B79-37D633B846F1}">
-                <asvg:svgBlip xmlns:asvg="http://schemas.microsoft.com/office/drawing/2016/SVG/main" r:embed="rId13"/>
-              </a:ext>
-            </a:extLst>
-          </a:blip>
-          <a:stretch>
-            <a:fillRect/>
-          </a:stretch>
-        </p:blipFill>
-        <p:spPr>
-          <a:xfrm>
-            <a:off x="2040423" y="3726409"/>
-            <a:ext cx="914400" cy="914400"/>
-          </a:xfrm>
-          <a:prstGeom prst="rect">
-            <a:avLst/>
-          </a:prstGeom>
-        </p:spPr>
-      </p:pic>
-      <p:pic>
-        <p:nvPicPr>
-          <p:cNvPr id="24" name="Graphic 23" descr="House">
-            <a:extLst>
-              <a:ext uri="{FF2B5EF4-FFF2-40B4-BE49-F238E27FC236}">
-                <a16:creationId xmlns:a16="http://schemas.microsoft.com/office/drawing/2014/main" id="{B6FF15C1-9A74-4BAB-8ECE-7765F4955CAF}"/>
-              </a:ext>
-            </a:extLst>
-          </p:cNvPr>
-          <p:cNvPicPr>
-            <a:picLocks noChangeAspect="1"/>
-          </p:cNvPicPr>
-          <p:nvPr/>
-        </p:nvPicPr>
-        <p:blipFill>
-          <a:blip r:embed="rId14">
-            <a:extLst>
-              <a:ext uri="{28A0092B-C50C-407E-A947-70E740481C1C}">
-                <a14:useLocalDpi xmlns:a14="http://schemas.microsoft.com/office/drawing/2010/main" val="0"/>
-              </a:ext>
-              <a:ext uri="{96DAC541-7B7A-43D3-8B79-37D633B846F1}">
-                <asvg:svgBlip xmlns:asvg="http://schemas.microsoft.com/office/drawing/2016/SVG/main" r:embed="rId15"/>
-              </a:ext>
-            </a:extLst>
-          </a:blip>
-          <a:stretch>
-            <a:fillRect/>
-          </a:stretch>
-        </p:blipFill>
-        <p:spPr>
-          <a:xfrm>
-            <a:off x="7251277" y="3343450"/>
-            <a:ext cx="914400" cy="914400"/>
-          </a:xfrm>
-          <a:prstGeom prst="rect">
-            <a:avLst/>
-          </a:prstGeom>
-        </p:spPr>
-      </p:pic>
-      <p:cxnSp>
-        <p:nvCxnSpPr>
-          <p:cNvPr id="25" name="Straight Arrow Connector 24">
-            <a:extLst>
-              <a:ext uri="{FF2B5EF4-FFF2-40B4-BE49-F238E27FC236}">
-                <a16:creationId xmlns:a16="http://schemas.microsoft.com/office/drawing/2014/main" id="{4BF731EF-BA25-4031-97B2-3A1E2EE38BC1}"/>
-              </a:ext>
-            </a:extLst>
-          </p:cNvPr>
-          <p:cNvCxnSpPr>
-            <a:cxnSpLocks/>
-            <a:endCxn id="7" idx="1"/>
-          </p:cNvCxnSpPr>
-          <p:nvPr/>
-        </p:nvCxnSpPr>
-        <p:spPr>
-          <a:xfrm>
-            <a:off x="2864094" y="3892730"/>
-            <a:ext cx="2330544" cy="1247505"/>
-          </a:xfrm>
-          <a:prstGeom prst="straightConnector1">
-            <a:avLst/>
-          </a:prstGeom>
-          <a:ln w="28575">
-            <a:solidFill>
-              <a:schemeClr val="bg2"/>
-            </a:solidFill>
-            <a:tailEnd type="triangle"/>
-          </a:ln>
-        </p:spPr>
-        <p:style>
-          <a:lnRef idx="1">
-            <a:schemeClr val="accent1"/>
-          </a:lnRef>
-          <a:fillRef idx="0">
-            <a:schemeClr val="accent1"/>
-          </a:fillRef>
-          <a:effectRef idx="0">
-            <a:schemeClr val="accent1"/>
-          </a:effectRef>
-          <a:fontRef idx="minor">
-            <a:schemeClr val="tx1"/>
-          </a:fontRef>
-        </p:style>
-      </p:cxnSp>
-      <p:cxnSp>
-        <p:nvCxnSpPr>
-          <p:cNvPr id="26" name="Straight Arrow Connector 25">
-            <a:extLst>
-              <a:ext uri="{FF2B5EF4-FFF2-40B4-BE49-F238E27FC236}">
-                <a16:creationId xmlns:a16="http://schemas.microsoft.com/office/drawing/2014/main" id="{00F5932E-DD6E-491C-BCCF-7942AC07ACC0}"/>
-              </a:ext>
-            </a:extLst>
-          </p:cNvPr>
-          <p:cNvCxnSpPr>
-            <a:cxnSpLocks/>
-            <a:stCxn id="6" idx="2"/>
-          </p:cNvCxnSpPr>
-          <p:nvPr/>
-        </p:nvCxnSpPr>
-        <p:spPr>
-          <a:xfrm flipH="1">
-            <a:off x="6082963" y="3971292"/>
-            <a:ext cx="2340426" cy="940342"/>
-          </a:xfrm>
-          <a:prstGeom prst="straightConnector1">
-            <a:avLst/>
-          </a:prstGeom>
-          <a:ln w="28575">
-            <a:solidFill>
-              <a:schemeClr val="bg2"/>
-            </a:solidFill>
-            <a:tailEnd type="triangle"/>
-          </a:ln>
-        </p:spPr>
-        <p:style>
-          <a:lnRef idx="1">
-            <a:schemeClr val="accent1"/>
-          </a:lnRef>
-          <a:fillRef idx="0">
-            <a:schemeClr val="accent1"/>
-          </a:fillRef>
-          <a:effectRef idx="0">
-            <a:schemeClr val="accent1"/>
-          </a:effectRef>
-          <a:fontRef idx="minor">
-            <a:schemeClr val="tx1"/>
-          </a:fontRef>
-        </p:style>
-      </p:cxnSp>
-      <p:cxnSp>
-        <p:nvCxnSpPr>
-          <p:cNvPr id="27" name="Straight Arrow Connector 26">
-            <a:extLst>
-              <a:ext uri="{FF2B5EF4-FFF2-40B4-BE49-F238E27FC236}">
-                <a16:creationId xmlns:a16="http://schemas.microsoft.com/office/drawing/2014/main" id="{6F51D95A-EF2C-42AA-96D6-05F12EEB53BA}"/>
-              </a:ext>
-            </a:extLst>
-          </p:cNvPr>
-          <p:cNvCxnSpPr>
-            <a:cxnSpLocks/>
-            <a:stCxn id="5" idx="2"/>
-          </p:cNvCxnSpPr>
-          <p:nvPr/>
-        </p:nvCxnSpPr>
-        <p:spPr>
-          <a:xfrm>
-            <a:off x="5536822" y="4075559"/>
-            <a:ext cx="0" cy="586501"/>
-          </a:xfrm>
-          <a:prstGeom prst="straightConnector1">
-            <a:avLst/>
-          </a:prstGeom>
-          <a:ln w="28575">
-            <a:solidFill>
-              <a:schemeClr val="bg2"/>
-            </a:solidFill>
-            <a:tailEnd type="triangle"/>
-          </a:ln>
-        </p:spPr>
-        <p:style>
-          <a:lnRef idx="1">
-            <a:schemeClr val="accent1"/>
-          </a:lnRef>
-          <a:fillRef idx="0">
-            <a:schemeClr val="accent1"/>
-          </a:fillRef>
-          <a:effectRef idx="0">
-            <a:schemeClr val="accent1"/>
-          </a:effectRef>
-          <a:fontRef idx="minor">
-            <a:schemeClr val="tx1"/>
-          </a:fontRef>
-        </p:style>
-      </p:cxnSp>
-      <p:cxnSp>
-        <p:nvCxnSpPr>
-          <p:cNvPr id="28" name="Straight Arrow Connector 27">
-            <a:extLst>
-              <a:ext uri="{FF2B5EF4-FFF2-40B4-BE49-F238E27FC236}">
-                <a16:creationId xmlns:a16="http://schemas.microsoft.com/office/drawing/2014/main" id="{ECB42D67-521D-403B-944D-D485C6A3F41D}"/>
-              </a:ext>
-            </a:extLst>
-          </p:cNvPr>
-          <p:cNvCxnSpPr>
-            <a:cxnSpLocks/>
-          </p:cNvCxnSpPr>
-          <p:nvPr/>
-        </p:nvCxnSpPr>
-        <p:spPr>
-          <a:xfrm>
-            <a:off x="5611591" y="5492474"/>
-            <a:ext cx="1" cy="372749"/>
-          </a:xfrm>
-          <a:prstGeom prst="straightConnector1">
-            <a:avLst/>
-          </a:prstGeom>
-          <a:ln w="76200">
-            <a:solidFill>
-              <a:schemeClr val="bg2"/>
-            </a:solidFill>
-            <a:tailEnd type="triangle"/>
-          </a:ln>
-        </p:spPr>
-        <p:style>
-          <a:lnRef idx="1">
-            <a:schemeClr val="accent1"/>
-          </a:lnRef>
-          <a:fillRef idx="0">
-            <a:schemeClr val="accent1"/>
-          </a:fillRef>
-          <a:effectRef idx="0">
-            <a:schemeClr val="accent1"/>
-          </a:effectRef>
-          <a:fontRef idx="minor">
-            <a:schemeClr val="tx1"/>
-          </a:fontRef>
-        </p:style>
-      </p:cxnSp>
-      <p:sp>
-        <p:nvSpPr>
-          <p:cNvPr id="29" name="TextBox 28">
-            <a:extLst>
-              <a:ext uri="{FF2B5EF4-FFF2-40B4-BE49-F238E27FC236}">
-                <a16:creationId xmlns:a16="http://schemas.microsoft.com/office/drawing/2014/main" id="{9565731C-2DAA-2442-8155-84F824ED9678}"/>
-              </a:ext>
-            </a:extLst>
-          </p:cNvPr>
-          <p:cNvSpPr txBox="1"/>
-          <p:nvPr/>
-        </p:nvSpPr>
-        <p:spPr>
-          <a:xfrm>
-            <a:off x="798686" y="700920"/>
-            <a:ext cx="2497873" cy="461665"/>
-          </a:xfrm>
-          <a:prstGeom prst="rect">
-            <a:avLst/>
-          </a:prstGeom>
-          <a:noFill/>
-        </p:spPr>
-        <p:txBody>
-          <a:bodyPr wrap="square" rtlCol="0">
-            <a:spAutoFit/>
-          </a:bodyPr>
-          <a:lstStyle/>
-          <a:p>
-            <a:r>
-              <a:rPr lang="en-US" sz="2400" dirty="0"/>
-              <a:t>Decision Making</a:t>
-            </a:r>
-          </a:p>
-        </p:txBody>
-      </p:sp>
     </p:spTree>
     <p:extLst>
       <p:ext uri="{BB962C8B-B14F-4D97-AF65-F5344CB8AC3E}">
-        <p14:creationId xmlns:p14="http://schemas.microsoft.com/office/powerpoint/2010/main" val="870952832"/>
+        <p14:creationId xmlns:p14="http://schemas.microsoft.com/office/powerpoint/2010/main" val="3895707487"/>
       </p:ext>
     </p:extLst>
   </p:cSld>
@@ -7857,45 +6827,262 @@
       </p:grpSpPr>
       <p:sp>
         <p:nvSpPr>
-          <p:cNvPr id="4" name="TextBox 3">
+          <p:cNvPr id="2" name="Rectangle: Rounded Corners 1">
             <a:extLst>
               <a:ext uri="{FF2B5EF4-FFF2-40B4-BE49-F238E27FC236}">
-                <a16:creationId xmlns:a16="http://schemas.microsoft.com/office/drawing/2014/main" id="{415CFA3D-772E-0B41-8454-828E700CF82F}"/>
+                <a16:creationId xmlns:a16="http://schemas.microsoft.com/office/drawing/2014/main" id="{0FC86204-59E4-4BC9-A233-FCE36C9DA33F}"/>
               </a:ext>
             </a:extLst>
           </p:cNvPr>
-          <p:cNvSpPr txBox="1"/>
+          <p:cNvSpPr/>
           <p:nvPr/>
         </p:nvSpPr>
         <p:spPr>
           <a:xfrm>
-            <a:off x="4529138" y="300038"/>
-            <a:ext cx="3675365" cy="461665"/>
-          </a:xfrm>
-          <a:prstGeom prst="rect">
+            <a:off x="3660871" y="411345"/>
+            <a:ext cx="1950720" cy="949228"/>
+          </a:xfrm>
+          <a:prstGeom prst="roundRect">
             <a:avLst/>
           </a:prstGeom>
-          <a:noFill/>
-        </p:spPr>
-        <p:txBody>
-          <a:bodyPr wrap="none" rtlCol="0">
-            <a:spAutoFit/>
-          </a:bodyPr>
-          <a:lstStyle/>
-          <a:p>
-            <a:r>
-              <a:rPr lang="en-US" sz="2400" dirty="0"/>
-              <a:t>POPULATION DISTRIBUTION</a:t>
+        </p:spPr>
+        <p:style>
+          <a:lnRef idx="2">
+            <a:schemeClr val="accent3">
+              <a:shade val="50000"/>
+            </a:schemeClr>
+          </a:lnRef>
+          <a:fillRef idx="1">
+            <a:schemeClr val="accent3"/>
+          </a:fillRef>
+          <a:effectRef idx="0">
+            <a:schemeClr val="accent3"/>
+          </a:effectRef>
+          <a:fontRef idx="minor">
+            <a:schemeClr val="lt1"/>
+          </a:fontRef>
+        </p:style>
+        <p:txBody>
+          <a:bodyPr rtlCol="0" anchor="ctr"/>
+          <a:lstStyle/>
+          <a:p>
+            <a:pPr algn="ctr"/>
+            <a:r>
+              <a:rPr lang="en-US" b="1" dirty="0"/>
+              <a:t>Neighborhood 1</a:t>
+            </a:r>
+            <a:endParaRPr lang="en-US" dirty="0"/>
+          </a:p>
+        </p:txBody>
+      </p:sp>
+      <p:sp>
+        <p:nvSpPr>
+          <p:cNvPr id="3" name="Rectangle: Rounded Corners 2">
+            <a:extLst>
+              <a:ext uri="{FF2B5EF4-FFF2-40B4-BE49-F238E27FC236}">
+                <a16:creationId xmlns:a16="http://schemas.microsoft.com/office/drawing/2014/main" id="{06F4BE94-F8D8-4A54-8956-77EF024E0734}"/>
+              </a:ext>
+            </a:extLst>
+          </p:cNvPr>
+          <p:cNvSpPr/>
+          <p:nvPr/>
+        </p:nvSpPr>
+        <p:spPr>
+          <a:xfrm>
+            <a:off x="6720863" y="416298"/>
+            <a:ext cx="1950720" cy="949228"/>
+          </a:xfrm>
+          <a:prstGeom prst="roundRect">
+            <a:avLst/>
+          </a:prstGeom>
+        </p:spPr>
+        <p:style>
+          <a:lnRef idx="2">
+            <a:schemeClr val="accent4">
+              <a:shade val="50000"/>
+            </a:schemeClr>
+          </a:lnRef>
+          <a:fillRef idx="1">
+            <a:schemeClr val="accent4"/>
+          </a:fillRef>
+          <a:effectRef idx="0">
+            <a:schemeClr val="accent4"/>
+          </a:effectRef>
+          <a:fontRef idx="minor">
+            <a:schemeClr val="lt1"/>
+          </a:fontRef>
+        </p:style>
+        <p:txBody>
+          <a:bodyPr rtlCol="0" anchor="ctr"/>
+          <a:lstStyle/>
+          <a:p>
+            <a:pPr algn="ctr"/>
+            <a:r>
+              <a:rPr lang="en-US" b="1" dirty="0"/>
+              <a:t>Neighborhood 2</a:t>
+            </a:r>
+          </a:p>
+        </p:txBody>
+      </p:sp>
+      <p:sp>
+        <p:nvSpPr>
+          <p:cNvPr id="4" name="Rectangle: Rounded Corners 3">
+            <a:extLst>
+              <a:ext uri="{FF2B5EF4-FFF2-40B4-BE49-F238E27FC236}">
+                <a16:creationId xmlns:a16="http://schemas.microsoft.com/office/drawing/2014/main" id="{88EBC43B-E988-41EC-A297-0CAF7E429E8E}"/>
+              </a:ext>
+            </a:extLst>
+          </p:cNvPr>
+          <p:cNvSpPr/>
+          <p:nvPr/>
+        </p:nvSpPr>
+        <p:spPr>
+          <a:xfrm>
+            <a:off x="1569741" y="2059855"/>
+            <a:ext cx="1950720" cy="1832875"/>
+          </a:xfrm>
+          <a:prstGeom prst="roundRect">
+            <a:avLst/>
+          </a:prstGeom>
+          <a:solidFill>
+            <a:srgbClr val="FFFF00"/>
+          </a:solidFill>
+        </p:spPr>
+        <p:style>
+          <a:lnRef idx="1">
+            <a:schemeClr val="accent5"/>
+          </a:lnRef>
+          <a:fillRef idx="2">
+            <a:schemeClr val="accent5"/>
+          </a:fillRef>
+          <a:effectRef idx="1">
+            <a:schemeClr val="accent5"/>
+          </a:effectRef>
+          <a:fontRef idx="minor">
+            <a:schemeClr val="dk1"/>
+          </a:fontRef>
+        </p:style>
+        <p:txBody>
+          <a:bodyPr rtlCol="0" anchor="ctr"/>
+          <a:lstStyle/>
+          <a:p>
+            <a:pPr algn="ctr"/>
+            <a:r>
+              <a:rPr lang="en-US" b="1" dirty="0"/>
+              <a:t>Population Distribution Analysis	</a:t>
+            </a:r>
+          </a:p>
+        </p:txBody>
+      </p:sp>
+      <p:sp>
+        <p:nvSpPr>
+          <p:cNvPr id="5" name="Rectangle: Rounded Corners 4">
+            <a:extLst>
+              <a:ext uri="{FF2B5EF4-FFF2-40B4-BE49-F238E27FC236}">
+                <a16:creationId xmlns:a16="http://schemas.microsoft.com/office/drawing/2014/main" id="{EFC4B29E-CFD0-431C-A001-A4FA198B4A0C}"/>
+              </a:ext>
+            </a:extLst>
+          </p:cNvPr>
+          <p:cNvSpPr/>
+          <p:nvPr/>
+        </p:nvSpPr>
+        <p:spPr>
+          <a:xfrm>
+            <a:off x="4561462" y="2242684"/>
+            <a:ext cx="1950720" cy="1832875"/>
+          </a:xfrm>
+          <a:prstGeom prst="roundRect">
+            <a:avLst/>
+          </a:prstGeom>
+          <a:solidFill>
+            <a:srgbClr val="00B050"/>
+          </a:solidFill>
+        </p:spPr>
+        <p:style>
+          <a:lnRef idx="1">
+            <a:schemeClr val="accent5"/>
+          </a:lnRef>
+          <a:fillRef idx="2">
+            <a:schemeClr val="accent5"/>
+          </a:fillRef>
+          <a:effectRef idx="1">
+            <a:schemeClr val="accent5"/>
+          </a:effectRef>
+          <a:fontRef idx="minor">
+            <a:schemeClr val="dk1"/>
+          </a:fontRef>
+        </p:style>
+        <p:txBody>
+          <a:bodyPr rtlCol="0" anchor="ctr"/>
+          <a:lstStyle/>
+          <a:p>
+            <a:pPr algn="ctr"/>
+            <a:r>
+              <a:rPr lang="en-US" b="1" dirty="0"/>
+              <a:t>School Ratings Analysis</a:t>
+            </a:r>
+          </a:p>
+        </p:txBody>
+      </p:sp>
+      <p:sp>
+        <p:nvSpPr>
+          <p:cNvPr id="6" name="Rectangle: Rounded Corners 5">
+            <a:extLst>
+              <a:ext uri="{FF2B5EF4-FFF2-40B4-BE49-F238E27FC236}">
+                <a16:creationId xmlns:a16="http://schemas.microsoft.com/office/drawing/2014/main" id="{836EE6D6-513F-4E4B-B1C5-372D86F8E85F}"/>
+              </a:ext>
+            </a:extLst>
+          </p:cNvPr>
+          <p:cNvSpPr/>
+          <p:nvPr/>
+        </p:nvSpPr>
+        <p:spPr>
+          <a:xfrm>
+            <a:off x="7448029" y="2138417"/>
+            <a:ext cx="1950720" cy="1832875"/>
+          </a:xfrm>
+          <a:prstGeom prst="roundRect">
+            <a:avLst/>
+          </a:prstGeom>
+          <a:solidFill>
+            <a:schemeClr val="accent3">
+              <a:lumMod val="40000"/>
+              <a:lumOff val="60000"/>
+            </a:schemeClr>
+          </a:solidFill>
+        </p:spPr>
+        <p:style>
+          <a:lnRef idx="1">
+            <a:schemeClr val="accent5"/>
+          </a:lnRef>
+          <a:fillRef idx="2">
+            <a:schemeClr val="accent5"/>
+          </a:fillRef>
+          <a:effectRef idx="1">
+            <a:schemeClr val="accent5"/>
+          </a:effectRef>
+          <a:fontRef idx="minor">
+            <a:schemeClr val="dk1"/>
+          </a:fontRef>
+        </p:style>
+        <p:txBody>
+          <a:bodyPr rtlCol="0" anchor="ctr"/>
+          <a:lstStyle/>
+          <a:p>
+            <a:pPr algn="ctr"/>
+            <a:r>
+              <a:rPr lang="en-US" b="1" dirty="0"/>
+              <a:t>Median House Price Analysis</a:t>
             </a:r>
           </a:p>
         </p:txBody>
       </p:sp>
       <p:pic>
         <p:nvPicPr>
-          <p:cNvPr id="2" name="Picture 1">
+          <p:cNvPr id="7" name="Graphic 6" descr="Head with Gears">
             <a:extLst>
               <a:ext uri="{FF2B5EF4-FFF2-40B4-BE49-F238E27FC236}">
-                <a16:creationId xmlns:a16="http://schemas.microsoft.com/office/drawing/2014/main" id="{F653B87E-54D8-400F-B40B-45BCDF3ED02D}"/>
+                <a16:creationId xmlns:a16="http://schemas.microsoft.com/office/drawing/2014/main" id="{57488735-1E8B-4AFC-BFF1-02EB0A4E0353}"/>
               </a:ext>
             </a:extLst>
           </p:cNvPr>
@@ -7905,25 +7092,883 @@
           <p:nvPr/>
         </p:nvPicPr>
         <p:blipFill>
-          <a:blip r:embed="rId2"/>
+          <a:blip r:embed="rId2">
+            <a:extLst>
+              <a:ext uri="{28A0092B-C50C-407E-A947-70E740481C1C}">
+                <a14:useLocalDpi xmlns:a14="http://schemas.microsoft.com/office/drawing/2010/main" val="0"/>
+              </a:ext>
+              <a:ext uri="{96DAC541-7B7A-43D3-8B79-37D633B846F1}">
+                <asvg:svgBlip xmlns:asvg="http://schemas.microsoft.com/office/drawing/2016/SVG/main" r:embed="rId3"/>
+              </a:ext>
+            </a:extLst>
+          </a:blip>
           <a:stretch>
             <a:fillRect/>
           </a:stretch>
         </p:blipFill>
         <p:spPr>
           <a:xfrm>
-            <a:off x="1852612" y="1276350"/>
-            <a:ext cx="8486775" cy="4305300"/>
+            <a:off x="5194638" y="4683035"/>
+            <a:ext cx="914400" cy="914400"/>
           </a:xfrm>
           <a:prstGeom prst="rect">
             <a:avLst/>
           </a:prstGeom>
         </p:spPr>
       </p:pic>
+      <p:pic>
+        <p:nvPicPr>
+          <p:cNvPr id="8" name="Graphic 7" descr="City">
+            <a:extLst>
+              <a:ext uri="{FF2B5EF4-FFF2-40B4-BE49-F238E27FC236}">
+                <a16:creationId xmlns:a16="http://schemas.microsoft.com/office/drawing/2014/main" id="{342076A2-01C0-4BE8-8E42-0C2C044858E4}"/>
+              </a:ext>
+            </a:extLst>
+          </p:cNvPr>
+          <p:cNvPicPr>
+            <a:picLocks noChangeAspect="1"/>
+          </p:cNvPicPr>
+          <p:nvPr/>
+        </p:nvPicPr>
+        <p:blipFill>
+          <a:blip r:embed="rId4">
+            <a:extLst>
+              <a:ext uri="{28A0092B-C50C-407E-A947-70E740481C1C}">
+                <a14:useLocalDpi xmlns:a14="http://schemas.microsoft.com/office/drawing/2010/main" val="0"/>
+              </a:ext>
+              <a:ext uri="{96DAC541-7B7A-43D3-8B79-37D633B846F1}">
+                <asvg:svgBlip xmlns:asvg="http://schemas.microsoft.com/office/drawing/2016/SVG/main" r:embed="rId5"/>
+              </a:ext>
+            </a:extLst>
+          </a:blip>
+          <a:stretch>
+            <a:fillRect/>
+          </a:stretch>
+        </p:blipFill>
+        <p:spPr>
+          <a:xfrm>
+            <a:off x="5003073" y="5695406"/>
+            <a:ext cx="1227909" cy="1045031"/>
+          </a:xfrm>
+          <a:prstGeom prst="rect">
+            <a:avLst/>
+          </a:prstGeom>
+        </p:spPr>
+      </p:pic>
+      <p:sp>
+        <p:nvSpPr>
+          <p:cNvPr id="10" name="Rectangle 9">
+            <a:extLst>
+              <a:ext uri="{FF2B5EF4-FFF2-40B4-BE49-F238E27FC236}">
+                <a16:creationId xmlns:a16="http://schemas.microsoft.com/office/drawing/2014/main" id="{5A40B49B-159D-432E-A8A4-9B1FDA912C1A}"/>
+              </a:ext>
+            </a:extLst>
+          </p:cNvPr>
+          <p:cNvSpPr/>
+          <p:nvPr/>
+        </p:nvSpPr>
+        <p:spPr>
+          <a:xfrm>
+            <a:off x="4170490" y="6488668"/>
+            <a:ext cx="2734595" cy="369332"/>
+          </a:xfrm>
+          <a:prstGeom prst="rect">
+            <a:avLst/>
+          </a:prstGeom>
+        </p:spPr>
+        <p:txBody>
+          <a:bodyPr wrap="none">
+            <a:spAutoFit/>
+          </a:bodyPr>
+          <a:lstStyle/>
+          <a:p>
+            <a:r>
+              <a:rPr lang="en-US" b="1" i="0" dirty="0">
+                <a:effectLst/>
+                <a:latin typeface="Arial" panose="020B0604020202020204" pitchFamily="34" charset="0"/>
+              </a:rPr>
+              <a:t>Winning Neighborhood</a:t>
+            </a:r>
+            <a:endParaRPr lang="en-US" dirty="0"/>
+          </a:p>
+        </p:txBody>
+      </p:sp>
+      <p:cxnSp>
+        <p:nvCxnSpPr>
+          <p:cNvPr id="11" name="Straight Arrow Connector 10">
+            <a:extLst>
+              <a:ext uri="{FF2B5EF4-FFF2-40B4-BE49-F238E27FC236}">
+                <a16:creationId xmlns:a16="http://schemas.microsoft.com/office/drawing/2014/main" id="{F7929F42-DB7E-4F8D-8095-48D2A1C4C595}"/>
+              </a:ext>
+            </a:extLst>
+          </p:cNvPr>
+          <p:cNvCxnSpPr>
+            <a:stCxn id="2" idx="2"/>
+            <a:endCxn id="6" idx="0"/>
+          </p:cNvCxnSpPr>
+          <p:nvPr/>
+        </p:nvCxnSpPr>
+        <p:spPr>
+          <a:xfrm>
+            <a:off x="4636231" y="1360573"/>
+            <a:ext cx="3787158" cy="777844"/>
+          </a:xfrm>
+          <a:prstGeom prst="straightConnector1">
+            <a:avLst/>
+          </a:prstGeom>
+          <a:ln w="28575">
+            <a:solidFill>
+              <a:schemeClr val="bg2"/>
+            </a:solidFill>
+            <a:tailEnd type="triangle"/>
+          </a:ln>
+        </p:spPr>
+        <p:style>
+          <a:lnRef idx="1">
+            <a:schemeClr val="accent1"/>
+          </a:lnRef>
+          <a:fillRef idx="0">
+            <a:schemeClr val="accent1"/>
+          </a:fillRef>
+          <a:effectRef idx="0">
+            <a:schemeClr val="accent1"/>
+          </a:effectRef>
+          <a:fontRef idx="minor">
+            <a:schemeClr val="tx1"/>
+          </a:fontRef>
+        </p:style>
+      </p:cxnSp>
+      <p:cxnSp>
+        <p:nvCxnSpPr>
+          <p:cNvPr id="12" name="Straight Arrow Connector 11">
+            <a:extLst>
+              <a:ext uri="{FF2B5EF4-FFF2-40B4-BE49-F238E27FC236}">
+                <a16:creationId xmlns:a16="http://schemas.microsoft.com/office/drawing/2014/main" id="{2D016F02-76F9-4757-AFA3-34D9E331A4CD}"/>
+              </a:ext>
+            </a:extLst>
+          </p:cNvPr>
+          <p:cNvCxnSpPr>
+            <a:cxnSpLocks/>
+            <a:stCxn id="2" idx="2"/>
+            <a:endCxn id="5" idx="0"/>
+          </p:cNvCxnSpPr>
+          <p:nvPr/>
+        </p:nvCxnSpPr>
+        <p:spPr>
+          <a:xfrm>
+            <a:off x="4636231" y="1360573"/>
+            <a:ext cx="900591" cy="882111"/>
+          </a:xfrm>
+          <a:prstGeom prst="straightConnector1">
+            <a:avLst/>
+          </a:prstGeom>
+          <a:ln w="28575">
+            <a:solidFill>
+              <a:schemeClr val="bg2"/>
+            </a:solidFill>
+            <a:tailEnd type="triangle"/>
+          </a:ln>
+        </p:spPr>
+        <p:style>
+          <a:lnRef idx="1">
+            <a:schemeClr val="accent1"/>
+          </a:lnRef>
+          <a:fillRef idx="0">
+            <a:schemeClr val="accent1"/>
+          </a:fillRef>
+          <a:effectRef idx="0">
+            <a:schemeClr val="accent1"/>
+          </a:effectRef>
+          <a:fontRef idx="minor">
+            <a:schemeClr val="tx1"/>
+          </a:fontRef>
+        </p:style>
+      </p:cxnSp>
+      <p:cxnSp>
+        <p:nvCxnSpPr>
+          <p:cNvPr id="13" name="Straight Arrow Connector 12">
+            <a:extLst>
+              <a:ext uri="{FF2B5EF4-FFF2-40B4-BE49-F238E27FC236}">
+                <a16:creationId xmlns:a16="http://schemas.microsoft.com/office/drawing/2014/main" id="{228AFE0F-D5D1-4D1F-8CA1-5EFD3A1BE1D1}"/>
+              </a:ext>
+            </a:extLst>
+          </p:cNvPr>
+          <p:cNvCxnSpPr>
+            <a:cxnSpLocks/>
+            <a:endCxn id="4" idx="0"/>
+          </p:cNvCxnSpPr>
+          <p:nvPr/>
+        </p:nvCxnSpPr>
+        <p:spPr>
+          <a:xfrm flipH="1">
+            <a:off x="2545101" y="1400239"/>
+            <a:ext cx="2087882" cy="659616"/>
+          </a:xfrm>
+          <a:prstGeom prst="straightConnector1">
+            <a:avLst/>
+          </a:prstGeom>
+          <a:ln w="28575">
+            <a:solidFill>
+              <a:schemeClr val="bg2"/>
+            </a:solidFill>
+            <a:tailEnd type="triangle"/>
+          </a:ln>
+        </p:spPr>
+        <p:style>
+          <a:lnRef idx="1">
+            <a:schemeClr val="accent1"/>
+          </a:lnRef>
+          <a:fillRef idx="0">
+            <a:schemeClr val="accent1"/>
+          </a:fillRef>
+          <a:effectRef idx="0">
+            <a:schemeClr val="accent1"/>
+          </a:effectRef>
+          <a:fontRef idx="minor">
+            <a:schemeClr val="tx1"/>
+          </a:fontRef>
+        </p:style>
+      </p:cxnSp>
+      <p:sp>
+        <p:nvSpPr>
+          <p:cNvPr id="14" name="Cloud 13">
+            <a:extLst>
+              <a:ext uri="{FF2B5EF4-FFF2-40B4-BE49-F238E27FC236}">
+                <a16:creationId xmlns:a16="http://schemas.microsoft.com/office/drawing/2014/main" id="{931FEBB3-25B3-477E-852A-662ADCF7DF52}"/>
+              </a:ext>
+            </a:extLst>
+          </p:cNvPr>
+          <p:cNvSpPr/>
+          <p:nvPr/>
+        </p:nvSpPr>
+        <p:spPr>
+          <a:xfrm>
+            <a:off x="9901646" y="4199935"/>
+            <a:ext cx="1698172" cy="1397500"/>
+          </a:xfrm>
+          <a:prstGeom prst="cloud">
+            <a:avLst/>
+          </a:prstGeom>
+        </p:spPr>
+        <p:style>
+          <a:lnRef idx="2">
+            <a:schemeClr val="accent5"/>
+          </a:lnRef>
+          <a:fillRef idx="1">
+            <a:schemeClr val="lt1"/>
+          </a:fillRef>
+          <a:effectRef idx="0">
+            <a:schemeClr val="accent5"/>
+          </a:effectRef>
+          <a:fontRef idx="minor">
+            <a:schemeClr val="dk1"/>
+          </a:fontRef>
+        </p:style>
+        <p:txBody>
+          <a:bodyPr rtlCol="0" anchor="ctr"/>
+          <a:lstStyle/>
+          <a:p>
+            <a:pPr algn="ctr"/>
+            <a:r>
+              <a:rPr lang="en-US" dirty="0"/>
+              <a:t>Cluster Analysis</a:t>
+            </a:r>
+          </a:p>
+        </p:txBody>
+      </p:sp>
+      <p:cxnSp>
+        <p:nvCxnSpPr>
+          <p:cNvPr id="15" name="Straight Arrow Connector 14">
+            <a:extLst>
+              <a:ext uri="{FF2B5EF4-FFF2-40B4-BE49-F238E27FC236}">
+                <a16:creationId xmlns:a16="http://schemas.microsoft.com/office/drawing/2014/main" id="{FE605FC9-B7D3-4602-A866-E3AE7600439E}"/>
+              </a:ext>
+            </a:extLst>
+          </p:cNvPr>
+          <p:cNvCxnSpPr>
+            <a:endCxn id="7" idx="3"/>
+          </p:cNvCxnSpPr>
+          <p:nvPr/>
+        </p:nvCxnSpPr>
+        <p:spPr>
+          <a:xfrm flipH="1">
+            <a:off x="6109038" y="5140235"/>
+            <a:ext cx="3792608" cy="0"/>
+          </a:xfrm>
+          <a:prstGeom prst="straightConnector1">
+            <a:avLst/>
+          </a:prstGeom>
+          <a:ln w="38100">
+            <a:solidFill>
+              <a:schemeClr val="bg2"/>
+            </a:solidFill>
+            <a:tailEnd type="triangle"/>
+          </a:ln>
+        </p:spPr>
+        <p:style>
+          <a:lnRef idx="1">
+            <a:schemeClr val="accent1"/>
+          </a:lnRef>
+          <a:fillRef idx="0">
+            <a:schemeClr val="accent1"/>
+          </a:fillRef>
+          <a:effectRef idx="0">
+            <a:schemeClr val="accent1"/>
+          </a:effectRef>
+          <a:fontRef idx="minor">
+            <a:schemeClr val="tx1"/>
+          </a:fontRef>
+        </p:style>
+      </p:cxnSp>
+      <p:cxnSp>
+        <p:nvCxnSpPr>
+          <p:cNvPr id="16" name="Straight Arrow Connector 15">
+            <a:extLst>
+              <a:ext uri="{FF2B5EF4-FFF2-40B4-BE49-F238E27FC236}">
+                <a16:creationId xmlns:a16="http://schemas.microsoft.com/office/drawing/2014/main" id="{7117A318-AA42-4042-9A1D-4E3DB07F1D29}"/>
+              </a:ext>
+            </a:extLst>
+          </p:cNvPr>
+          <p:cNvCxnSpPr>
+            <a:cxnSpLocks/>
+            <a:stCxn id="3" idx="2"/>
+          </p:cNvCxnSpPr>
+          <p:nvPr/>
+        </p:nvCxnSpPr>
+        <p:spPr>
+          <a:xfrm flipH="1">
+            <a:off x="2864093" y="1365526"/>
+            <a:ext cx="4832130" cy="678677"/>
+          </a:xfrm>
+          <a:prstGeom prst="straightConnector1">
+            <a:avLst/>
+          </a:prstGeom>
+          <a:ln w="28575">
+            <a:solidFill>
+              <a:schemeClr val="bg2"/>
+            </a:solidFill>
+            <a:tailEnd type="triangle"/>
+          </a:ln>
+        </p:spPr>
+        <p:style>
+          <a:lnRef idx="1">
+            <a:schemeClr val="accent1"/>
+          </a:lnRef>
+          <a:fillRef idx="0">
+            <a:schemeClr val="accent1"/>
+          </a:fillRef>
+          <a:effectRef idx="0">
+            <a:schemeClr val="accent1"/>
+          </a:effectRef>
+          <a:fontRef idx="minor">
+            <a:schemeClr val="tx1"/>
+          </a:fontRef>
+        </p:style>
+      </p:cxnSp>
+      <p:cxnSp>
+        <p:nvCxnSpPr>
+          <p:cNvPr id="17" name="Straight Arrow Connector 16">
+            <a:extLst>
+              <a:ext uri="{FF2B5EF4-FFF2-40B4-BE49-F238E27FC236}">
+                <a16:creationId xmlns:a16="http://schemas.microsoft.com/office/drawing/2014/main" id="{F8AE36D1-E593-4B3D-9A2D-915C577E6E1A}"/>
+              </a:ext>
+            </a:extLst>
+          </p:cNvPr>
+          <p:cNvCxnSpPr>
+            <a:cxnSpLocks/>
+            <a:stCxn id="3" idx="2"/>
+          </p:cNvCxnSpPr>
+          <p:nvPr/>
+        </p:nvCxnSpPr>
+        <p:spPr>
+          <a:xfrm flipH="1">
+            <a:off x="5706081" y="1365526"/>
+            <a:ext cx="1990142" cy="861506"/>
+          </a:xfrm>
+          <a:prstGeom prst="straightConnector1">
+            <a:avLst/>
+          </a:prstGeom>
+          <a:ln w="28575">
+            <a:solidFill>
+              <a:schemeClr val="bg2"/>
+            </a:solidFill>
+            <a:tailEnd type="triangle"/>
+          </a:ln>
+        </p:spPr>
+        <p:style>
+          <a:lnRef idx="1">
+            <a:schemeClr val="accent1"/>
+          </a:lnRef>
+          <a:fillRef idx="0">
+            <a:schemeClr val="accent1"/>
+          </a:fillRef>
+          <a:effectRef idx="0">
+            <a:schemeClr val="accent1"/>
+          </a:effectRef>
+          <a:fontRef idx="minor">
+            <a:schemeClr val="tx1"/>
+          </a:fontRef>
+        </p:style>
+      </p:cxnSp>
+      <p:cxnSp>
+        <p:nvCxnSpPr>
+          <p:cNvPr id="18" name="Straight Arrow Connector 17">
+            <a:extLst>
+              <a:ext uri="{FF2B5EF4-FFF2-40B4-BE49-F238E27FC236}">
+                <a16:creationId xmlns:a16="http://schemas.microsoft.com/office/drawing/2014/main" id="{DBB7F019-A586-4CE5-91AF-FAAE26D9423E}"/>
+              </a:ext>
+            </a:extLst>
+          </p:cNvPr>
+          <p:cNvCxnSpPr>
+            <a:cxnSpLocks/>
+            <a:stCxn id="3" idx="2"/>
+            <a:endCxn id="6" idx="0"/>
+          </p:cNvCxnSpPr>
+          <p:nvPr/>
+        </p:nvCxnSpPr>
+        <p:spPr>
+          <a:xfrm>
+            <a:off x="7696223" y="1365526"/>
+            <a:ext cx="727166" cy="772891"/>
+          </a:xfrm>
+          <a:prstGeom prst="straightConnector1">
+            <a:avLst/>
+          </a:prstGeom>
+          <a:ln w="28575">
+            <a:solidFill>
+              <a:schemeClr val="bg2"/>
+            </a:solidFill>
+            <a:tailEnd type="triangle"/>
+          </a:ln>
+        </p:spPr>
+        <p:style>
+          <a:lnRef idx="1">
+            <a:schemeClr val="accent1"/>
+          </a:lnRef>
+          <a:fillRef idx="0">
+            <a:schemeClr val="accent1"/>
+          </a:fillRef>
+          <a:effectRef idx="0">
+            <a:schemeClr val="accent1"/>
+          </a:effectRef>
+          <a:fontRef idx="minor">
+            <a:schemeClr val="tx1"/>
+          </a:fontRef>
+        </p:style>
+      </p:cxnSp>
+      <p:pic>
+        <p:nvPicPr>
+          <p:cNvPr id="19" name="Graphic 18" descr="Group">
+            <a:extLst>
+              <a:ext uri="{FF2B5EF4-FFF2-40B4-BE49-F238E27FC236}">
+                <a16:creationId xmlns:a16="http://schemas.microsoft.com/office/drawing/2014/main" id="{8515A4F6-B5FA-4408-AC0C-8A24512B57AB}"/>
+              </a:ext>
+            </a:extLst>
+          </p:cNvPr>
+          <p:cNvPicPr>
+            <a:picLocks noChangeAspect="1"/>
+          </p:cNvPicPr>
+          <p:nvPr/>
+        </p:nvPicPr>
+        <p:blipFill>
+          <a:blip r:embed="rId6">
+            <a:extLst>
+              <a:ext uri="{28A0092B-C50C-407E-A947-70E740481C1C}">
+                <a14:useLocalDpi xmlns:a14="http://schemas.microsoft.com/office/drawing/2010/main" val="0"/>
+              </a:ext>
+              <a:ext uri="{96DAC541-7B7A-43D3-8B79-37D633B846F1}">
+                <asvg:svgBlip xmlns:asvg="http://schemas.microsoft.com/office/drawing/2016/SVG/main" r:embed="rId7"/>
+              </a:ext>
+            </a:extLst>
+          </a:blip>
+          <a:stretch>
+            <a:fillRect/>
+          </a:stretch>
+        </p:blipFill>
+        <p:spPr>
+          <a:xfrm>
+            <a:off x="1590423" y="3276409"/>
+            <a:ext cx="914400" cy="914400"/>
+          </a:xfrm>
+          <a:prstGeom prst="rect">
+            <a:avLst/>
+          </a:prstGeom>
+        </p:spPr>
+      </p:pic>
+      <p:pic>
+        <p:nvPicPr>
+          <p:cNvPr id="20" name="Graphic 19" descr="Children">
+            <a:extLst>
+              <a:ext uri="{FF2B5EF4-FFF2-40B4-BE49-F238E27FC236}">
+                <a16:creationId xmlns:a16="http://schemas.microsoft.com/office/drawing/2014/main" id="{794A39C7-78F4-4D7E-874E-61CE145EE5B5}"/>
+              </a:ext>
+            </a:extLst>
+          </p:cNvPr>
+          <p:cNvPicPr>
+            <a:picLocks noChangeAspect="1"/>
+          </p:cNvPicPr>
+          <p:nvPr/>
+        </p:nvPicPr>
+        <p:blipFill>
+          <a:blip r:embed="rId8">
+            <a:extLst>
+              <a:ext uri="{28A0092B-C50C-407E-A947-70E740481C1C}">
+                <a14:useLocalDpi xmlns:a14="http://schemas.microsoft.com/office/drawing/2010/main" val="0"/>
+              </a:ext>
+              <a:ext uri="{96DAC541-7B7A-43D3-8B79-37D633B846F1}">
+                <asvg:svgBlip xmlns:asvg="http://schemas.microsoft.com/office/drawing/2016/SVG/main" r:embed="rId9"/>
+              </a:ext>
+            </a:extLst>
+          </a:blip>
+          <a:stretch>
+            <a:fillRect/>
+          </a:stretch>
+        </p:blipFill>
+        <p:spPr>
+          <a:xfrm>
+            <a:off x="1740423" y="3426409"/>
+            <a:ext cx="914400" cy="914400"/>
+          </a:xfrm>
+          <a:prstGeom prst="rect">
+            <a:avLst/>
+          </a:prstGeom>
+        </p:spPr>
+      </p:pic>
+      <p:pic>
+        <p:nvPicPr>
+          <p:cNvPr id="21" name="Graphic 20" descr="Man and Woman">
+            <a:extLst>
+              <a:ext uri="{FF2B5EF4-FFF2-40B4-BE49-F238E27FC236}">
+                <a16:creationId xmlns:a16="http://schemas.microsoft.com/office/drawing/2014/main" id="{8758B4A6-B9CD-4232-81E0-1FB59BD2042E}"/>
+              </a:ext>
+            </a:extLst>
+          </p:cNvPr>
+          <p:cNvPicPr>
+            <a:picLocks noChangeAspect="1"/>
+          </p:cNvPicPr>
+          <p:nvPr/>
+        </p:nvPicPr>
+        <p:blipFill>
+          <a:blip r:embed="rId10">
+            <a:extLst>
+              <a:ext uri="{28A0092B-C50C-407E-A947-70E740481C1C}">
+                <a14:useLocalDpi xmlns:a14="http://schemas.microsoft.com/office/drawing/2010/main" val="0"/>
+              </a:ext>
+              <a:ext uri="{96DAC541-7B7A-43D3-8B79-37D633B846F1}">
+                <asvg:svgBlip xmlns:asvg="http://schemas.microsoft.com/office/drawing/2016/SVG/main" r:embed="rId11"/>
+              </a:ext>
+            </a:extLst>
+          </a:blip>
+          <a:stretch>
+            <a:fillRect/>
+          </a:stretch>
+        </p:blipFill>
+        <p:spPr>
+          <a:xfrm>
+            <a:off x="1890423" y="3576409"/>
+            <a:ext cx="914400" cy="914400"/>
+          </a:xfrm>
+          <a:prstGeom prst="rect">
+            <a:avLst/>
+          </a:prstGeom>
+        </p:spPr>
+      </p:pic>
+      <p:pic>
+        <p:nvPicPr>
+          <p:cNvPr id="22" name="Graphic 21" descr="Two Men">
+            <a:extLst>
+              <a:ext uri="{FF2B5EF4-FFF2-40B4-BE49-F238E27FC236}">
+                <a16:creationId xmlns:a16="http://schemas.microsoft.com/office/drawing/2014/main" id="{40EAA797-BE2B-4B72-9B2B-0219D23D9325}"/>
+              </a:ext>
+            </a:extLst>
+          </p:cNvPr>
+          <p:cNvPicPr>
+            <a:picLocks noChangeAspect="1"/>
+          </p:cNvPicPr>
+          <p:nvPr/>
+        </p:nvPicPr>
+        <p:blipFill>
+          <a:blip r:embed="rId12">
+            <a:extLst>
+              <a:ext uri="{28A0092B-C50C-407E-A947-70E740481C1C}">
+                <a14:useLocalDpi xmlns:a14="http://schemas.microsoft.com/office/drawing/2010/main" val="0"/>
+              </a:ext>
+              <a:ext uri="{96DAC541-7B7A-43D3-8B79-37D633B846F1}">
+                <asvg:svgBlip xmlns:asvg="http://schemas.microsoft.com/office/drawing/2016/SVG/main" r:embed="rId13"/>
+              </a:ext>
+            </a:extLst>
+          </a:blip>
+          <a:stretch>
+            <a:fillRect/>
+          </a:stretch>
+        </p:blipFill>
+        <p:spPr>
+          <a:xfrm>
+            <a:off x="2040423" y="3726409"/>
+            <a:ext cx="914400" cy="914400"/>
+          </a:xfrm>
+          <a:prstGeom prst="rect">
+            <a:avLst/>
+          </a:prstGeom>
+        </p:spPr>
+      </p:pic>
+      <p:pic>
+        <p:nvPicPr>
+          <p:cNvPr id="24" name="Graphic 23" descr="House">
+            <a:extLst>
+              <a:ext uri="{FF2B5EF4-FFF2-40B4-BE49-F238E27FC236}">
+                <a16:creationId xmlns:a16="http://schemas.microsoft.com/office/drawing/2014/main" id="{B6FF15C1-9A74-4BAB-8ECE-7765F4955CAF}"/>
+              </a:ext>
+            </a:extLst>
+          </p:cNvPr>
+          <p:cNvPicPr>
+            <a:picLocks noChangeAspect="1"/>
+          </p:cNvPicPr>
+          <p:nvPr/>
+        </p:nvPicPr>
+        <p:blipFill>
+          <a:blip r:embed="rId14">
+            <a:extLst>
+              <a:ext uri="{28A0092B-C50C-407E-A947-70E740481C1C}">
+                <a14:useLocalDpi xmlns:a14="http://schemas.microsoft.com/office/drawing/2010/main" val="0"/>
+              </a:ext>
+              <a:ext uri="{96DAC541-7B7A-43D3-8B79-37D633B846F1}">
+                <asvg:svgBlip xmlns:asvg="http://schemas.microsoft.com/office/drawing/2016/SVG/main" r:embed="rId15"/>
+              </a:ext>
+            </a:extLst>
+          </a:blip>
+          <a:stretch>
+            <a:fillRect/>
+          </a:stretch>
+        </p:blipFill>
+        <p:spPr>
+          <a:xfrm>
+            <a:off x="7251277" y="3343450"/>
+            <a:ext cx="914400" cy="914400"/>
+          </a:xfrm>
+          <a:prstGeom prst="rect">
+            <a:avLst/>
+          </a:prstGeom>
+        </p:spPr>
+      </p:pic>
+      <p:cxnSp>
+        <p:nvCxnSpPr>
+          <p:cNvPr id="25" name="Straight Arrow Connector 24">
+            <a:extLst>
+              <a:ext uri="{FF2B5EF4-FFF2-40B4-BE49-F238E27FC236}">
+                <a16:creationId xmlns:a16="http://schemas.microsoft.com/office/drawing/2014/main" id="{4BF731EF-BA25-4031-97B2-3A1E2EE38BC1}"/>
+              </a:ext>
+            </a:extLst>
+          </p:cNvPr>
+          <p:cNvCxnSpPr>
+            <a:cxnSpLocks/>
+            <a:endCxn id="7" idx="1"/>
+          </p:cNvCxnSpPr>
+          <p:nvPr/>
+        </p:nvCxnSpPr>
+        <p:spPr>
+          <a:xfrm>
+            <a:off x="2864094" y="3892730"/>
+            <a:ext cx="2330544" cy="1247505"/>
+          </a:xfrm>
+          <a:prstGeom prst="straightConnector1">
+            <a:avLst/>
+          </a:prstGeom>
+          <a:ln w="28575">
+            <a:solidFill>
+              <a:schemeClr val="bg2"/>
+            </a:solidFill>
+            <a:tailEnd type="triangle"/>
+          </a:ln>
+        </p:spPr>
+        <p:style>
+          <a:lnRef idx="1">
+            <a:schemeClr val="accent1"/>
+          </a:lnRef>
+          <a:fillRef idx="0">
+            <a:schemeClr val="accent1"/>
+          </a:fillRef>
+          <a:effectRef idx="0">
+            <a:schemeClr val="accent1"/>
+          </a:effectRef>
+          <a:fontRef idx="minor">
+            <a:schemeClr val="tx1"/>
+          </a:fontRef>
+        </p:style>
+      </p:cxnSp>
+      <p:cxnSp>
+        <p:nvCxnSpPr>
+          <p:cNvPr id="26" name="Straight Arrow Connector 25">
+            <a:extLst>
+              <a:ext uri="{FF2B5EF4-FFF2-40B4-BE49-F238E27FC236}">
+                <a16:creationId xmlns:a16="http://schemas.microsoft.com/office/drawing/2014/main" id="{00F5932E-DD6E-491C-BCCF-7942AC07ACC0}"/>
+              </a:ext>
+            </a:extLst>
+          </p:cNvPr>
+          <p:cNvCxnSpPr>
+            <a:cxnSpLocks/>
+            <a:stCxn id="6" idx="2"/>
+          </p:cNvCxnSpPr>
+          <p:nvPr/>
+        </p:nvCxnSpPr>
+        <p:spPr>
+          <a:xfrm flipH="1">
+            <a:off x="6082963" y="3971292"/>
+            <a:ext cx="2340426" cy="940342"/>
+          </a:xfrm>
+          <a:prstGeom prst="straightConnector1">
+            <a:avLst/>
+          </a:prstGeom>
+          <a:ln w="28575">
+            <a:solidFill>
+              <a:schemeClr val="bg2"/>
+            </a:solidFill>
+            <a:tailEnd type="triangle"/>
+          </a:ln>
+        </p:spPr>
+        <p:style>
+          <a:lnRef idx="1">
+            <a:schemeClr val="accent1"/>
+          </a:lnRef>
+          <a:fillRef idx="0">
+            <a:schemeClr val="accent1"/>
+          </a:fillRef>
+          <a:effectRef idx="0">
+            <a:schemeClr val="accent1"/>
+          </a:effectRef>
+          <a:fontRef idx="minor">
+            <a:schemeClr val="tx1"/>
+          </a:fontRef>
+        </p:style>
+      </p:cxnSp>
+      <p:cxnSp>
+        <p:nvCxnSpPr>
+          <p:cNvPr id="27" name="Straight Arrow Connector 26">
+            <a:extLst>
+              <a:ext uri="{FF2B5EF4-FFF2-40B4-BE49-F238E27FC236}">
+                <a16:creationId xmlns:a16="http://schemas.microsoft.com/office/drawing/2014/main" id="{6F51D95A-EF2C-42AA-96D6-05F12EEB53BA}"/>
+              </a:ext>
+            </a:extLst>
+          </p:cNvPr>
+          <p:cNvCxnSpPr>
+            <a:cxnSpLocks/>
+            <a:stCxn id="5" idx="2"/>
+          </p:cNvCxnSpPr>
+          <p:nvPr/>
+        </p:nvCxnSpPr>
+        <p:spPr>
+          <a:xfrm>
+            <a:off x="5536822" y="4075559"/>
+            <a:ext cx="0" cy="586501"/>
+          </a:xfrm>
+          <a:prstGeom prst="straightConnector1">
+            <a:avLst/>
+          </a:prstGeom>
+          <a:ln w="28575">
+            <a:solidFill>
+              <a:schemeClr val="bg2"/>
+            </a:solidFill>
+            <a:tailEnd type="triangle"/>
+          </a:ln>
+        </p:spPr>
+        <p:style>
+          <a:lnRef idx="1">
+            <a:schemeClr val="accent1"/>
+          </a:lnRef>
+          <a:fillRef idx="0">
+            <a:schemeClr val="accent1"/>
+          </a:fillRef>
+          <a:effectRef idx="0">
+            <a:schemeClr val="accent1"/>
+          </a:effectRef>
+          <a:fontRef idx="minor">
+            <a:schemeClr val="tx1"/>
+          </a:fontRef>
+        </p:style>
+      </p:cxnSp>
+      <p:cxnSp>
+        <p:nvCxnSpPr>
+          <p:cNvPr id="28" name="Straight Arrow Connector 27">
+            <a:extLst>
+              <a:ext uri="{FF2B5EF4-FFF2-40B4-BE49-F238E27FC236}">
+                <a16:creationId xmlns:a16="http://schemas.microsoft.com/office/drawing/2014/main" id="{ECB42D67-521D-403B-944D-D485C6A3F41D}"/>
+              </a:ext>
+            </a:extLst>
+          </p:cNvPr>
+          <p:cNvCxnSpPr>
+            <a:cxnSpLocks/>
+          </p:cNvCxnSpPr>
+          <p:nvPr/>
+        </p:nvCxnSpPr>
+        <p:spPr>
+          <a:xfrm>
+            <a:off x="5611591" y="5492474"/>
+            <a:ext cx="1" cy="372749"/>
+          </a:xfrm>
+          <a:prstGeom prst="straightConnector1">
+            <a:avLst/>
+          </a:prstGeom>
+          <a:ln w="76200">
+            <a:solidFill>
+              <a:schemeClr val="bg2"/>
+            </a:solidFill>
+            <a:tailEnd type="triangle"/>
+          </a:ln>
+        </p:spPr>
+        <p:style>
+          <a:lnRef idx="1">
+            <a:schemeClr val="accent1"/>
+          </a:lnRef>
+          <a:fillRef idx="0">
+            <a:schemeClr val="accent1"/>
+          </a:fillRef>
+          <a:effectRef idx="0">
+            <a:schemeClr val="accent1"/>
+          </a:effectRef>
+          <a:fontRef idx="minor">
+            <a:schemeClr val="tx1"/>
+          </a:fontRef>
+        </p:style>
+      </p:cxnSp>
+      <p:sp>
+        <p:nvSpPr>
+          <p:cNvPr id="29" name="TextBox 28">
+            <a:extLst>
+              <a:ext uri="{FF2B5EF4-FFF2-40B4-BE49-F238E27FC236}">
+                <a16:creationId xmlns:a16="http://schemas.microsoft.com/office/drawing/2014/main" id="{9565731C-2DAA-2442-8155-84F824ED9678}"/>
+              </a:ext>
+            </a:extLst>
+          </p:cNvPr>
+          <p:cNvSpPr txBox="1"/>
+          <p:nvPr/>
+        </p:nvSpPr>
+        <p:spPr>
+          <a:xfrm>
+            <a:off x="798686" y="700920"/>
+            <a:ext cx="2497873" cy="461665"/>
+          </a:xfrm>
+          <a:prstGeom prst="rect">
+            <a:avLst/>
+          </a:prstGeom>
+          <a:noFill/>
+        </p:spPr>
+        <p:txBody>
+          <a:bodyPr wrap="square" rtlCol="0">
+            <a:spAutoFit/>
+          </a:bodyPr>
+          <a:lstStyle/>
+          <a:p>
+            <a:r>
+              <a:rPr lang="en-US" sz="2400" dirty="0"/>
+              <a:t>Decision Making</a:t>
+            </a:r>
+          </a:p>
+        </p:txBody>
+      </p:sp>
     </p:spTree>
     <p:extLst>
       <p:ext uri="{BB962C8B-B14F-4D97-AF65-F5344CB8AC3E}">
-        <p14:creationId xmlns:p14="http://schemas.microsoft.com/office/powerpoint/2010/main" val="2318589387"/>
+        <p14:creationId xmlns:p14="http://schemas.microsoft.com/office/powerpoint/2010/main" val="870952832"/>
       </p:ext>
     </p:extLst>
   </p:cSld>
@@ -7952,10 +7997,10 @@
       </p:grpSpPr>
       <p:sp>
         <p:nvSpPr>
-          <p:cNvPr id="6" name="TextBox 5">
+          <p:cNvPr id="4" name="TextBox 3">
             <a:extLst>
               <a:ext uri="{FF2B5EF4-FFF2-40B4-BE49-F238E27FC236}">
-                <a16:creationId xmlns:a16="http://schemas.microsoft.com/office/drawing/2014/main" id="{013C8305-4B37-E34B-952B-0029F0411549}"/>
+                <a16:creationId xmlns:a16="http://schemas.microsoft.com/office/drawing/2014/main" id="{415CFA3D-772E-0B41-8454-828E700CF82F}"/>
               </a:ext>
             </a:extLst>
           </p:cNvPr>
@@ -7964,8 +8009,8 @@
         </p:nvSpPr>
         <p:spPr>
           <a:xfrm>
-            <a:off x="4070350" y="314324"/>
-            <a:ext cx="3829050" cy="461665"/>
+            <a:off x="4529138" y="300038"/>
+            <a:ext cx="3675365" cy="461665"/>
           </a:xfrm>
           <a:prstGeom prst="rect">
             <a:avLst/>
@@ -7973,14 +8018,14 @@
           <a:noFill/>
         </p:spPr>
         <p:txBody>
-          <a:bodyPr wrap="square" rtlCol="0">
+          <a:bodyPr wrap="none" rtlCol="0">
             <a:spAutoFit/>
           </a:bodyPr>
           <a:lstStyle/>
           <a:p>
             <a:r>
               <a:rPr lang="en-US" sz="2400" dirty="0"/>
-              <a:t>AVERAGE SCHOOL RATINGS </a:t>
+              <a:t>POPULATION DISTRIBUTION</a:t>
             </a:r>
           </a:p>
         </p:txBody>
@@ -7990,7 +8035,7 @@
           <p:cNvPr id="2" name="Picture 1">
             <a:extLst>
               <a:ext uri="{FF2B5EF4-FFF2-40B4-BE49-F238E27FC236}">
-                <a16:creationId xmlns:a16="http://schemas.microsoft.com/office/drawing/2014/main" id="{BCF3C001-9C05-4AD5-8567-2F435D20AC86}"/>
+                <a16:creationId xmlns:a16="http://schemas.microsoft.com/office/drawing/2014/main" id="{F653B87E-54D8-400F-B40B-45BCDF3ED02D}"/>
               </a:ext>
             </a:extLst>
           </p:cNvPr>
@@ -8007,8 +8052,8 @@
         </p:blipFill>
         <p:spPr>
           <a:xfrm>
-            <a:off x="1862137" y="1579666"/>
-            <a:ext cx="8467725" cy="4448175"/>
+            <a:off x="1852612" y="1276350"/>
+            <a:ext cx="8486775" cy="4305300"/>
           </a:xfrm>
           <a:prstGeom prst="rect">
             <a:avLst/>
@@ -8018,7 +8063,7 @@
     </p:spTree>
     <p:extLst>
       <p:ext uri="{BB962C8B-B14F-4D97-AF65-F5344CB8AC3E}">
-        <p14:creationId xmlns:p14="http://schemas.microsoft.com/office/powerpoint/2010/main" val="638095651"/>
+        <p14:creationId xmlns:p14="http://schemas.microsoft.com/office/powerpoint/2010/main" val="2318589387"/>
       </p:ext>
     </p:extLst>
   </p:cSld>
@@ -8047,10 +8092,10 @@
       </p:grpSpPr>
       <p:sp>
         <p:nvSpPr>
-          <p:cNvPr id="4" name="TextBox 3">
+          <p:cNvPr id="6" name="TextBox 5">
             <a:extLst>
               <a:ext uri="{FF2B5EF4-FFF2-40B4-BE49-F238E27FC236}">
-                <a16:creationId xmlns:a16="http://schemas.microsoft.com/office/drawing/2014/main" id="{6C1479C4-3EBC-4948-B1E1-80F98C975DFA}"/>
+                <a16:creationId xmlns:a16="http://schemas.microsoft.com/office/drawing/2014/main" id="{013C8305-4B37-E34B-952B-0029F0411549}"/>
               </a:ext>
             </a:extLst>
           </p:cNvPr>
@@ -8059,8 +8104,8 @@
         </p:nvSpPr>
         <p:spPr>
           <a:xfrm>
-            <a:off x="3914775" y="514350"/>
-            <a:ext cx="3457575" cy="523220"/>
+            <a:off x="4070350" y="314324"/>
+            <a:ext cx="3829050" cy="461665"/>
           </a:xfrm>
           <a:prstGeom prst="rect">
             <a:avLst/>
@@ -8074,8 +8119,8 @@
           <a:lstStyle/>
           <a:p>
             <a:r>
-              <a:rPr lang="en-US" sz="2800" dirty="0"/>
-              <a:t>MEDIAN HOUSE PRICE</a:t>
+              <a:rPr lang="en-US" sz="2400" dirty="0"/>
+              <a:t>AVERAGE SCHOOL RATINGS </a:t>
             </a:r>
           </a:p>
         </p:txBody>
@@ -8085,7 +8130,7 @@
           <p:cNvPr id="2" name="Picture 1">
             <a:extLst>
               <a:ext uri="{FF2B5EF4-FFF2-40B4-BE49-F238E27FC236}">
-                <a16:creationId xmlns:a16="http://schemas.microsoft.com/office/drawing/2014/main" id="{F6CDDEA0-8575-4163-AE3F-E588E161F1A8}"/>
+                <a16:creationId xmlns:a16="http://schemas.microsoft.com/office/drawing/2014/main" id="{BCF3C001-9C05-4AD5-8567-2F435D20AC86}"/>
               </a:ext>
             </a:extLst>
           </p:cNvPr>
@@ -8102,8 +8147,8 @@
         </p:blipFill>
         <p:spPr>
           <a:xfrm>
-            <a:off x="2027029" y="1755644"/>
-            <a:ext cx="8467725" cy="4695825"/>
+            <a:off x="1862137" y="1579666"/>
+            <a:ext cx="8467725" cy="4448175"/>
           </a:xfrm>
           <a:prstGeom prst="rect">
             <a:avLst/>
@@ -8113,7 +8158,7 @@
     </p:spTree>
     <p:extLst>
       <p:ext uri="{BB962C8B-B14F-4D97-AF65-F5344CB8AC3E}">
-        <p14:creationId xmlns:p14="http://schemas.microsoft.com/office/powerpoint/2010/main" val="2150055583"/>
+        <p14:creationId xmlns:p14="http://schemas.microsoft.com/office/powerpoint/2010/main" val="638095651"/>
       </p:ext>
     </p:extLst>
   </p:cSld>
@@ -8142,129 +8187,73 @@
       </p:grpSpPr>
       <p:sp>
         <p:nvSpPr>
-          <p:cNvPr id="2" name="Title 1">
+          <p:cNvPr id="4" name="TextBox 3">
             <a:extLst>
               <a:ext uri="{FF2B5EF4-FFF2-40B4-BE49-F238E27FC236}">
-                <a16:creationId xmlns:a16="http://schemas.microsoft.com/office/drawing/2014/main" id="{21EFE1D6-4C89-8641-A3C9-25D2E1118186}"/>
+                <a16:creationId xmlns:a16="http://schemas.microsoft.com/office/drawing/2014/main" id="{6C1479C4-3EBC-4948-B1E1-80F98C975DFA}"/>
               </a:ext>
             </a:extLst>
           </p:cNvPr>
-          <p:cNvSpPr>
-            <a:spLocks noGrp="1"/>
-          </p:cNvSpPr>
-          <p:nvPr>
-            <p:ph type="title"/>
-          </p:nvPr>
-        </p:nvSpPr>
-        <p:spPr/>
-        <p:txBody>
-          <a:bodyPr>
-            <a:normAutofit/>
+          <p:cNvSpPr txBox="1"/>
+          <p:nvPr/>
+        </p:nvSpPr>
+        <p:spPr>
+          <a:xfrm>
+            <a:off x="3914775" y="514350"/>
+            <a:ext cx="3457575" cy="523220"/>
+          </a:xfrm>
+          <a:prstGeom prst="rect">
+            <a:avLst/>
+          </a:prstGeom>
+          <a:noFill/>
+        </p:spPr>
+        <p:txBody>
+          <a:bodyPr wrap="square" rtlCol="0">
+            <a:spAutoFit/>
           </a:bodyPr>
           <a:lstStyle/>
           <a:p>
             <a:r>
-              <a:rPr lang="en-US" dirty="0"/>
-              <a:t>Comparison between Neighborhoods - Chicago</a:t>
-            </a:r>
-          </a:p>
-        </p:txBody>
-      </p:sp>
-      <p:sp>
-        <p:nvSpPr>
-          <p:cNvPr id="3" name="Content Placeholder 2">
+              <a:rPr lang="en-US" sz="2800" dirty="0"/>
+              <a:t>MEDIAN HOUSE PRICE</a:t>
+            </a:r>
+          </a:p>
+        </p:txBody>
+      </p:sp>
+      <p:pic>
+        <p:nvPicPr>
+          <p:cNvPr id="2" name="Picture 1">
             <a:extLst>
               <a:ext uri="{FF2B5EF4-FFF2-40B4-BE49-F238E27FC236}">
-                <a16:creationId xmlns:a16="http://schemas.microsoft.com/office/drawing/2014/main" id="{DDD5DC5C-374A-EE48-AE11-2D0B281FCBC3}"/>
+                <a16:creationId xmlns:a16="http://schemas.microsoft.com/office/drawing/2014/main" id="{F6CDDEA0-8575-4163-AE3F-E588E161F1A8}"/>
               </a:ext>
             </a:extLst>
           </p:cNvPr>
-          <p:cNvSpPr>
-            <a:spLocks noGrp="1"/>
-          </p:cNvSpPr>
-          <p:nvPr>
-            <p:ph idx="1"/>
-          </p:nvPr>
-        </p:nvSpPr>
-        <p:spPr>
-          <a:xfrm>
-            <a:off x="1003610" y="1918010"/>
-            <a:ext cx="10537902" cy="4449336"/>
-          </a:xfrm>
-        </p:spPr>
-        <p:txBody>
-          <a:bodyPr>
-            <a:normAutofit/>
-          </a:bodyPr>
-          <a:lstStyle/>
-          <a:p>
-            <a:pPr marL="0" indent="0">
-              <a:buNone/>
-            </a:pPr>
-            <a:r>
-              <a:rPr lang="en-US" dirty="0"/>
-              <a:t>			 </a:t>
-            </a:r>
-            <a:r>
-              <a:rPr lang="en-US" sz="3000" dirty="0" err="1"/>
-              <a:t>Armour</a:t>
-            </a:r>
-            <a:r>
-              <a:rPr lang="en-US" sz="3000" dirty="0"/>
-              <a:t> Square  and   Parkview</a:t>
-            </a:r>
-          </a:p>
-          <a:p>
-            <a:pPr marL="0" indent="0">
-              <a:buNone/>
-            </a:pPr>
-            <a:r>
-              <a:rPr lang="en-US" b="1" dirty="0"/>
-              <a:t>Now lets compare 2 neighborhoods to choose one that best matches our requirements as given below</a:t>
-            </a:r>
-          </a:p>
-          <a:p>
-            <a:pPr marL="0" indent="0">
-              <a:buNone/>
-            </a:pPr>
-            <a:r>
-              <a:rPr lang="en-US" dirty="0"/>
-              <a:t>1. More Indian Population </a:t>
-            </a:r>
-          </a:p>
-          <a:p>
-            <a:pPr marL="0" indent="0">
-              <a:buNone/>
-            </a:pPr>
-            <a:r>
-              <a:rPr lang="en-US" dirty="0"/>
-              <a:t>2. Higher School Rating </a:t>
-            </a:r>
-          </a:p>
-          <a:p>
-            <a:pPr marL="0" indent="0">
-              <a:buNone/>
-            </a:pPr>
-            <a:r>
-              <a:rPr lang="en-US" dirty="0"/>
-              <a:t>3. Reasonable Housing Price in the Range of 300k to 500k </a:t>
-            </a:r>
-          </a:p>
-          <a:p>
-            <a:pPr marL="0" indent="0">
-              <a:buNone/>
-            </a:pPr>
-            <a:r>
-              <a:rPr lang="en-US" dirty="0"/>
-              <a:t>4. Comfortable Neighborhoods</a:t>
-            </a:r>
-          </a:p>
-        </p:txBody>
-      </p:sp>
+          <p:cNvPicPr>
+            <a:picLocks noChangeAspect="1"/>
+          </p:cNvPicPr>
+          <p:nvPr/>
+        </p:nvPicPr>
+        <p:blipFill>
+          <a:blip r:embed="rId2"/>
+          <a:stretch>
+            <a:fillRect/>
+          </a:stretch>
+        </p:blipFill>
+        <p:spPr>
+          <a:xfrm>
+            <a:off x="2027029" y="1755644"/>
+            <a:ext cx="8467725" cy="4695825"/>
+          </a:xfrm>
+          <a:prstGeom prst="rect">
+            <a:avLst/>
+          </a:prstGeom>
+        </p:spPr>
+      </p:pic>
     </p:spTree>
     <p:extLst>
       <p:ext uri="{BB962C8B-B14F-4D97-AF65-F5344CB8AC3E}">
-        <p14:creationId xmlns:p14="http://schemas.microsoft.com/office/powerpoint/2010/main" val="2434397354"/>
+        <p14:creationId xmlns:p14="http://schemas.microsoft.com/office/powerpoint/2010/main" val="2150055583"/>
       </p:ext>
     </p:extLst>
   </p:cSld>
@@ -8296,7 +8285,7 @@
           <p:cNvPr id="2" name="Title 1">
             <a:extLst>
               <a:ext uri="{FF2B5EF4-FFF2-40B4-BE49-F238E27FC236}">
-                <a16:creationId xmlns:a16="http://schemas.microsoft.com/office/drawing/2014/main" id="{3EE78217-0488-EE4F-B9C8-277F0B8AE278}"/>
+                <a16:creationId xmlns:a16="http://schemas.microsoft.com/office/drawing/2014/main" id="{21EFE1D6-4C89-8641-A3C9-25D2E1118186}"/>
               </a:ext>
             </a:extLst>
           </p:cNvPr>
@@ -8307,29 +8296,26 @@
             <p:ph type="title"/>
           </p:nvPr>
         </p:nvSpPr>
-        <p:spPr>
-          <a:xfrm>
-            <a:off x="1141413" y="15693"/>
-            <a:ext cx="9905998" cy="1478570"/>
-          </a:xfrm>
-        </p:spPr>
-        <p:txBody>
-          <a:bodyPr/>
+        <p:spPr/>
+        <p:txBody>
+          <a:bodyPr>
+            <a:normAutofit/>
+          </a:bodyPr>
           <a:lstStyle/>
           <a:p>
             <a:r>
               <a:rPr lang="en-US" dirty="0"/>
-              <a:t>		Neighborhood Venues</a:t>
-            </a:r>
-          </a:p>
-        </p:txBody>
-      </p:sp>
-      <p:sp>
-        <p:nvSpPr>
-          <p:cNvPr id="4" name="Content Placeholder 3">
+              <a:t>Comparison between Neighborhoods - Chicago</a:t>
+            </a:r>
+          </a:p>
+        </p:txBody>
+      </p:sp>
+      <p:sp>
+        <p:nvSpPr>
+          <p:cNvPr id="3" name="Content Placeholder 2">
             <a:extLst>
               <a:ext uri="{FF2B5EF4-FFF2-40B4-BE49-F238E27FC236}">
-                <a16:creationId xmlns:a16="http://schemas.microsoft.com/office/drawing/2014/main" id="{DF0754A8-D88F-42E7-B8D4-08CD4F160182}"/>
+                <a16:creationId xmlns:a16="http://schemas.microsoft.com/office/drawing/2014/main" id="{DDD5DC5C-374A-EE48-AE11-2D0B281FCBC3}"/>
               </a:ext>
             </a:extLst>
           </p:cNvPr>
@@ -8340,49 +8326,85 @@
             <p:ph idx="1"/>
           </p:nvPr>
         </p:nvSpPr>
-        <p:spPr/>
-        <p:txBody>
-          <a:bodyPr/>
-          <a:lstStyle/>
-          <a:p>
-            <a:endParaRPr lang="en-US"/>
-          </a:p>
-        </p:txBody>
-      </p:sp>
-      <p:pic>
-        <p:nvPicPr>
-          <p:cNvPr id="6" name="Picture 5">
-            <a:extLst>
-              <a:ext uri="{FF2B5EF4-FFF2-40B4-BE49-F238E27FC236}">
-                <a16:creationId xmlns:a16="http://schemas.microsoft.com/office/drawing/2014/main" id="{D0F4DA41-2C0C-4320-93A6-4858C6F951FC}"/>
-              </a:ext>
-            </a:extLst>
-          </p:cNvPr>
-          <p:cNvPicPr>
-            <a:picLocks noChangeAspect="1"/>
-          </p:cNvPicPr>
-          <p:nvPr/>
-        </p:nvPicPr>
-        <p:blipFill>
-          <a:blip r:embed="rId2"/>
-          <a:stretch>
-            <a:fillRect/>
-          </a:stretch>
-        </p:blipFill>
-        <p:spPr>
-          <a:xfrm>
-            <a:off x="1103312" y="900502"/>
-            <a:ext cx="9224911" cy="5545184"/>
-          </a:xfrm>
-          <a:prstGeom prst="rect">
-            <a:avLst/>
-          </a:prstGeom>
-        </p:spPr>
-      </p:pic>
+        <p:spPr>
+          <a:xfrm>
+            <a:off x="1003610" y="1918010"/>
+            <a:ext cx="10537902" cy="4449336"/>
+          </a:xfrm>
+        </p:spPr>
+        <p:txBody>
+          <a:bodyPr>
+            <a:normAutofit/>
+          </a:bodyPr>
+          <a:lstStyle/>
+          <a:p>
+            <a:pPr marL="0" indent="0">
+              <a:buNone/>
+            </a:pPr>
+            <a:r>
+              <a:rPr lang="en-US" dirty="0"/>
+              <a:t>			 </a:t>
+            </a:r>
+            <a:r>
+              <a:rPr lang="en-US" sz="3000" dirty="0" err="1"/>
+              <a:t>Armour</a:t>
+            </a:r>
+            <a:r>
+              <a:rPr lang="en-US" sz="3000" dirty="0"/>
+              <a:t> Square  and   Parkview</a:t>
+            </a:r>
+          </a:p>
+          <a:p>
+            <a:pPr marL="0" indent="0">
+              <a:buNone/>
+            </a:pPr>
+            <a:r>
+              <a:rPr lang="en-US" b="1" dirty="0"/>
+              <a:t>Now lets compare 2 neighborhoods to choose one that best matches our requirements as given below</a:t>
+            </a:r>
+          </a:p>
+          <a:p>
+            <a:pPr marL="0" indent="0">
+              <a:buNone/>
+            </a:pPr>
+            <a:r>
+              <a:rPr lang="en-US" dirty="0"/>
+              <a:t>1. More Indian Population </a:t>
+            </a:r>
+          </a:p>
+          <a:p>
+            <a:pPr marL="0" indent="0">
+              <a:buNone/>
+            </a:pPr>
+            <a:r>
+              <a:rPr lang="en-US" dirty="0"/>
+              <a:t>2. Higher School Rating </a:t>
+            </a:r>
+          </a:p>
+          <a:p>
+            <a:pPr marL="0" indent="0">
+              <a:buNone/>
+            </a:pPr>
+            <a:r>
+              <a:rPr lang="en-US" dirty="0"/>
+              <a:t>3. Reasonable Housing Price in the Range of 300k to 500k </a:t>
+            </a:r>
+          </a:p>
+          <a:p>
+            <a:pPr marL="0" indent="0">
+              <a:buNone/>
+            </a:pPr>
+            <a:r>
+              <a:rPr lang="en-US" dirty="0"/>
+              <a:t>4. Comfortable Neighborhoods</a:t>
+            </a:r>
+          </a:p>
+        </p:txBody>
+      </p:sp>
     </p:spTree>
     <p:extLst>
       <p:ext uri="{BB962C8B-B14F-4D97-AF65-F5344CB8AC3E}">
-        <p14:creationId xmlns:p14="http://schemas.microsoft.com/office/powerpoint/2010/main" val="3884787791"/>
+        <p14:creationId xmlns:p14="http://schemas.microsoft.com/office/powerpoint/2010/main" val="2434397354"/>
       </p:ext>
     </p:extLst>
   </p:cSld>
@@ -8506,7 +8528,7 @@
           <p:cNvPr id="2" name="Title 1">
             <a:extLst>
               <a:ext uri="{FF2B5EF4-FFF2-40B4-BE49-F238E27FC236}">
-                <a16:creationId xmlns:a16="http://schemas.microsoft.com/office/drawing/2014/main" id="{3033F646-A75F-A34C-B3DB-9E1C3FDBB2C6}"/>
+                <a16:creationId xmlns:a16="http://schemas.microsoft.com/office/drawing/2014/main" id="{3EE78217-0488-EE4F-B9C8-277F0B8AE278}"/>
               </a:ext>
             </a:extLst>
           </p:cNvPr>
@@ -8519,7 +8541,7 @@
         </p:nvSpPr>
         <p:spPr>
           <a:xfrm>
-            <a:off x="957264" y="0"/>
+            <a:off x="1141413" y="15693"/>
             <a:ext cx="9905998" cy="1478570"/>
           </a:xfrm>
         </p:spPr>
@@ -8529,17 +8551,42 @@
           <a:p>
             <a:r>
               <a:rPr lang="en-US" dirty="0"/>
-              <a:t>		  Population distribution</a:t>
-            </a:r>
+              <a:t>		Neighborhood Venues</a:t>
+            </a:r>
+          </a:p>
+        </p:txBody>
+      </p:sp>
+      <p:sp>
+        <p:nvSpPr>
+          <p:cNvPr id="4" name="Content Placeholder 3">
+            <a:extLst>
+              <a:ext uri="{FF2B5EF4-FFF2-40B4-BE49-F238E27FC236}">
+                <a16:creationId xmlns:a16="http://schemas.microsoft.com/office/drawing/2014/main" id="{DF0754A8-D88F-42E7-B8D4-08CD4F160182}"/>
+              </a:ext>
+            </a:extLst>
+          </p:cNvPr>
+          <p:cNvSpPr>
+            <a:spLocks noGrp="1"/>
+          </p:cNvSpPr>
+          <p:nvPr>
+            <p:ph idx="1"/>
+          </p:nvPr>
+        </p:nvSpPr>
+        <p:spPr/>
+        <p:txBody>
+          <a:bodyPr/>
+          <a:lstStyle/>
+          <a:p>
+            <a:endParaRPr lang="en-US"/>
           </a:p>
         </p:txBody>
       </p:sp>
       <p:pic>
         <p:nvPicPr>
-          <p:cNvPr id="7" name="Picture 6">
+          <p:cNvPr id="6" name="Picture 5">
             <a:extLst>
               <a:ext uri="{FF2B5EF4-FFF2-40B4-BE49-F238E27FC236}">
-                <a16:creationId xmlns:a16="http://schemas.microsoft.com/office/drawing/2014/main" id="{287D5B16-9D6A-48F6-95D7-78095C9BCC26}"/>
+                <a16:creationId xmlns:a16="http://schemas.microsoft.com/office/drawing/2014/main" id="{D0F4DA41-2C0C-4320-93A6-4858C6F951FC}"/>
               </a:ext>
             </a:extLst>
           </p:cNvPr>
@@ -8556,38 +8603,8 @@
         </p:blipFill>
         <p:spPr>
           <a:xfrm>
-            <a:off x="1103312" y="2052918"/>
-            <a:ext cx="6076977" cy="4482793"/>
-          </a:xfrm>
-          <a:prstGeom prst="rect">
-            <a:avLst/>
-          </a:prstGeom>
-        </p:spPr>
-      </p:pic>
-      <p:pic>
-        <p:nvPicPr>
-          <p:cNvPr id="8" name="Picture 7">
-            <a:extLst>
-              <a:ext uri="{FF2B5EF4-FFF2-40B4-BE49-F238E27FC236}">
-                <a16:creationId xmlns:a16="http://schemas.microsoft.com/office/drawing/2014/main" id="{9F84F6FA-E3B2-423E-A678-C5657820959F}"/>
-              </a:ext>
-            </a:extLst>
-          </p:cNvPr>
-          <p:cNvPicPr>
-            <a:picLocks noChangeAspect="1"/>
-          </p:cNvPicPr>
-          <p:nvPr/>
-        </p:nvPicPr>
-        <p:blipFill>
-          <a:blip r:embed="rId3"/>
-          <a:stretch>
-            <a:fillRect/>
-          </a:stretch>
-        </p:blipFill>
-        <p:spPr>
-          <a:xfrm>
-            <a:off x="7340105" y="2117673"/>
-            <a:ext cx="3902518" cy="1311327"/>
+            <a:off x="1103312" y="900502"/>
+            <a:ext cx="9224911" cy="5545184"/>
           </a:xfrm>
           <a:prstGeom prst="rect">
             <a:avLst/>
@@ -8597,7 +8614,7 @@
     </p:spTree>
     <p:extLst>
       <p:ext uri="{BB962C8B-B14F-4D97-AF65-F5344CB8AC3E}">
-        <p14:creationId xmlns:p14="http://schemas.microsoft.com/office/powerpoint/2010/main" val="2779423399"/>
+        <p14:creationId xmlns:p14="http://schemas.microsoft.com/office/powerpoint/2010/main" val="3884787791"/>
       </p:ext>
     </p:extLst>
   </p:cSld>
@@ -8629,7 +8646,7 @@
           <p:cNvPr id="2" name="Title 1">
             <a:extLst>
               <a:ext uri="{FF2B5EF4-FFF2-40B4-BE49-F238E27FC236}">
-                <a16:creationId xmlns:a16="http://schemas.microsoft.com/office/drawing/2014/main" id="{BD0FA4C2-EAC6-3B4D-A698-2CB572BB7A59}"/>
+                <a16:creationId xmlns:a16="http://schemas.microsoft.com/office/drawing/2014/main" id="{3033F646-A75F-A34C-B3DB-9E1C3FDBB2C6}"/>
               </a:ext>
             </a:extLst>
           </p:cNvPr>
@@ -8640,14 +8657,19 @@
             <p:ph type="title"/>
           </p:nvPr>
         </p:nvSpPr>
-        <p:spPr/>
+        <p:spPr>
+          <a:xfrm>
+            <a:off x="957264" y="0"/>
+            <a:ext cx="9905998" cy="1478570"/>
+          </a:xfrm>
+        </p:spPr>
         <p:txBody>
           <a:bodyPr/>
           <a:lstStyle/>
           <a:p>
             <a:r>
               <a:rPr lang="en-US" dirty="0"/>
-              <a:t>			  School ratings</a:t>
+              <a:t>		  Population distribution</a:t>
             </a:r>
           </a:p>
         </p:txBody>
@@ -8657,7 +8679,7 @@
           <p:cNvPr id="7" name="Picture 6">
             <a:extLst>
               <a:ext uri="{FF2B5EF4-FFF2-40B4-BE49-F238E27FC236}">
-                <a16:creationId xmlns:a16="http://schemas.microsoft.com/office/drawing/2014/main" id="{2B453821-C628-450C-A82A-BBF95B7B73F4}"/>
+                <a16:creationId xmlns:a16="http://schemas.microsoft.com/office/drawing/2014/main" id="{287D5B16-9D6A-48F6-95D7-78095C9BCC26}"/>
               </a:ext>
             </a:extLst>
           </p:cNvPr>
@@ -8674,8 +8696,8 @@
         </p:blipFill>
         <p:spPr>
           <a:xfrm>
-            <a:off x="358827" y="1853247"/>
-            <a:ext cx="7061304" cy="4552035"/>
+            <a:off x="1103312" y="2052918"/>
+            <a:ext cx="6076977" cy="4482793"/>
           </a:xfrm>
           <a:prstGeom prst="rect">
             <a:avLst/>
@@ -8687,7 +8709,7 @@
           <p:cNvPr id="8" name="Picture 7">
             <a:extLst>
               <a:ext uri="{FF2B5EF4-FFF2-40B4-BE49-F238E27FC236}">
-                <a16:creationId xmlns:a16="http://schemas.microsoft.com/office/drawing/2014/main" id="{55FC5CE8-6EAE-4E20-920D-8E120FD3497C}"/>
+                <a16:creationId xmlns:a16="http://schemas.microsoft.com/office/drawing/2014/main" id="{9F84F6FA-E3B2-423E-A678-C5657820959F}"/>
               </a:ext>
             </a:extLst>
           </p:cNvPr>
@@ -8704,8 +8726,8 @@
         </p:blipFill>
         <p:spPr>
           <a:xfrm>
-            <a:off x="7799853" y="1853248"/>
-            <a:ext cx="4192277" cy="1909283"/>
+            <a:off x="7340105" y="2117673"/>
+            <a:ext cx="3902518" cy="1311327"/>
           </a:xfrm>
           <a:prstGeom prst="rect">
             <a:avLst/>
@@ -8715,7 +8737,7 @@
     </p:spTree>
     <p:extLst>
       <p:ext uri="{BB962C8B-B14F-4D97-AF65-F5344CB8AC3E}">
-        <p14:creationId xmlns:p14="http://schemas.microsoft.com/office/powerpoint/2010/main" val="2344350185"/>
+        <p14:creationId xmlns:p14="http://schemas.microsoft.com/office/powerpoint/2010/main" val="2779423399"/>
       </p:ext>
     </p:extLst>
   </p:cSld>
@@ -8747,7 +8769,7 @@
           <p:cNvPr id="2" name="Title 1">
             <a:extLst>
               <a:ext uri="{FF2B5EF4-FFF2-40B4-BE49-F238E27FC236}">
-                <a16:creationId xmlns:a16="http://schemas.microsoft.com/office/drawing/2014/main" id="{EB8394A9-6B65-BC4F-A901-2E2802B65193}"/>
+                <a16:creationId xmlns:a16="http://schemas.microsoft.com/office/drawing/2014/main" id="{BD0FA4C2-EAC6-3B4D-A698-2CB572BB7A59}"/>
               </a:ext>
             </a:extLst>
           </p:cNvPr>
@@ -8758,19 +8780,14 @@
             <p:ph type="title"/>
           </p:nvPr>
         </p:nvSpPr>
-        <p:spPr>
-          <a:xfrm>
-            <a:off x="1012826" y="0"/>
-            <a:ext cx="9905998" cy="1478570"/>
-          </a:xfrm>
-        </p:spPr>
+        <p:spPr/>
         <p:txBody>
           <a:bodyPr/>
           <a:lstStyle/>
           <a:p>
             <a:r>
               <a:rPr lang="en-US" dirty="0"/>
-              <a:t>		 Average housing price</a:t>
+              <a:t>			  School ratings</a:t>
             </a:r>
           </a:p>
         </p:txBody>
@@ -8780,7 +8797,7 @@
           <p:cNvPr id="7" name="Picture 6">
             <a:extLst>
               <a:ext uri="{FF2B5EF4-FFF2-40B4-BE49-F238E27FC236}">
-                <a16:creationId xmlns:a16="http://schemas.microsoft.com/office/drawing/2014/main" id="{A442A7F3-7497-48C4-B678-CC7B53B5F4BB}"/>
+                <a16:creationId xmlns:a16="http://schemas.microsoft.com/office/drawing/2014/main" id="{2B453821-C628-450C-A82A-BBF95B7B73F4}"/>
               </a:ext>
             </a:extLst>
           </p:cNvPr>
@@ -8797,8 +8814,8 @@
         </p:blipFill>
         <p:spPr>
           <a:xfrm>
-            <a:off x="346258" y="1478570"/>
-            <a:ext cx="6972144" cy="4924894"/>
+            <a:off x="358827" y="1853247"/>
+            <a:ext cx="7061304" cy="4552035"/>
           </a:xfrm>
           <a:prstGeom prst="rect">
             <a:avLst/>
@@ -8810,7 +8827,7 @@
           <p:cNvPr id="8" name="Picture 7">
             <a:extLst>
               <a:ext uri="{FF2B5EF4-FFF2-40B4-BE49-F238E27FC236}">
-                <a16:creationId xmlns:a16="http://schemas.microsoft.com/office/drawing/2014/main" id="{06612A6E-0E32-4614-900D-A20E90BA563E}"/>
+                <a16:creationId xmlns:a16="http://schemas.microsoft.com/office/drawing/2014/main" id="{55FC5CE8-6EAE-4E20-920D-8E120FD3497C}"/>
               </a:ext>
             </a:extLst>
           </p:cNvPr>
@@ -8827,8 +8844,8 @@
         </p:blipFill>
         <p:spPr>
           <a:xfrm>
-            <a:off x="7495082" y="1625808"/>
-            <a:ext cx="4497049" cy="1956841"/>
+            <a:off x="7799853" y="1853248"/>
+            <a:ext cx="4192277" cy="1909283"/>
           </a:xfrm>
           <a:prstGeom prst="rect">
             <a:avLst/>
@@ -8838,7 +8855,7 @@
     </p:spTree>
     <p:extLst>
       <p:ext uri="{BB962C8B-B14F-4D97-AF65-F5344CB8AC3E}">
-        <p14:creationId xmlns:p14="http://schemas.microsoft.com/office/powerpoint/2010/main" val="3640357521"/>
+        <p14:creationId xmlns:p14="http://schemas.microsoft.com/office/powerpoint/2010/main" val="2344350185"/>
       </p:ext>
     </p:extLst>
   </p:cSld>
@@ -8851,31 +8868,6 @@
 <file path=ppt/slides/slide23.xml><?xml version="1.0" encoding="utf-8"?>
 <p:sld xmlns:a="http://schemas.openxmlformats.org/drawingml/2006/main" xmlns:r="http://schemas.openxmlformats.org/officeDocument/2006/relationships" xmlns:p="http://schemas.openxmlformats.org/presentationml/2006/main">
   <p:cSld>
-    <p:bg>
-      <p:bgPr>
-        <a:blipFill rotWithShape="1">
-          <a:blip r:embed="rId2">
-            <a:duotone>
-              <a:schemeClr val="bg2">
-                <a:shade val="69000"/>
-                <a:hueMod val="108000"/>
-                <a:satMod val="164000"/>
-                <a:lumMod val="74000"/>
-              </a:schemeClr>
-              <a:schemeClr val="bg2">
-                <a:tint val="96000"/>
-                <a:hueMod val="88000"/>
-                <a:satMod val="140000"/>
-                <a:lumMod val="132000"/>
-              </a:schemeClr>
-            </a:duotone>
-            <a:extLst/>
-          </a:blip>
-          <a:stretch/>
-        </a:blipFill>
-        <a:effectLst/>
-      </p:bgPr>
-    </p:bg>
     <p:spTree>
       <p:nvGrpSpPr>
         <p:cNvPr id="1" name=""/>
@@ -8890,201 +8882,63 @@
           <a:chExt cx="0" cy="0"/>
         </a:xfrm>
       </p:grpSpPr>
-      <p:sp useBgFill="1">
-        <p:nvSpPr>
-          <p:cNvPr id="8" name="Rectangle 7">
+      <p:sp>
+        <p:nvSpPr>
+          <p:cNvPr id="2" name="Title 1">
             <a:extLst>
               <a:ext uri="{FF2B5EF4-FFF2-40B4-BE49-F238E27FC236}">
-                <a16:creationId xmlns:a16="http://schemas.microsoft.com/office/drawing/2014/main" id="{DDBA86CC-34C3-43C1-B328-62490FE69046}"/>
-              </a:ext>
-              <a:ext uri="{C183D7F6-B498-43B3-948B-1728B52AA6E4}">
-                <adec:decorative xmlns:adec="http://schemas.microsoft.com/office/drawing/2017/decorative" val="1"/>
+                <a16:creationId xmlns:a16="http://schemas.microsoft.com/office/drawing/2014/main" id="{EB8394A9-6B65-BC4F-A901-2E2802B65193}"/>
               </a:ext>
             </a:extLst>
           </p:cNvPr>
           <p:cNvSpPr>
-            <a:spLocks noGrp="1" noRot="1" noChangeAspect="1" noMove="1" noResize="1" noEditPoints="1" noAdjustHandles="1" noChangeArrowheads="1" noChangeShapeType="1" noTextEdit="1"/>
-          </p:cNvSpPr>
-          <p:nvPr>
-            <p:extLst>
-              <p:ext uri="{386F3935-93C4-4BCD-93E2-E3B085C9AB24}">
-                <p16:designElem xmlns:p16="http://schemas.microsoft.com/office/powerpoint/2015/main" val="1"/>
-              </p:ext>
-            </p:extLst>
-          </p:nvPr>
-        </p:nvSpPr>
-        <p:spPr>
-          <a:xfrm>
-            <a:off x="1" y="0"/>
-            <a:ext cx="12192000" cy="6858000"/>
-          </a:xfrm>
-          <a:prstGeom prst="rect">
-            <a:avLst/>
-          </a:prstGeom>
-          <a:ln>
-            <a:noFill/>
-          </a:ln>
-        </p:spPr>
-        <p:style>
-          <a:lnRef idx="2">
-            <a:schemeClr val="accent1">
-              <a:shade val="50000"/>
-            </a:schemeClr>
-          </a:lnRef>
-          <a:fillRef idx="1003">
-            <a:schemeClr val="dk2"/>
-          </a:fillRef>
-          <a:effectRef idx="0">
-            <a:schemeClr val="accent1"/>
-          </a:effectRef>
-          <a:fontRef idx="minor">
-            <a:schemeClr val="lt1"/>
-          </a:fontRef>
-        </p:style>
-        <p:txBody>
-          <a:bodyPr rtlCol="0" anchor="ctr"/>
-          <a:lstStyle/>
-          <a:p>
-            <a:pPr algn="ctr"/>
-            <a:endParaRPr lang="en-US"/>
+            <a:spLocks noGrp="1"/>
+          </p:cNvSpPr>
+          <p:nvPr>
+            <p:ph type="title"/>
+          </p:nvPr>
+        </p:nvSpPr>
+        <p:spPr>
+          <a:xfrm>
+            <a:off x="1012826" y="0"/>
+            <a:ext cx="9905998" cy="1478570"/>
+          </a:xfrm>
+        </p:spPr>
+        <p:txBody>
+          <a:bodyPr/>
+          <a:lstStyle/>
+          <a:p>
+            <a:r>
+              <a:rPr lang="en-US" dirty="0"/>
+              <a:t>		 Average housing price</a:t>
+            </a:r>
           </a:p>
         </p:txBody>
       </p:sp>
       <p:pic>
         <p:nvPicPr>
-          <p:cNvPr id="10" name="Picture 9">
+          <p:cNvPr id="7" name="Picture 6">
             <a:extLst>
               <a:ext uri="{FF2B5EF4-FFF2-40B4-BE49-F238E27FC236}">
-                <a16:creationId xmlns:a16="http://schemas.microsoft.com/office/drawing/2014/main" id="{714A34FB-8C90-4D4F-8FA5-32F48D37B72C}"/>
-              </a:ext>
-              <a:ext uri="{C183D7F6-B498-43B3-948B-1728B52AA6E4}">
-                <adec:decorative xmlns:adec="http://schemas.microsoft.com/office/drawing/2017/decorative" val="1"/>
+                <a16:creationId xmlns:a16="http://schemas.microsoft.com/office/drawing/2014/main" id="{A442A7F3-7497-48C4-B678-CC7B53B5F4BB}"/>
               </a:ext>
             </a:extLst>
           </p:cNvPr>
           <p:cNvPicPr>
-            <a:picLocks noGrp="1" noRot="1" noChangeAspect="1" noMove="1" noResize="1" noEditPoints="1" noAdjustHandles="1" noChangeArrowheads="1" noChangeShapeType="1" noCrop="1"/>
+            <a:picLocks noChangeAspect="1"/>
           </p:cNvPicPr>
-          <p:nvPr>
-            <p:extLst>
-              <p:ext uri="{386F3935-93C4-4BCD-93E2-E3B085C9AB24}">
-                <p16:designElem xmlns:p16="http://schemas.microsoft.com/office/powerpoint/2015/main" val="1"/>
-              </p:ext>
-            </p:extLst>
-          </p:nvPr>
+          <p:nvPr/>
         </p:nvPicPr>
-        <p:blipFill rotWithShape="1">
-          <a:blip r:embed="rId3">
-            <a:extLst>
-              <a:ext uri="{28A0092B-C50C-407E-A947-70E740481C1C}">
-                <a14:useLocalDpi xmlns:a14="http://schemas.microsoft.com/office/drawing/2010/main" val="0"/>
-              </a:ext>
-            </a:extLst>
-          </a:blip>
-          <a:srcRect t="28813"/>
-          <a:stretch/>
+        <p:blipFill>
+          <a:blip r:embed="rId2"/>
+          <a:stretch>
+            <a:fillRect/>
+          </a:stretch>
         </p:blipFill>
         <p:spPr>
           <a:xfrm>
-            <a:off x="7999412" y="0"/>
-            <a:ext cx="1603387" cy="1141407"/>
-          </a:xfrm>
-          <a:prstGeom prst="rect">
-            <a:avLst/>
-          </a:prstGeom>
-        </p:spPr>
-      </p:pic>
-      <p:sp>
-        <p:nvSpPr>
-          <p:cNvPr id="12" name="Rectangle 11">
-            <a:extLst>
-              <a:ext uri="{FF2B5EF4-FFF2-40B4-BE49-F238E27FC236}">
-                <a16:creationId xmlns:a16="http://schemas.microsoft.com/office/drawing/2014/main" id="{9CF4C9D6-90BC-48A0-91E8-0F0373CA11B5}"/>
-              </a:ext>
-              <a:ext uri="{C183D7F6-B498-43B3-948B-1728B52AA6E4}">
-                <adec:decorative xmlns:adec="http://schemas.microsoft.com/office/drawing/2017/decorative" val="1"/>
-              </a:ext>
-            </a:extLst>
-          </p:cNvPr>
-          <p:cNvSpPr>
-            <a:spLocks noGrp="1" noRot="1" noChangeAspect="1" noMove="1" noResize="1" noEditPoints="1" noAdjustHandles="1" noChangeArrowheads="1" noChangeShapeType="1" noTextEdit="1"/>
-          </p:cNvSpPr>
-          <p:nvPr>
-            <p:extLst>
-              <p:ext uri="{386F3935-93C4-4BCD-93E2-E3B085C9AB24}">
-                <p16:designElem xmlns:p16="http://schemas.microsoft.com/office/powerpoint/2015/main" val="1"/>
-              </p:ext>
-            </p:extLst>
-          </p:nvPr>
-        </p:nvSpPr>
-        <p:spPr>
-          <a:xfrm>
-            <a:off x="10437812" y="0"/>
-            <a:ext cx="685800" cy="1143000"/>
-          </a:xfrm>
-          <a:prstGeom prst="rect">
-            <a:avLst/>
-          </a:prstGeom>
-          <a:solidFill>
-            <a:schemeClr val="accent1"/>
-          </a:solidFill>
-          <a:ln>
-            <a:noFill/>
-          </a:ln>
-        </p:spPr>
-        <p:style>
-          <a:lnRef idx="1">
-            <a:schemeClr val="accent1"/>
-          </a:lnRef>
-          <a:fillRef idx="3">
-            <a:schemeClr val="accent1"/>
-          </a:fillRef>
-          <a:effectRef idx="2">
-            <a:schemeClr val="accent1"/>
-          </a:effectRef>
-          <a:fontRef idx="minor">
-            <a:schemeClr val="lt1"/>
-          </a:fontRef>
-        </p:style>
-      </p:sp>
-      <p:pic>
-        <p:nvPicPr>
-          <p:cNvPr id="14" name="Picture 13">
-            <a:extLst>
-              <a:ext uri="{FF2B5EF4-FFF2-40B4-BE49-F238E27FC236}">
-                <a16:creationId xmlns:a16="http://schemas.microsoft.com/office/drawing/2014/main" id="{E78ABD5E-93A2-4B90-8AA6-F0E768DEED40}"/>
-              </a:ext>
-              <a:ext uri="{C183D7F6-B498-43B3-948B-1728B52AA6E4}">
-                <adec:decorative xmlns:adec="http://schemas.microsoft.com/office/drawing/2017/decorative" val="1"/>
-              </a:ext>
-            </a:extLst>
-          </p:cNvPr>
-          <p:cNvPicPr>
-            <a:picLocks noGrp="1" noRot="1" noChangeAspect="1" noMove="1" noResize="1" noEditPoints="1" noAdjustHandles="1" noChangeArrowheads="1" noChangeShapeType="1" noCrop="1"/>
-          </p:cNvPicPr>
-          <p:nvPr>
-            <p:extLst>
-              <p:ext uri="{386F3935-93C4-4BCD-93E2-E3B085C9AB24}">
-                <p16:designElem xmlns:p16="http://schemas.microsoft.com/office/powerpoint/2015/main" val="1"/>
-              </p:ext>
-            </p:extLst>
-          </p:nvPr>
-        </p:nvPicPr>
-        <p:blipFill rotWithShape="1">
-          <a:blip r:embed="rId4">
-            <a:extLst>
-              <a:ext uri="{28A0092B-C50C-407E-A947-70E740481C1C}">
-                <a14:useLocalDpi xmlns:a14="http://schemas.microsoft.com/office/drawing/2010/main" val="0"/>
-              </a:ext>
-            </a:extLst>
-          </a:blip>
-          <a:srcRect l="3613"/>
-          <a:stretch/>
-        </p:blipFill>
-        <p:spPr>
-          <a:xfrm>
-            <a:off x="0" y="2669685"/>
-            <a:ext cx="4037012" cy="4188315"/>
+            <a:off x="346258" y="1478570"/>
+            <a:ext cx="6972144" cy="4924894"/>
           </a:xfrm>
           <a:prstGeom prst="rect">
             <a:avLst/>
@@ -9093,375 +8947,38 @@
       </p:pic>
       <p:pic>
         <p:nvPicPr>
-          <p:cNvPr id="16" name="Picture 15">
+          <p:cNvPr id="8" name="Picture 7">
             <a:extLst>
               <a:ext uri="{FF2B5EF4-FFF2-40B4-BE49-F238E27FC236}">
-                <a16:creationId xmlns:a16="http://schemas.microsoft.com/office/drawing/2014/main" id="{83B28B30-CE66-4E15-8ED6-99ED9DD7062E}"/>
-              </a:ext>
-              <a:ext uri="{C183D7F6-B498-43B3-948B-1728B52AA6E4}">
-                <adec:decorative xmlns:adec="http://schemas.microsoft.com/office/drawing/2017/decorative" val="1"/>
+                <a16:creationId xmlns:a16="http://schemas.microsoft.com/office/drawing/2014/main" id="{06612A6E-0E32-4614-900D-A20E90BA563E}"/>
               </a:ext>
             </a:extLst>
           </p:cNvPr>
           <p:cNvPicPr>
-            <a:picLocks noGrp="1" noRot="1" noChangeAspect="1" noMove="1" noResize="1" noEditPoints="1" noAdjustHandles="1" noChangeArrowheads="1" noChangeShapeType="1" noCrop="1"/>
+            <a:picLocks noChangeAspect="1"/>
           </p:cNvPicPr>
-          <p:nvPr>
-            <p:extLst>
-              <p:ext uri="{386F3935-93C4-4BCD-93E2-E3B085C9AB24}">
-                <p16:designElem xmlns:p16="http://schemas.microsoft.com/office/powerpoint/2015/main" val="1"/>
-              </p:ext>
-            </p:extLst>
-          </p:nvPr>
+          <p:nvPr/>
         </p:nvPicPr>
-        <p:blipFill rotWithShape="1">
-          <a:blip r:embed="rId5">
-            <a:extLst>
-              <a:ext uri="{28A0092B-C50C-407E-A947-70E740481C1C}">
-                <a14:useLocalDpi xmlns:a14="http://schemas.microsoft.com/office/drawing/2010/main" val="0"/>
-              </a:ext>
-            </a:extLst>
-          </a:blip>
-          <a:srcRect l="35640"/>
-          <a:stretch/>
+        <p:blipFill>
+          <a:blip r:embed="rId3"/>
+          <a:stretch>
+            <a:fillRect/>
+          </a:stretch>
         </p:blipFill>
         <p:spPr>
           <a:xfrm>
-            <a:off x="0" y="2892347"/>
-            <a:ext cx="1522412" cy="2365453"/>
+            <a:off x="7495082" y="1625808"/>
+            <a:ext cx="4497049" cy="1956841"/>
           </a:xfrm>
           <a:prstGeom prst="rect">
             <a:avLst/>
           </a:prstGeom>
         </p:spPr>
       </p:pic>
-      <p:sp>
-        <p:nvSpPr>
-          <p:cNvPr id="2" name="Title 1">
-            <a:extLst>
-              <a:ext uri="{FF2B5EF4-FFF2-40B4-BE49-F238E27FC236}">
-                <a16:creationId xmlns:a16="http://schemas.microsoft.com/office/drawing/2014/main" id="{1D451765-3852-2E4B-A22A-86AB64DE2586}"/>
-              </a:ext>
-            </a:extLst>
-          </p:cNvPr>
-          <p:cNvSpPr>
-            <a:spLocks noGrp="1"/>
-          </p:cNvSpPr>
-          <p:nvPr>
-            <p:ph type="title"/>
-          </p:nvPr>
-        </p:nvSpPr>
-        <p:spPr>
-          <a:xfrm>
-            <a:off x="653143" y="1645920"/>
-            <a:ext cx="3522879" cy="4470821"/>
-          </a:xfrm>
-        </p:spPr>
-        <p:txBody>
-          <a:bodyPr>
-            <a:normAutofit/>
-          </a:bodyPr>
-          <a:lstStyle/>
-          <a:p>
-            <a:pPr algn="r"/>
-            <a:r>
-              <a:rPr lang="en-US" dirty="0">
-                <a:solidFill>
-                  <a:schemeClr val="tx1"/>
-                </a:solidFill>
-              </a:rPr>
-              <a:t>			  Conclusion</a:t>
-            </a:r>
-          </a:p>
-        </p:txBody>
-      </p:sp>
-      <p:sp>
-        <p:nvSpPr>
-          <p:cNvPr id="18" name="Oval 17">
-            <a:extLst>
-              <a:ext uri="{FF2B5EF4-FFF2-40B4-BE49-F238E27FC236}">
-                <a16:creationId xmlns:a16="http://schemas.microsoft.com/office/drawing/2014/main" id="{CDB5D784-8B10-427C-B69F-040C0E2BB2E8}"/>
-              </a:ext>
-              <a:ext uri="{C183D7F6-B498-43B3-948B-1728B52AA6E4}">
-                <adec:decorative xmlns:adec="http://schemas.microsoft.com/office/drawing/2017/decorative" val="1"/>
-              </a:ext>
-            </a:extLst>
-          </p:cNvPr>
-          <p:cNvSpPr>
-            <a:spLocks noGrp="1" noRot="1" noChangeAspect="1" noMove="1" noResize="1" noEditPoints="1" noAdjustHandles="1" noChangeArrowheads="1" noChangeShapeType="1" noTextEdit="1"/>
-          </p:cNvSpPr>
-          <p:nvPr>
-            <p:extLst>
-              <p:ext uri="{386F3935-93C4-4BCD-93E2-E3B085C9AB24}">
-                <p16:designElem xmlns:p16="http://schemas.microsoft.com/office/powerpoint/2015/main" val="1"/>
-              </p:ext>
-            </p:extLst>
-          </p:nvPr>
-        </p:nvSpPr>
-        <p:spPr>
-          <a:xfrm>
-            <a:off x="8609012" y="1676400"/>
-            <a:ext cx="2819400" cy="2819400"/>
-          </a:xfrm>
-          <a:prstGeom prst="ellipse">
-            <a:avLst/>
-          </a:prstGeom>
-          <a:gradFill flip="none" rotWithShape="1">
-            <a:gsLst>
-              <a:gs pos="0">
-                <a:schemeClr val="bg2">
-                  <a:lumMod val="60000"/>
-                  <a:lumOff val="40000"/>
-                  <a:alpha val="7000"/>
-                </a:schemeClr>
-              </a:gs>
-              <a:gs pos="69000">
-                <a:schemeClr val="bg2">
-                  <a:lumMod val="60000"/>
-                  <a:lumOff val="40000"/>
-                  <a:alpha val="0"/>
-                </a:schemeClr>
-              </a:gs>
-              <a:gs pos="36000">
-                <a:schemeClr val="bg2">
-                  <a:lumMod val="60000"/>
-                  <a:lumOff val="40000"/>
-                  <a:alpha val="6000"/>
-                </a:schemeClr>
-              </a:gs>
-            </a:gsLst>
-            <a:path path="circle">
-              <a:fillToRect l="50000" t="50000" r="50000" b="50000"/>
-            </a:path>
-            <a:tileRect/>
-          </a:gradFill>
-          <a:ln>
-            <a:noFill/>
-          </a:ln>
-          <a:effectLst/>
-        </p:spPr>
-        <p:style>
-          <a:lnRef idx="1">
-            <a:schemeClr val="accent1"/>
-          </a:lnRef>
-          <a:fillRef idx="3">
-            <a:schemeClr val="accent1"/>
-          </a:fillRef>
-          <a:effectRef idx="2">
-            <a:schemeClr val="accent1"/>
-          </a:effectRef>
-          <a:fontRef idx="minor">
-            <a:schemeClr val="lt1"/>
-          </a:fontRef>
-        </p:style>
-      </p:sp>
-      <p:pic>
-        <p:nvPicPr>
-          <p:cNvPr id="20" name="Picture 19">
-            <a:extLst>
-              <a:ext uri="{FF2B5EF4-FFF2-40B4-BE49-F238E27FC236}">
-                <a16:creationId xmlns:a16="http://schemas.microsoft.com/office/drawing/2014/main" id="{BD8E3D7A-A77B-4350-B783-A006D0E568E2}"/>
-              </a:ext>
-              <a:ext uri="{C183D7F6-B498-43B3-948B-1728B52AA6E4}">
-                <adec:decorative xmlns:adec="http://schemas.microsoft.com/office/drawing/2017/decorative" val="1"/>
-              </a:ext>
-            </a:extLst>
-          </p:cNvPr>
-          <p:cNvPicPr>
-            <a:picLocks noGrp="1" noRot="1" noChangeAspect="1" noMove="1" noResize="1" noEditPoints="1" noAdjustHandles="1" noChangeArrowheads="1" noChangeShapeType="1" noCrop="1"/>
-          </p:cNvPicPr>
-          <p:nvPr>
-            <p:extLst>
-              <p:ext uri="{386F3935-93C4-4BCD-93E2-E3B085C9AB24}">
-                <p16:designElem xmlns:p16="http://schemas.microsoft.com/office/powerpoint/2015/main" val="1"/>
-              </p:ext>
-            </p:extLst>
-          </p:nvPr>
-        </p:nvPicPr>
-        <p:blipFill rotWithShape="1">
-          <a:blip r:embed="rId6">
-            <a:extLst>
-              <a:ext uri="{28A0092B-C50C-407E-A947-70E740481C1C}">
-                <a14:useLocalDpi xmlns:a14="http://schemas.microsoft.com/office/drawing/2010/main" val="0"/>
-              </a:ext>
-            </a:extLst>
-          </a:blip>
-          <a:srcRect b="23320"/>
-          <a:stretch/>
-        </p:blipFill>
-        <p:spPr>
-          <a:xfrm>
-            <a:off x="8605878" y="6096000"/>
-            <a:ext cx="993734" cy="762000"/>
-          </a:xfrm>
-          <a:prstGeom prst="rect">
-            <a:avLst/>
-          </a:prstGeom>
-        </p:spPr>
-      </p:pic>
-      <p:sp>
-        <p:nvSpPr>
-          <p:cNvPr id="3" name="Content Placeholder 2">
-            <a:extLst>
-              <a:ext uri="{FF2B5EF4-FFF2-40B4-BE49-F238E27FC236}">
-                <a16:creationId xmlns:a16="http://schemas.microsoft.com/office/drawing/2014/main" id="{7A74ABCB-C915-2644-AA3E-719302B2C7AC}"/>
-              </a:ext>
-            </a:extLst>
-          </p:cNvPr>
-          <p:cNvSpPr>
-            <a:spLocks noGrp="1"/>
-          </p:cNvSpPr>
-          <p:nvPr>
-            <p:ph idx="1"/>
-          </p:nvPr>
-        </p:nvSpPr>
-        <p:spPr>
-          <a:xfrm>
-            <a:off x="4829164" y="1645920"/>
-            <a:ext cx="6294448" cy="4470821"/>
-          </a:xfrm>
-        </p:spPr>
-        <p:txBody>
-          <a:bodyPr>
-            <a:normAutofit lnSpcReduction="10000"/>
-          </a:bodyPr>
-          <a:lstStyle/>
-          <a:p>
-            <a:pPr lvl="1">
-              <a:lnSpc>
-                <a:spcPct val="90000"/>
-              </a:lnSpc>
-            </a:pPr>
-            <a:r>
-              <a:rPr lang="en-US" sz="1500" dirty="0"/>
-              <a:t>This Analysis concludes that compared to Bellevue , </a:t>
-            </a:r>
-          </a:p>
-          <a:p>
-            <a:pPr marL="0" indent="0">
-              <a:lnSpc>
-                <a:spcPct val="90000"/>
-              </a:lnSpc>
-              <a:buNone/>
-            </a:pPr>
-            <a:endParaRPr lang="en-US" sz="1700" dirty="0"/>
-          </a:p>
-          <a:p>
-            <a:pPr lvl="1">
-              <a:lnSpc>
-                <a:spcPct val="90000"/>
-              </a:lnSpc>
-            </a:pPr>
-            <a:r>
-              <a:rPr lang="en-US" sz="1700" dirty="0"/>
-              <a:t>Parkview has the higher number of population (including Indians)</a:t>
-            </a:r>
-          </a:p>
-          <a:p>
-            <a:pPr lvl="1">
-              <a:lnSpc>
-                <a:spcPct val="90000"/>
-              </a:lnSpc>
-            </a:pPr>
-            <a:r>
-              <a:rPr lang="en-US" sz="1700" dirty="0"/>
-              <a:t>Good school rating of 7 </a:t>
-            </a:r>
-          </a:p>
-          <a:p>
-            <a:pPr lvl="1">
-              <a:lnSpc>
-                <a:spcPct val="90000"/>
-              </a:lnSpc>
-            </a:pPr>
-            <a:r>
-              <a:rPr lang="en-US" sz="1700" dirty="0"/>
-              <a:t>Reasonable average housing price of approximately 330k </a:t>
-            </a:r>
-          </a:p>
-          <a:p>
-            <a:pPr lvl="1">
-              <a:lnSpc>
-                <a:spcPct val="90000"/>
-              </a:lnSpc>
-            </a:pPr>
-            <a:r>
-              <a:rPr lang="en-US" sz="1700" dirty="0"/>
-              <a:t>also top 10 common venues shows </a:t>
-            </a:r>
-            <a:r>
-              <a:rPr lang="en-US" sz="1700" dirty="0" err="1"/>
-              <a:t>Parview</a:t>
-            </a:r>
-            <a:r>
-              <a:rPr lang="en-US" sz="1700" dirty="0"/>
-              <a:t> has got a good neighborhood with Gas station, Italian and American </a:t>
-            </a:r>
-            <a:r>
-              <a:rPr lang="en-US" sz="1700" dirty="0" err="1"/>
-              <a:t>Restautrant</a:t>
-            </a:r>
-            <a:r>
-              <a:rPr lang="en-US" sz="1700" dirty="0"/>
-              <a:t>, Train Station, Clothing Store , Park, Donut Shop and many more.</a:t>
-            </a:r>
-          </a:p>
-          <a:p>
-            <a:pPr marL="457200" lvl="1" indent="0">
-              <a:lnSpc>
-                <a:spcPct val="90000"/>
-              </a:lnSpc>
-              <a:buNone/>
-            </a:pPr>
-            <a:endParaRPr lang="en-US" sz="1700" dirty="0"/>
-          </a:p>
-          <a:p>
-            <a:pPr marL="457200" lvl="1" indent="0">
-              <a:lnSpc>
-                <a:spcPct val="90000"/>
-              </a:lnSpc>
-              <a:buNone/>
-            </a:pPr>
-            <a:endParaRPr lang="en-US" sz="1700" dirty="0"/>
-          </a:p>
-          <a:p>
-            <a:pPr marL="457200" lvl="1" indent="0">
-              <a:lnSpc>
-                <a:spcPct val="90000"/>
-              </a:lnSpc>
-              <a:buNone/>
-            </a:pPr>
-            <a:r>
-              <a:rPr lang="en-US" sz="1700" dirty="0"/>
-              <a:t>Hence </a:t>
-            </a:r>
-            <a:r>
-              <a:rPr lang="en-US" sz="1700" dirty="0" err="1"/>
-              <a:t>Parview</a:t>
-            </a:r>
-            <a:r>
-              <a:rPr lang="en-US" sz="1700" dirty="0"/>
-              <a:t> wins over </a:t>
-            </a:r>
-            <a:r>
-              <a:rPr lang="en-US" sz="1700" dirty="0" err="1"/>
-              <a:t>Armour</a:t>
-            </a:r>
-            <a:r>
-              <a:rPr lang="en-US" sz="1700" dirty="0"/>
-              <a:t> Square!</a:t>
-            </a:r>
-            <a:br>
-              <a:rPr lang="en-US" sz="1700" dirty="0"/>
-            </a:br>
-            <a:endParaRPr lang="en-US" sz="1700" dirty="0"/>
-          </a:p>
-        </p:txBody>
-      </p:sp>
     </p:spTree>
     <p:extLst>
       <p:ext uri="{BB962C8B-B14F-4D97-AF65-F5344CB8AC3E}">
-        <p14:creationId xmlns:p14="http://schemas.microsoft.com/office/powerpoint/2010/main" val="2042338653"/>
+        <p14:creationId xmlns:p14="http://schemas.microsoft.com/office/powerpoint/2010/main" val="3640357521"/>
       </p:ext>
     </p:extLst>
   </p:cSld>
@@ -9513,21 +9030,21 @@
           <a:chExt cx="0" cy="0"/>
         </a:xfrm>
       </p:grpSpPr>
-      <p:pic>
-        <p:nvPicPr>
-          <p:cNvPr id="35" name="Picture 34">
+      <p:sp useBgFill="1">
+        <p:nvSpPr>
+          <p:cNvPr id="8" name="Rectangle 7">
             <a:extLst>
               <a:ext uri="{FF2B5EF4-FFF2-40B4-BE49-F238E27FC236}">
-                <a16:creationId xmlns:a16="http://schemas.microsoft.com/office/drawing/2014/main" id="{DF19BAF3-7E20-4B9D-B544-BABAEEA1FA75}"/>
+                <a16:creationId xmlns:a16="http://schemas.microsoft.com/office/drawing/2014/main" id="{DDBA86CC-34C3-43C1-B328-62490FE69046}"/>
               </a:ext>
               <a:ext uri="{C183D7F6-B498-43B3-948B-1728B52AA6E4}">
                 <adec:decorative xmlns:adec="http://schemas.microsoft.com/office/drawing/2017/decorative" val="1"/>
               </a:ext>
             </a:extLst>
           </p:cNvPr>
-          <p:cNvPicPr>
-            <a:picLocks noGrp="1" noRot="1" noChangeAspect="1" noMove="1" noResize="1" noEditPoints="1" noAdjustHandles="1" noChangeArrowheads="1" noChangeShapeType="1" noCrop="1"/>
-          </p:cNvPicPr>
+          <p:cNvSpPr>
+            <a:spLocks noGrp="1" noRot="1" noChangeAspect="1" noMove="1" noResize="1" noEditPoints="1" noAdjustHandles="1" noChangeArrowheads="1" noChangeShapeType="1" noTextEdit="1"/>
+          </p:cNvSpPr>
           <p:nvPr>
             <p:extLst>
               <p:ext uri="{386F3935-93C4-4BCD-93E2-E3B085C9AB24}">
@@ -9535,34 +9052,50 @@
               </p:ext>
             </p:extLst>
           </p:nvPr>
-        </p:nvPicPr>
-        <p:blipFill rotWithShape="1">
-          <a:blip r:embed="rId3">
-            <a:extLst>
-              <a:ext uri="{28A0092B-C50C-407E-A947-70E740481C1C}">
-                <a14:useLocalDpi xmlns:a14="http://schemas.microsoft.com/office/drawing/2010/main" val="0"/>
-              </a:ext>
-            </a:extLst>
-          </a:blip>
-          <a:srcRect l="3613"/>
-          <a:stretch/>
-        </p:blipFill>
-        <p:spPr>
-          <a:xfrm>
-            <a:off x="0" y="2669685"/>
-            <a:ext cx="4037012" cy="4188315"/>
+        </p:nvSpPr>
+        <p:spPr>
+          <a:xfrm>
+            <a:off x="1" y="0"/>
+            <a:ext cx="12192000" cy="6858000"/>
           </a:xfrm>
           <a:prstGeom prst="rect">
             <a:avLst/>
           </a:prstGeom>
-        </p:spPr>
-      </p:pic>
+          <a:ln>
+            <a:noFill/>
+          </a:ln>
+        </p:spPr>
+        <p:style>
+          <a:lnRef idx="2">
+            <a:schemeClr val="accent1">
+              <a:shade val="50000"/>
+            </a:schemeClr>
+          </a:lnRef>
+          <a:fillRef idx="1003">
+            <a:schemeClr val="dk2"/>
+          </a:fillRef>
+          <a:effectRef idx="0">
+            <a:schemeClr val="accent1"/>
+          </a:effectRef>
+          <a:fontRef idx="minor">
+            <a:schemeClr val="lt1"/>
+          </a:fontRef>
+        </p:style>
+        <p:txBody>
+          <a:bodyPr rtlCol="0" anchor="ctr"/>
+          <a:lstStyle/>
+          <a:p>
+            <a:pPr algn="ctr"/>
+            <a:endParaRPr lang="en-US"/>
+          </a:p>
+        </p:txBody>
+      </p:sp>
       <p:pic>
         <p:nvPicPr>
-          <p:cNvPr id="37" name="Picture 36">
+          <p:cNvPr id="10" name="Picture 9">
             <a:extLst>
               <a:ext uri="{FF2B5EF4-FFF2-40B4-BE49-F238E27FC236}">
-                <a16:creationId xmlns:a16="http://schemas.microsoft.com/office/drawing/2014/main" id="{950648F4-ABCD-4DF0-8641-76CFB2354721}"/>
+                <a16:creationId xmlns:a16="http://schemas.microsoft.com/office/drawing/2014/main" id="{714A34FB-8C90-4D4F-8FA5-32F48D37B72C}"/>
               </a:ext>
               <a:ext uri="{C183D7F6-B498-43B3-948B-1728B52AA6E4}">
                 <adec:decorative xmlns:adec="http://schemas.microsoft.com/office/drawing/2017/decorative" val="1"/>
@@ -9581,7 +9114,148 @@
           </p:nvPr>
         </p:nvPicPr>
         <p:blipFill rotWithShape="1">
+          <a:blip r:embed="rId3">
+            <a:extLst>
+              <a:ext uri="{28A0092B-C50C-407E-A947-70E740481C1C}">
+                <a14:useLocalDpi xmlns:a14="http://schemas.microsoft.com/office/drawing/2010/main" val="0"/>
+              </a:ext>
+            </a:extLst>
+          </a:blip>
+          <a:srcRect t="28813"/>
+          <a:stretch/>
+        </p:blipFill>
+        <p:spPr>
+          <a:xfrm>
+            <a:off x="7999412" y="0"/>
+            <a:ext cx="1603387" cy="1141407"/>
+          </a:xfrm>
+          <a:prstGeom prst="rect">
+            <a:avLst/>
+          </a:prstGeom>
+        </p:spPr>
+      </p:pic>
+      <p:sp>
+        <p:nvSpPr>
+          <p:cNvPr id="12" name="Rectangle 11">
+            <a:extLst>
+              <a:ext uri="{FF2B5EF4-FFF2-40B4-BE49-F238E27FC236}">
+                <a16:creationId xmlns:a16="http://schemas.microsoft.com/office/drawing/2014/main" id="{9CF4C9D6-90BC-48A0-91E8-0F0373CA11B5}"/>
+              </a:ext>
+              <a:ext uri="{C183D7F6-B498-43B3-948B-1728B52AA6E4}">
+                <adec:decorative xmlns:adec="http://schemas.microsoft.com/office/drawing/2017/decorative" val="1"/>
+              </a:ext>
+            </a:extLst>
+          </p:cNvPr>
+          <p:cNvSpPr>
+            <a:spLocks noGrp="1" noRot="1" noChangeAspect="1" noMove="1" noResize="1" noEditPoints="1" noAdjustHandles="1" noChangeArrowheads="1" noChangeShapeType="1" noTextEdit="1"/>
+          </p:cNvSpPr>
+          <p:nvPr>
+            <p:extLst>
+              <p:ext uri="{386F3935-93C4-4BCD-93E2-E3B085C9AB24}">
+                <p16:designElem xmlns:p16="http://schemas.microsoft.com/office/powerpoint/2015/main" val="1"/>
+              </p:ext>
+            </p:extLst>
+          </p:nvPr>
+        </p:nvSpPr>
+        <p:spPr>
+          <a:xfrm>
+            <a:off x="10437812" y="0"/>
+            <a:ext cx="685800" cy="1143000"/>
+          </a:xfrm>
+          <a:prstGeom prst="rect">
+            <a:avLst/>
+          </a:prstGeom>
+          <a:solidFill>
+            <a:schemeClr val="accent1"/>
+          </a:solidFill>
+          <a:ln>
+            <a:noFill/>
+          </a:ln>
+        </p:spPr>
+        <p:style>
+          <a:lnRef idx="1">
+            <a:schemeClr val="accent1"/>
+          </a:lnRef>
+          <a:fillRef idx="3">
+            <a:schemeClr val="accent1"/>
+          </a:fillRef>
+          <a:effectRef idx="2">
+            <a:schemeClr val="accent1"/>
+          </a:effectRef>
+          <a:fontRef idx="minor">
+            <a:schemeClr val="lt1"/>
+          </a:fontRef>
+        </p:style>
+      </p:sp>
+      <p:pic>
+        <p:nvPicPr>
+          <p:cNvPr id="14" name="Picture 13">
+            <a:extLst>
+              <a:ext uri="{FF2B5EF4-FFF2-40B4-BE49-F238E27FC236}">
+                <a16:creationId xmlns:a16="http://schemas.microsoft.com/office/drawing/2014/main" id="{E78ABD5E-93A2-4B90-8AA6-F0E768DEED40}"/>
+              </a:ext>
+              <a:ext uri="{C183D7F6-B498-43B3-948B-1728B52AA6E4}">
+                <adec:decorative xmlns:adec="http://schemas.microsoft.com/office/drawing/2017/decorative" val="1"/>
+              </a:ext>
+            </a:extLst>
+          </p:cNvPr>
+          <p:cNvPicPr>
+            <a:picLocks noGrp="1" noRot="1" noChangeAspect="1" noMove="1" noResize="1" noEditPoints="1" noAdjustHandles="1" noChangeArrowheads="1" noChangeShapeType="1" noCrop="1"/>
+          </p:cNvPicPr>
+          <p:nvPr>
+            <p:extLst>
+              <p:ext uri="{386F3935-93C4-4BCD-93E2-E3B085C9AB24}">
+                <p16:designElem xmlns:p16="http://schemas.microsoft.com/office/powerpoint/2015/main" val="1"/>
+              </p:ext>
+            </p:extLst>
+          </p:nvPr>
+        </p:nvPicPr>
+        <p:blipFill rotWithShape="1">
           <a:blip r:embed="rId4">
+            <a:extLst>
+              <a:ext uri="{28A0092B-C50C-407E-A947-70E740481C1C}">
+                <a14:useLocalDpi xmlns:a14="http://schemas.microsoft.com/office/drawing/2010/main" val="0"/>
+              </a:ext>
+            </a:extLst>
+          </a:blip>
+          <a:srcRect l="3613"/>
+          <a:stretch/>
+        </p:blipFill>
+        <p:spPr>
+          <a:xfrm>
+            <a:off x="0" y="2669685"/>
+            <a:ext cx="4037012" cy="4188315"/>
+          </a:xfrm>
+          <a:prstGeom prst="rect">
+            <a:avLst/>
+          </a:prstGeom>
+        </p:spPr>
+      </p:pic>
+      <p:pic>
+        <p:nvPicPr>
+          <p:cNvPr id="16" name="Picture 15">
+            <a:extLst>
+              <a:ext uri="{FF2B5EF4-FFF2-40B4-BE49-F238E27FC236}">
+                <a16:creationId xmlns:a16="http://schemas.microsoft.com/office/drawing/2014/main" id="{83B28B30-CE66-4E15-8ED6-99ED9DD7062E}"/>
+              </a:ext>
+              <a:ext uri="{C183D7F6-B498-43B3-948B-1728B52AA6E4}">
+                <adec:decorative xmlns:adec="http://schemas.microsoft.com/office/drawing/2017/decorative" val="1"/>
+              </a:ext>
+            </a:extLst>
+          </p:cNvPr>
+          <p:cNvPicPr>
+            <a:picLocks noGrp="1" noRot="1" noChangeAspect="1" noMove="1" noResize="1" noEditPoints="1" noAdjustHandles="1" noChangeArrowheads="1" noChangeShapeType="1" noCrop="1"/>
+          </p:cNvPicPr>
+          <p:nvPr>
+            <p:extLst>
+              <p:ext uri="{386F3935-93C4-4BCD-93E2-E3B085C9AB24}">
+                <p16:designElem xmlns:p16="http://schemas.microsoft.com/office/powerpoint/2015/main" val="1"/>
+              </p:ext>
+            </p:extLst>
+          </p:nvPr>
+        </p:nvPicPr>
+        <p:blipFill rotWithShape="1">
+          <a:blip r:embed="rId5">
             <a:extLst>
               <a:ext uri="{28A0092B-C50C-407E-A947-70E740481C1C}">
                 <a14:useLocalDpi xmlns:a14="http://schemas.microsoft.com/office/drawing/2010/main" val="0"/>
@@ -9603,10 +9277,50 @@
       </p:pic>
       <p:sp>
         <p:nvSpPr>
-          <p:cNvPr id="39" name="Oval 38">
+          <p:cNvPr id="2" name="Title 1">
             <a:extLst>
               <a:ext uri="{FF2B5EF4-FFF2-40B4-BE49-F238E27FC236}">
-                <a16:creationId xmlns:a16="http://schemas.microsoft.com/office/drawing/2014/main" id="{989BE678-777B-482A-A616-FEDC47B162E5}"/>
+                <a16:creationId xmlns:a16="http://schemas.microsoft.com/office/drawing/2014/main" id="{1D451765-3852-2E4B-A22A-86AB64DE2586}"/>
+              </a:ext>
+            </a:extLst>
+          </p:cNvPr>
+          <p:cNvSpPr>
+            <a:spLocks noGrp="1"/>
+          </p:cNvSpPr>
+          <p:nvPr>
+            <p:ph type="title"/>
+          </p:nvPr>
+        </p:nvSpPr>
+        <p:spPr>
+          <a:xfrm>
+            <a:off x="653143" y="1645920"/>
+            <a:ext cx="3522879" cy="4470821"/>
+          </a:xfrm>
+        </p:spPr>
+        <p:txBody>
+          <a:bodyPr>
+            <a:normAutofit/>
+          </a:bodyPr>
+          <a:lstStyle/>
+          <a:p>
+            <a:pPr algn="r"/>
+            <a:r>
+              <a:rPr lang="en-US" dirty="0">
+                <a:solidFill>
+                  <a:schemeClr val="tx1"/>
+                </a:solidFill>
+              </a:rPr>
+              <a:t>			  Conclusion</a:t>
+            </a:r>
+          </a:p>
+        </p:txBody>
+      </p:sp>
+      <p:sp>
+        <p:nvSpPr>
+          <p:cNvPr id="18" name="Oval 17">
+            <a:extLst>
+              <a:ext uri="{FF2B5EF4-FFF2-40B4-BE49-F238E27FC236}">
+                <a16:creationId xmlns:a16="http://schemas.microsoft.com/office/drawing/2014/main" id="{CDB5D784-8B10-427C-B69F-040C0E2BB2E8}"/>
               </a:ext>
               <a:ext uri="{C183D7F6-B498-43B3-948B-1728B52AA6E4}">
                 <adec:decorative xmlns:adec="http://schemas.microsoft.com/office/drawing/2017/decorative" val="1"/>
@@ -9683,6 +9397,432 @@
       </p:sp>
       <p:pic>
         <p:nvPicPr>
+          <p:cNvPr id="20" name="Picture 19">
+            <a:extLst>
+              <a:ext uri="{FF2B5EF4-FFF2-40B4-BE49-F238E27FC236}">
+                <a16:creationId xmlns:a16="http://schemas.microsoft.com/office/drawing/2014/main" id="{BD8E3D7A-A77B-4350-B783-A006D0E568E2}"/>
+              </a:ext>
+              <a:ext uri="{C183D7F6-B498-43B3-948B-1728B52AA6E4}">
+                <adec:decorative xmlns:adec="http://schemas.microsoft.com/office/drawing/2017/decorative" val="1"/>
+              </a:ext>
+            </a:extLst>
+          </p:cNvPr>
+          <p:cNvPicPr>
+            <a:picLocks noGrp="1" noRot="1" noChangeAspect="1" noMove="1" noResize="1" noEditPoints="1" noAdjustHandles="1" noChangeArrowheads="1" noChangeShapeType="1" noCrop="1"/>
+          </p:cNvPicPr>
+          <p:nvPr>
+            <p:extLst>
+              <p:ext uri="{386F3935-93C4-4BCD-93E2-E3B085C9AB24}">
+                <p16:designElem xmlns:p16="http://schemas.microsoft.com/office/powerpoint/2015/main" val="1"/>
+              </p:ext>
+            </p:extLst>
+          </p:nvPr>
+        </p:nvPicPr>
+        <p:blipFill rotWithShape="1">
+          <a:blip r:embed="rId6">
+            <a:extLst>
+              <a:ext uri="{28A0092B-C50C-407E-A947-70E740481C1C}">
+                <a14:useLocalDpi xmlns:a14="http://schemas.microsoft.com/office/drawing/2010/main" val="0"/>
+              </a:ext>
+            </a:extLst>
+          </a:blip>
+          <a:srcRect b="23320"/>
+          <a:stretch/>
+        </p:blipFill>
+        <p:spPr>
+          <a:xfrm>
+            <a:off x="8605878" y="6096000"/>
+            <a:ext cx="993734" cy="762000"/>
+          </a:xfrm>
+          <a:prstGeom prst="rect">
+            <a:avLst/>
+          </a:prstGeom>
+        </p:spPr>
+      </p:pic>
+      <p:sp>
+        <p:nvSpPr>
+          <p:cNvPr id="3" name="Content Placeholder 2">
+            <a:extLst>
+              <a:ext uri="{FF2B5EF4-FFF2-40B4-BE49-F238E27FC236}">
+                <a16:creationId xmlns:a16="http://schemas.microsoft.com/office/drawing/2014/main" id="{7A74ABCB-C915-2644-AA3E-719302B2C7AC}"/>
+              </a:ext>
+            </a:extLst>
+          </p:cNvPr>
+          <p:cNvSpPr>
+            <a:spLocks noGrp="1"/>
+          </p:cNvSpPr>
+          <p:nvPr>
+            <p:ph idx="1"/>
+          </p:nvPr>
+        </p:nvSpPr>
+        <p:spPr>
+          <a:xfrm>
+            <a:off x="4829164" y="1645920"/>
+            <a:ext cx="6294448" cy="4470821"/>
+          </a:xfrm>
+        </p:spPr>
+        <p:txBody>
+          <a:bodyPr>
+            <a:normAutofit lnSpcReduction="10000"/>
+          </a:bodyPr>
+          <a:lstStyle/>
+          <a:p>
+            <a:pPr lvl="1">
+              <a:lnSpc>
+                <a:spcPct val="90000"/>
+              </a:lnSpc>
+            </a:pPr>
+            <a:r>
+              <a:rPr lang="en-US" sz="1500" dirty="0"/>
+              <a:t>This Analysis concludes that compared to Bellevue , </a:t>
+            </a:r>
+          </a:p>
+          <a:p>
+            <a:pPr marL="0" indent="0">
+              <a:lnSpc>
+                <a:spcPct val="90000"/>
+              </a:lnSpc>
+              <a:buNone/>
+            </a:pPr>
+            <a:endParaRPr lang="en-US" sz="1700" dirty="0"/>
+          </a:p>
+          <a:p>
+            <a:pPr lvl="1">
+              <a:lnSpc>
+                <a:spcPct val="90000"/>
+              </a:lnSpc>
+            </a:pPr>
+            <a:r>
+              <a:rPr lang="en-US" sz="1700" dirty="0"/>
+              <a:t>Parkview has the higher number of population (including Indians)</a:t>
+            </a:r>
+          </a:p>
+          <a:p>
+            <a:pPr lvl="1">
+              <a:lnSpc>
+                <a:spcPct val="90000"/>
+              </a:lnSpc>
+            </a:pPr>
+            <a:r>
+              <a:rPr lang="en-US" sz="1700" dirty="0"/>
+              <a:t>Good school rating of 7 </a:t>
+            </a:r>
+          </a:p>
+          <a:p>
+            <a:pPr lvl="1">
+              <a:lnSpc>
+                <a:spcPct val="90000"/>
+              </a:lnSpc>
+            </a:pPr>
+            <a:r>
+              <a:rPr lang="en-US" sz="1700" dirty="0"/>
+              <a:t>Reasonable average housing price of approximately 330k </a:t>
+            </a:r>
+          </a:p>
+          <a:p>
+            <a:pPr lvl="1">
+              <a:lnSpc>
+                <a:spcPct val="90000"/>
+              </a:lnSpc>
+            </a:pPr>
+            <a:r>
+              <a:rPr lang="en-US" sz="1700" dirty="0"/>
+              <a:t>also top 10 common venues shows </a:t>
+            </a:r>
+            <a:r>
+              <a:rPr lang="en-US" sz="1700" dirty="0" err="1"/>
+              <a:t>Parview</a:t>
+            </a:r>
+            <a:r>
+              <a:rPr lang="en-US" sz="1700" dirty="0"/>
+              <a:t> has got a good neighborhood with Gas station, Italian and American </a:t>
+            </a:r>
+            <a:r>
+              <a:rPr lang="en-US" sz="1700" dirty="0" err="1"/>
+              <a:t>Restautrant</a:t>
+            </a:r>
+            <a:r>
+              <a:rPr lang="en-US" sz="1700" dirty="0"/>
+              <a:t>, Train Station, Clothing Store , Park, Donut Shop and many more.</a:t>
+            </a:r>
+          </a:p>
+          <a:p>
+            <a:pPr marL="457200" lvl="1" indent="0">
+              <a:lnSpc>
+                <a:spcPct val="90000"/>
+              </a:lnSpc>
+              <a:buNone/>
+            </a:pPr>
+            <a:endParaRPr lang="en-US" sz="1700" dirty="0"/>
+          </a:p>
+          <a:p>
+            <a:pPr marL="457200" lvl="1" indent="0">
+              <a:lnSpc>
+                <a:spcPct val="90000"/>
+              </a:lnSpc>
+              <a:buNone/>
+            </a:pPr>
+            <a:endParaRPr lang="en-US" sz="1700" dirty="0"/>
+          </a:p>
+          <a:p>
+            <a:pPr marL="457200" lvl="1" indent="0">
+              <a:lnSpc>
+                <a:spcPct val="90000"/>
+              </a:lnSpc>
+              <a:buNone/>
+            </a:pPr>
+            <a:r>
+              <a:rPr lang="en-US" sz="1700" dirty="0"/>
+              <a:t>Hence </a:t>
+            </a:r>
+            <a:r>
+              <a:rPr lang="en-US" sz="1700" dirty="0" err="1"/>
+              <a:t>Parview</a:t>
+            </a:r>
+            <a:r>
+              <a:rPr lang="en-US" sz="1700" dirty="0"/>
+              <a:t> wins over </a:t>
+            </a:r>
+            <a:r>
+              <a:rPr lang="en-US" sz="1700" dirty="0" err="1"/>
+              <a:t>Armour</a:t>
+            </a:r>
+            <a:r>
+              <a:rPr lang="en-US" sz="1700" dirty="0"/>
+              <a:t> Square!</a:t>
+            </a:r>
+            <a:br>
+              <a:rPr lang="en-US" sz="1700" dirty="0"/>
+            </a:br>
+            <a:endParaRPr lang="en-US" sz="1700" dirty="0"/>
+          </a:p>
+        </p:txBody>
+      </p:sp>
+    </p:spTree>
+    <p:extLst>
+      <p:ext uri="{BB962C8B-B14F-4D97-AF65-F5344CB8AC3E}">
+        <p14:creationId xmlns:p14="http://schemas.microsoft.com/office/powerpoint/2010/main" val="2042338653"/>
+      </p:ext>
+    </p:extLst>
+  </p:cSld>
+  <p:clrMapOvr>
+    <a:masterClrMapping/>
+  </p:clrMapOvr>
+</p:sld>
+</file>
+
+<file path=ppt/slides/slide25.xml><?xml version="1.0" encoding="utf-8"?>
+<p:sld xmlns:a="http://schemas.openxmlformats.org/drawingml/2006/main" xmlns:r="http://schemas.openxmlformats.org/officeDocument/2006/relationships" xmlns:p="http://schemas.openxmlformats.org/presentationml/2006/main">
+  <p:cSld>
+    <p:bg>
+      <p:bgPr>
+        <a:blipFill rotWithShape="1">
+          <a:blip r:embed="rId2">
+            <a:duotone>
+              <a:schemeClr val="bg2">
+                <a:shade val="69000"/>
+                <a:hueMod val="108000"/>
+                <a:satMod val="164000"/>
+                <a:lumMod val="74000"/>
+              </a:schemeClr>
+              <a:schemeClr val="bg2">
+                <a:tint val="96000"/>
+                <a:hueMod val="88000"/>
+                <a:satMod val="140000"/>
+                <a:lumMod val="132000"/>
+              </a:schemeClr>
+            </a:duotone>
+            <a:extLst/>
+          </a:blip>
+          <a:stretch/>
+        </a:blipFill>
+        <a:effectLst/>
+      </p:bgPr>
+    </p:bg>
+    <p:spTree>
+      <p:nvGrpSpPr>
+        <p:cNvPr id="1" name=""/>
+        <p:cNvGrpSpPr/>
+        <p:nvPr/>
+      </p:nvGrpSpPr>
+      <p:grpSpPr>
+        <a:xfrm>
+          <a:off x="0" y="0"/>
+          <a:ext cx="0" cy="0"/>
+          <a:chOff x="0" y="0"/>
+          <a:chExt cx="0" cy="0"/>
+        </a:xfrm>
+      </p:grpSpPr>
+      <p:pic>
+        <p:nvPicPr>
+          <p:cNvPr id="35" name="Picture 34">
+            <a:extLst>
+              <a:ext uri="{FF2B5EF4-FFF2-40B4-BE49-F238E27FC236}">
+                <a16:creationId xmlns:a16="http://schemas.microsoft.com/office/drawing/2014/main" id="{DF19BAF3-7E20-4B9D-B544-BABAEEA1FA75}"/>
+              </a:ext>
+              <a:ext uri="{C183D7F6-B498-43B3-948B-1728B52AA6E4}">
+                <adec:decorative xmlns:adec="http://schemas.microsoft.com/office/drawing/2017/decorative" val="1"/>
+              </a:ext>
+            </a:extLst>
+          </p:cNvPr>
+          <p:cNvPicPr>
+            <a:picLocks noGrp="1" noRot="1" noChangeAspect="1" noMove="1" noResize="1" noEditPoints="1" noAdjustHandles="1" noChangeArrowheads="1" noChangeShapeType="1" noCrop="1"/>
+          </p:cNvPicPr>
+          <p:nvPr>
+            <p:extLst>
+              <p:ext uri="{386F3935-93C4-4BCD-93E2-E3B085C9AB24}">
+                <p16:designElem xmlns:p16="http://schemas.microsoft.com/office/powerpoint/2015/main" val="1"/>
+              </p:ext>
+            </p:extLst>
+          </p:nvPr>
+        </p:nvPicPr>
+        <p:blipFill rotWithShape="1">
+          <a:blip r:embed="rId3">
+            <a:extLst>
+              <a:ext uri="{28A0092B-C50C-407E-A947-70E740481C1C}">
+                <a14:useLocalDpi xmlns:a14="http://schemas.microsoft.com/office/drawing/2010/main" val="0"/>
+              </a:ext>
+            </a:extLst>
+          </a:blip>
+          <a:srcRect l="3613"/>
+          <a:stretch/>
+        </p:blipFill>
+        <p:spPr>
+          <a:xfrm>
+            <a:off x="0" y="2669685"/>
+            <a:ext cx="4037012" cy="4188315"/>
+          </a:xfrm>
+          <a:prstGeom prst="rect">
+            <a:avLst/>
+          </a:prstGeom>
+        </p:spPr>
+      </p:pic>
+      <p:pic>
+        <p:nvPicPr>
+          <p:cNvPr id="37" name="Picture 36">
+            <a:extLst>
+              <a:ext uri="{FF2B5EF4-FFF2-40B4-BE49-F238E27FC236}">
+                <a16:creationId xmlns:a16="http://schemas.microsoft.com/office/drawing/2014/main" id="{950648F4-ABCD-4DF0-8641-76CFB2354721}"/>
+              </a:ext>
+              <a:ext uri="{C183D7F6-B498-43B3-948B-1728B52AA6E4}">
+                <adec:decorative xmlns:adec="http://schemas.microsoft.com/office/drawing/2017/decorative" val="1"/>
+              </a:ext>
+            </a:extLst>
+          </p:cNvPr>
+          <p:cNvPicPr>
+            <a:picLocks noGrp="1" noRot="1" noChangeAspect="1" noMove="1" noResize="1" noEditPoints="1" noAdjustHandles="1" noChangeArrowheads="1" noChangeShapeType="1" noCrop="1"/>
+          </p:cNvPicPr>
+          <p:nvPr>
+            <p:extLst>
+              <p:ext uri="{386F3935-93C4-4BCD-93E2-E3B085C9AB24}">
+                <p16:designElem xmlns:p16="http://schemas.microsoft.com/office/powerpoint/2015/main" val="1"/>
+              </p:ext>
+            </p:extLst>
+          </p:nvPr>
+        </p:nvPicPr>
+        <p:blipFill rotWithShape="1">
+          <a:blip r:embed="rId4">
+            <a:extLst>
+              <a:ext uri="{28A0092B-C50C-407E-A947-70E740481C1C}">
+                <a14:useLocalDpi xmlns:a14="http://schemas.microsoft.com/office/drawing/2010/main" val="0"/>
+              </a:ext>
+            </a:extLst>
+          </a:blip>
+          <a:srcRect l="35640"/>
+          <a:stretch/>
+        </p:blipFill>
+        <p:spPr>
+          <a:xfrm>
+            <a:off x="0" y="2892347"/>
+            <a:ext cx="1522412" cy="2365453"/>
+          </a:xfrm>
+          <a:prstGeom prst="rect">
+            <a:avLst/>
+          </a:prstGeom>
+        </p:spPr>
+      </p:pic>
+      <p:sp>
+        <p:nvSpPr>
+          <p:cNvPr id="39" name="Oval 38">
+            <a:extLst>
+              <a:ext uri="{FF2B5EF4-FFF2-40B4-BE49-F238E27FC236}">
+                <a16:creationId xmlns:a16="http://schemas.microsoft.com/office/drawing/2014/main" id="{989BE678-777B-482A-A616-FEDC47B162E5}"/>
+              </a:ext>
+              <a:ext uri="{C183D7F6-B498-43B3-948B-1728B52AA6E4}">
+                <adec:decorative xmlns:adec="http://schemas.microsoft.com/office/drawing/2017/decorative" val="1"/>
+              </a:ext>
+            </a:extLst>
+          </p:cNvPr>
+          <p:cNvSpPr>
+            <a:spLocks noGrp="1" noRot="1" noChangeAspect="1" noMove="1" noResize="1" noEditPoints="1" noAdjustHandles="1" noChangeArrowheads="1" noChangeShapeType="1" noTextEdit="1"/>
+          </p:cNvSpPr>
+          <p:nvPr>
+            <p:extLst>
+              <p:ext uri="{386F3935-93C4-4BCD-93E2-E3B085C9AB24}">
+                <p16:designElem xmlns:p16="http://schemas.microsoft.com/office/powerpoint/2015/main" val="1"/>
+              </p:ext>
+            </p:extLst>
+          </p:nvPr>
+        </p:nvSpPr>
+        <p:spPr>
+          <a:xfrm>
+            <a:off x="8609012" y="1676400"/>
+            <a:ext cx="2819400" cy="2819400"/>
+          </a:xfrm>
+          <a:prstGeom prst="ellipse">
+            <a:avLst/>
+          </a:prstGeom>
+          <a:gradFill flip="none" rotWithShape="1">
+            <a:gsLst>
+              <a:gs pos="0">
+                <a:schemeClr val="bg2">
+                  <a:lumMod val="60000"/>
+                  <a:lumOff val="40000"/>
+                  <a:alpha val="7000"/>
+                </a:schemeClr>
+              </a:gs>
+              <a:gs pos="69000">
+                <a:schemeClr val="bg2">
+                  <a:lumMod val="60000"/>
+                  <a:lumOff val="40000"/>
+                  <a:alpha val="0"/>
+                </a:schemeClr>
+              </a:gs>
+              <a:gs pos="36000">
+                <a:schemeClr val="bg2">
+                  <a:lumMod val="60000"/>
+                  <a:lumOff val="40000"/>
+                  <a:alpha val="6000"/>
+                </a:schemeClr>
+              </a:gs>
+            </a:gsLst>
+            <a:path path="circle">
+              <a:fillToRect l="50000" t="50000" r="50000" b="50000"/>
+            </a:path>
+            <a:tileRect/>
+          </a:gradFill>
+          <a:ln>
+            <a:noFill/>
+          </a:ln>
+          <a:effectLst/>
+        </p:spPr>
+        <p:style>
+          <a:lnRef idx="1">
+            <a:schemeClr val="accent1"/>
+          </a:lnRef>
+          <a:fillRef idx="3">
+            <a:schemeClr val="accent1"/>
+          </a:fillRef>
+          <a:effectRef idx="2">
+            <a:schemeClr val="accent1"/>
+          </a:effectRef>
+          <a:fontRef idx="minor">
+            <a:schemeClr val="lt1"/>
+          </a:fontRef>
+        </p:style>
+      </p:sp>
+      <p:pic>
+        <p:nvPicPr>
           <p:cNvPr id="41" name="Picture 40">
             <a:extLst>
               <a:ext uri="{FF2B5EF4-FFF2-40B4-BE49-F238E27FC236}">
@@ -10841,7 +10981,7 @@
         </p:nvSpPr>
         <p:spPr>
           <a:xfrm rot="5400000">
-            <a:off x="9319483" y="3355848"/>
+            <a:off x="9302256" y="3196767"/>
             <a:ext cx="683676" cy="382571"/>
           </a:xfrm>
           <a:prstGeom prst="rightArrow">
@@ -10963,7 +11103,7 @@
         </p:blipFill>
         <p:spPr>
           <a:xfrm>
-            <a:off x="7911330" y="1423192"/>
+            <a:off x="7873443" y="1344136"/>
             <a:ext cx="3848100" cy="1704975"/>
           </a:xfrm>
           <a:prstGeom prst="rect">
@@ -10973,10 +11113,10 @@
       </p:pic>
       <p:pic>
         <p:nvPicPr>
-          <p:cNvPr id="19" name="Picture 18">
+          <p:cNvPr id="21" name="Picture 20">
             <a:extLst>
               <a:ext uri="{FF2B5EF4-FFF2-40B4-BE49-F238E27FC236}">
-                <a16:creationId xmlns:a16="http://schemas.microsoft.com/office/drawing/2014/main" id="{879A5DE7-31AB-4CF4-8218-B5219975E585}"/>
+                <a16:creationId xmlns:a16="http://schemas.microsoft.com/office/drawing/2014/main" id="{B754248B-7D63-4B87-86D5-57F4D97873A2}"/>
               </a:ext>
             </a:extLst>
           </p:cNvPr>
@@ -10993,8 +11133,8 @@
         </p:blipFill>
         <p:spPr>
           <a:xfrm>
-            <a:off x="8241392" y="4011287"/>
-            <a:ext cx="3187976" cy="2300657"/>
+            <a:off x="7462391" y="3714542"/>
+            <a:ext cx="4544079" cy="3143458"/>
           </a:xfrm>
           <a:prstGeom prst="rect">
             <a:avLst/>
@@ -12104,119 +12244,99 @@
           <a:chExt cx="0" cy="0"/>
         </a:xfrm>
       </p:grpSpPr>
-      <p:sp>
-        <p:nvSpPr>
-          <p:cNvPr id="2" name="TextBox 1">
+      <p:pic>
+        <p:nvPicPr>
+          <p:cNvPr id="4" name="Picture 3">
             <a:extLst>
               <a:ext uri="{FF2B5EF4-FFF2-40B4-BE49-F238E27FC236}">
-                <a16:creationId xmlns:a16="http://schemas.microsoft.com/office/drawing/2014/main" id="{140C7659-7492-6D44-82AF-8A692059F050}"/>
+                <a16:creationId xmlns:a16="http://schemas.microsoft.com/office/drawing/2014/main" id="{748F95FC-81FD-4211-A6BD-B0FF30AA7F02}"/>
               </a:ext>
             </a:extLst>
           </p:cNvPr>
-          <p:cNvSpPr txBox="1"/>
+          <p:cNvPicPr>
+            <a:picLocks noChangeAspect="1"/>
+          </p:cNvPicPr>
           <p:nvPr/>
-        </p:nvSpPr>
-        <p:spPr>
-          <a:xfrm>
-            <a:off x="2800350" y="285750"/>
-            <a:ext cx="5557838" cy="584775"/>
+        </p:nvPicPr>
+        <p:blipFill>
+          <a:blip r:embed="rId2"/>
+          <a:stretch>
+            <a:fillRect/>
+          </a:stretch>
+        </p:blipFill>
+        <p:spPr>
+          <a:xfrm>
+            <a:off x="1154955" y="1735111"/>
+            <a:ext cx="9020175" cy="4991100"/>
           </a:xfrm>
           <a:prstGeom prst="rect">
             <a:avLst/>
           </a:prstGeom>
-          <a:noFill/>
-        </p:spPr>
-        <p:txBody>
-          <a:bodyPr wrap="square" rtlCol="0">
+        </p:spPr>
+      </p:pic>
+      <p:sp>
+        <p:nvSpPr>
+          <p:cNvPr id="5" name="Rectangle 4">
+            <a:extLst>
+              <a:ext uri="{FF2B5EF4-FFF2-40B4-BE49-F238E27FC236}">
+                <a16:creationId xmlns:a16="http://schemas.microsoft.com/office/drawing/2014/main" id="{2607775C-43C6-4081-A7C0-4411BA725AC5}"/>
+              </a:ext>
+            </a:extLst>
+          </p:cNvPr>
+          <p:cNvSpPr/>
+          <p:nvPr/>
+        </p:nvSpPr>
+        <p:spPr>
+          <a:xfrm>
+            <a:off x="2584174" y="1023385"/>
+            <a:ext cx="5724939" cy="646331"/>
+          </a:xfrm>
+          <a:prstGeom prst="rect">
+            <a:avLst/>
+          </a:prstGeom>
+        </p:spPr>
+        <p:txBody>
+          <a:bodyPr wrap="square">
             <a:spAutoFit/>
           </a:bodyPr>
           <a:lstStyle/>
           <a:p>
             <a:r>
-              <a:rPr lang="en-US" sz="3200" b="1" dirty="0">
-                <a:hlinkClick r:id="rId2" tooltip="sklearn.metrics"/>
-              </a:rPr>
-              <a:t>sklearn.metrics</a:t>
-            </a:r>
-            <a:r>
-              <a:rPr lang="en-US" sz="3200" b="1" dirty="0"/>
-              <a:t>.silhouette_score</a:t>
-            </a:r>
-          </a:p>
-        </p:txBody>
-      </p:sp>
-      <p:sp>
-        <p:nvSpPr>
-          <p:cNvPr id="3" name="TextBox 2">
+              <a:rPr lang="en-US" sz="3600" dirty="0"/>
+              <a:t>Cluster Neighborhood</a:t>
+            </a:r>
+          </a:p>
+        </p:txBody>
+      </p:sp>
+      <p:sp>
+        <p:nvSpPr>
+          <p:cNvPr id="7" name="Subtitle 6">
             <a:extLst>
               <a:ext uri="{FF2B5EF4-FFF2-40B4-BE49-F238E27FC236}">
-                <a16:creationId xmlns:a16="http://schemas.microsoft.com/office/drawing/2014/main" id="{B2BDF28F-CB06-2941-9A98-41E03DD3A6E0}"/>
+                <a16:creationId xmlns:a16="http://schemas.microsoft.com/office/drawing/2014/main" id="{1E254D61-AE07-4E2C-B72B-329F4F576B19}"/>
               </a:ext>
             </a:extLst>
           </p:cNvPr>
-          <p:cNvSpPr txBox="1"/>
-          <p:nvPr/>
-        </p:nvSpPr>
-        <p:spPr>
-          <a:xfrm>
-            <a:off x="1028699" y="1471613"/>
-            <a:ext cx="10615613" cy="4832092"/>
-          </a:xfrm>
-          <a:prstGeom prst="rect">
-            <a:avLst/>
-          </a:prstGeom>
-          <a:noFill/>
-        </p:spPr>
-        <p:txBody>
-          <a:bodyPr wrap="square" rtlCol="0">
-            <a:spAutoFit/>
-          </a:bodyPr>
-          <a:lstStyle/>
-          <a:p>
-            <a:r>
-              <a:rPr lang="en-US" sz="2800" dirty="0"/>
-              <a:t>The Silhouette Coefficient is calculated using the mean intra-cluster distance (a) and the mean nearest-cluster distance (b) for each sample. </a:t>
-            </a:r>
-          </a:p>
-          <a:p>
-            <a:endParaRPr lang="en-US" sz="2800" dirty="0"/>
-          </a:p>
-          <a:p>
-            <a:r>
-              <a:rPr lang="en-US" sz="2800" dirty="0"/>
-              <a:t>The formula for the Silhouette Coefficient of a sample is </a:t>
-            </a:r>
-          </a:p>
-          <a:p>
-            <a:r>
-              <a:rPr lang="en-US" sz="2800" dirty="0"/>
-              <a:t>                          </a:t>
-            </a:r>
-            <a:r>
-              <a:rPr lang="en-US" sz="2800" dirty="0">
-                <a:solidFill>
-                  <a:schemeClr val="accent1"/>
-                </a:solidFill>
-              </a:rPr>
-              <a:t>(b - a) / max(a, b). </a:t>
-            </a:r>
-          </a:p>
-          <a:p>
-            <a:endParaRPr lang="en-US" sz="2800" dirty="0"/>
-          </a:p>
-          <a:p>
-            <a:r>
-              <a:rPr lang="en-US" sz="2800" dirty="0"/>
-              <a:t>The best value is 1 and the worst value is -1. Values near 0 indicate overlapping clusters. Negative values generally indicate that a sample has been assigned to the wrong cluster.</a:t>
-            </a:r>
-            <a:endParaRPr lang="en-US" dirty="0"/>
+          <p:cNvSpPr>
+            <a:spLocks noGrp="1"/>
+          </p:cNvSpPr>
+          <p:nvPr>
+            <p:ph type="subTitle" idx="1"/>
+          </p:nvPr>
+        </p:nvSpPr>
+        <p:spPr/>
+        <p:txBody>
+          <a:bodyPr/>
+          <a:lstStyle/>
+          <a:p>
+            <a:endParaRPr lang="en-US"/>
           </a:p>
         </p:txBody>
       </p:sp>
     </p:spTree>
     <p:extLst>
       <p:ext uri="{BB962C8B-B14F-4D97-AF65-F5344CB8AC3E}">
-        <p14:creationId xmlns:p14="http://schemas.microsoft.com/office/powerpoint/2010/main" val="868675423"/>
+        <p14:creationId xmlns:p14="http://schemas.microsoft.com/office/powerpoint/2010/main" val="1817883550"/>
       </p:ext>
     </p:extLst>
   </p:cSld>
